--- a/spring13/slides13/gamblers-time-to-win.pptx
+++ b/spring13/slides13/gamblers-time-to-win.pptx
@@ -5,13 +5,13 @@
     <p:sldMasterId id="2147483648" r:id="rId1"/>
   </p:sldMasterIdLst>
   <p:notesMasterIdLst>
-    <p:notesMasterId r:id="rId15"/>
+    <p:notesMasterId r:id="rId16"/>
   </p:notesMasterIdLst>
   <p:handoutMasterIdLst>
-    <p:handoutMasterId r:id="rId16"/>
+    <p:handoutMasterId r:id="rId17"/>
   </p:handoutMasterIdLst>
   <p:sldIdLst>
-    <p:sldId id="256" r:id="rId2"/>
+    <p:sldId id="350" r:id="rId2"/>
     <p:sldId id="341" r:id="rId3"/>
     <p:sldId id="334" r:id="rId4"/>
     <p:sldId id="335" r:id="rId5"/>
@@ -20,10 +20,11 @@
     <p:sldId id="338" r:id="rId8"/>
     <p:sldId id="340" r:id="rId9"/>
     <p:sldId id="345" r:id="rId10"/>
-    <p:sldId id="346" r:id="rId11"/>
-    <p:sldId id="347" r:id="rId12"/>
-    <p:sldId id="348" r:id="rId13"/>
-    <p:sldId id="349" r:id="rId14"/>
+    <p:sldId id="351" r:id="rId11"/>
+    <p:sldId id="346" r:id="rId12"/>
+    <p:sldId id="349" r:id="rId13"/>
+    <p:sldId id="347" r:id="rId14"/>
+    <p:sldId id="348" r:id="rId15"/>
   </p:sldIdLst>
   <p:sldSz cx="9144000" cy="6858000" type="screen4x3"/>
   <p:notesSz cx="9601200" cy="7315200"/>
@@ -1072,12 +1073,12 @@
               <a:defRPr/>
             </a:pPr>
             <a:r>
-              <a:rPr lang="en-US" dirty="0" err="1"/>
-              <a:t>Lec</a:t>
+              <a:rPr lang="en-US" dirty="0" err="1" smtClean="0"/>
+              <a:t>ruintime</a:t>
             </a:r>
             <a:r>
               <a:rPr lang="en-US" dirty="0" smtClean="0"/>
-              <a:t> 14M.</a:t>
+              <a:t>.</a:t>
             </a:r>
             <a:fld id="{52DC2636-7C60-9B40-89EE-9F4C3E34F60C}" type="slidenum">
               <a:rPr lang="en-US" smtClean="0"/>
@@ -1272,12 +1273,12 @@
               <a:defRPr/>
             </a:pPr>
             <a:r>
-              <a:rPr lang="en-US" dirty="0" err="1"/>
-              <a:t>Lec</a:t>
+              <a:rPr lang="en-US" dirty="0" err="1" smtClean="0"/>
+              <a:t>ruintime</a:t>
             </a:r>
             <a:r>
               <a:rPr lang="en-US" dirty="0" smtClean="0"/>
-              <a:t> 14M.</a:t>
+              <a:t>.</a:t>
             </a:r>
             <a:fld id="{E877D3CB-F960-BD47-98A7-06971C504846}" type="slidenum">
               <a:rPr lang="en-US" smtClean="0"/>
@@ -1420,12 +1421,12 @@
               <a:defRPr/>
             </a:pPr>
             <a:r>
-              <a:rPr lang="en-US" dirty="0" err="1"/>
-              <a:t>Lec</a:t>
+              <a:rPr lang="en-US" dirty="0" err="1" smtClean="0"/>
+              <a:t>ruintime</a:t>
             </a:r>
             <a:r>
               <a:rPr lang="en-US" dirty="0" smtClean="0"/>
-              <a:t> 14M.</a:t>
+              <a:t>.</a:t>
             </a:r>
             <a:fld id="{33406DE3-95F7-424A-AC10-91858B7908A3}" type="slidenum">
               <a:rPr lang="en-US" smtClean="0"/>
@@ -1545,12 +1546,12 @@
               <a:defRPr/>
             </a:pPr>
             <a:r>
-              <a:rPr lang="en-US" dirty="0" err="1"/>
-              <a:t>Lec</a:t>
+              <a:rPr lang="en-US" dirty="0" err="1" smtClean="0"/>
+              <a:t>ruintime</a:t>
             </a:r>
             <a:r>
               <a:rPr lang="en-US" dirty="0" smtClean="0"/>
-              <a:t> 14M.</a:t>
+              <a:t>.</a:t>
             </a:r>
             <a:fld id="{C316881D-9589-DF4F-A336-A08976BD8D3F}" type="slidenum">
               <a:rPr lang="en-US" smtClean="0"/>
@@ -1829,12 +1830,12 @@
               <a:defRPr/>
             </a:pPr>
             <a:r>
-              <a:rPr lang="en-US" dirty="0" err="1"/>
-              <a:t>Lec</a:t>
+              <a:rPr lang="en-US" dirty="0" err="1" smtClean="0"/>
+              <a:t>ruintime</a:t>
             </a:r>
             <a:r>
               <a:rPr lang="en-US" dirty="0" smtClean="0"/>
-              <a:t> 14M.</a:t>
+              <a:t>.</a:t>
             </a:r>
             <a:fld id="{A8E63D04-532A-9B48-95DF-D3C7BF4C2159}" type="slidenum">
               <a:rPr lang="en-US" smtClean="0"/>
@@ -2101,7 +2102,11 @@
             </a:pPr>
             <a:r>
               <a:rPr lang="en-US" dirty="0" smtClean="0"/>
-              <a:t>Albert R Meyer,                        May 14, 2012</a:t>
+              <a:t>Albert R Meyer,                        May </a:t>
+            </a:r>
+            <a:r>
+              <a:rPr lang="en-US" dirty="0" smtClean="0"/>
+              <a:t>15, 2013</a:t>
             </a:r>
             <a:endParaRPr lang="en-US" dirty="0"/>
           </a:p>
@@ -2149,16 +2154,12 @@
               <a:defRPr/>
             </a:pPr>
             <a:r>
-              <a:rPr lang="en-US" dirty="0" err="1"/>
-              <a:t>Lec</a:t>
-            </a:r>
-            <a:r>
-              <a:rPr lang="en-US" dirty="0"/>
-              <a:t> </a:t>
+              <a:rPr lang="en-US" dirty="0" err="1" smtClean="0"/>
+              <a:t>ruintime</a:t>
             </a:r>
             <a:r>
               <a:rPr lang="en-US" dirty="0" smtClean="0"/>
-              <a:t>14M.</a:t>
+              <a:t>.</a:t>
             </a:r>
             <a:fld id="{C89161E8-A6DA-FD48-A57E-E88250C15759}" type="slidenum">
               <a:rPr lang="en-US"/>
@@ -2702,12 +2703,12 @@
           <a:lstStyle/>
           <a:p>
             <a:r>
-              <a:rPr lang="en-US" dirty="0" err="1"/>
-              <a:t>Lec</a:t>
+              <a:rPr lang="en-US" dirty="0" err="1" smtClean="0"/>
+              <a:t>ruintime</a:t>
             </a:r>
             <a:r>
               <a:rPr lang="en-US" dirty="0" smtClean="0"/>
-              <a:t> 14M.</a:t>
+              <a:t>.</a:t>
             </a:r>
             <a:fld id="{2D031A48-BBCF-B248-9771-B601B0D38C0B}" type="slidenum">
               <a:rPr lang="en-US" smtClean="0"/>
@@ -2733,8 +2734,8 @@
         </p:nvSpPr>
         <p:spPr>
           <a:xfrm>
-            <a:off x="228600" y="1447800"/>
-            <a:ext cx="8686800" cy="4038600"/>
+            <a:off x="990600" y="1828800"/>
+            <a:ext cx="7086600" cy="1828800"/>
           </a:xfrm>
         </p:spPr>
         <p:txBody>
@@ -2743,17 +2744,14 @@
           <a:p>
             <a:pPr eaLnBrk="1" hangingPunct="1"/>
             <a:r>
-              <a:rPr lang="en-US" sz="6600" dirty="0" smtClean="0"/>
-              <a:t>Gambler’s Ruin:</a:t>
-            </a:r>
-            <a:br>
-              <a:rPr lang="en-US" sz="6600" dirty="0" smtClean="0"/>
-            </a:br>
-            <a:r>
-              <a:rPr lang="en-US" sz="6600" dirty="0" smtClean="0"/>
-              <a:t>Expected Time</a:t>
-            </a:r>
-            <a:endParaRPr lang="en-US" sz="6600" dirty="0"/>
+              <a:rPr lang="en-US" sz="7200" dirty="0" smtClean="0"/>
+              <a:t>Gambler’s </a:t>
+            </a:r>
+            <a:r>
+              <a:rPr lang="en-US" sz="7200" dirty="0" smtClean="0"/>
+              <a:t>Ruin</a:t>
+            </a:r>
+            <a:endParaRPr lang="en-US" sz="7200" dirty="0"/>
           </a:p>
         </p:txBody>
       </p:sp>
@@ -2894,7 +2892,48 @@
           </a:p>
         </p:txBody>
       </p:sp>
+      <p:sp>
+        <p:nvSpPr>
+          <p:cNvPr id="2" name="TextBox 1"/>
+          <p:cNvSpPr txBox="1"/>
+          <p:nvPr/>
+        </p:nvSpPr>
+        <p:spPr>
+          <a:xfrm>
+            <a:off x="1447800" y="3429000"/>
+            <a:ext cx="6266409" cy="1107996"/>
+          </a:xfrm>
+          <a:prstGeom prst="rect">
+            <a:avLst/>
+          </a:prstGeom>
+          <a:noFill/>
+        </p:spPr>
+        <p:txBody>
+          <a:bodyPr wrap="none" rtlCol="0">
+            <a:spAutoFit/>
+          </a:bodyPr>
+          <a:lstStyle/>
+          <a:p>
+            <a:r>
+              <a:rPr lang="en-US" sz="6600" b="1" kern="0" dirty="0">
+                <a:solidFill>
+                  <a:srgbClr val="000000"/>
+                </a:solidFill>
+                <a:latin typeface="Comic Sans MS"/>
+                <a:ea typeface="ＭＳ Ｐゴシック"/>
+              </a:rPr>
+              <a:t>Expected Time</a:t>
+            </a:r>
+            <a:endParaRPr lang="en-US" dirty="0"/>
+          </a:p>
+        </p:txBody>
+      </p:sp>
     </p:spTree>
+    <p:extLst>
+      <p:ext uri="{BB962C8B-B14F-4D97-AF65-F5344CB8AC3E}">
+        <p14:creationId xmlns:p14="http://schemas.microsoft.com/office/powerpoint/2010/main" val="1031038473"/>
+      </p:ext>
+    </p:extLst>
   </p:cSld>
   <p:clrMapOvr>
     <a:masterClrMapping/>
@@ -2902,9 +2941,88 @@
   <p:timing>
     <p:tnLst>
       <p:par>
-        <p:cTn xmlns:p14="http://schemas.microsoft.com/office/powerpoint/2010/main" id="1" dur="indefinite" restart="never" nodeType="tmRoot"/>
+        <p:cTn xmlns:p14="http://schemas.microsoft.com/office/powerpoint/2010/main" id="1" dur="indefinite" restart="never" nodeType="tmRoot">
+          <p:childTnLst>
+            <p:seq concurrent="1" nextAc="seek">
+              <p:cTn id="2" dur="indefinite" nodeType="mainSeq">
+                <p:childTnLst>
+                  <p:par>
+                    <p:cTn id="3" fill="hold">
+                      <p:stCondLst>
+                        <p:cond delay="indefinite"/>
+                      </p:stCondLst>
+                      <p:childTnLst>
+                        <p:par>
+                          <p:cTn id="4" fill="hold">
+                            <p:stCondLst>
+                              <p:cond delay="0"/>
+                            </p:stCondLst>
+                            <p:childTnLst>
+                              <p:par>
+                                <p:cTn id="5" presetID="10" presetClass="entr" presetSubtype="0" fill="hold" grpId="0" nodeType="clickEffect">
+                                  <p:stCondLst>
+                                    <p:cond delay="0"/>
+                                  </p:stCondLst>
+                                  <p:childTnLst>
+                                    <p:set>
+                                      <p:cBhvr>
+                                        <p:cTn id="6" dur="1" fill="hold">
+                                          <p:stCondLst>
+                                            <p:cond delay="0"/>
+                                          </p:stCondLst>
+                                        </p:cTn>
+                                        <p:tgtEl>
+                                          <p:spTgt spid="2"/>
+                                        </p:tgtEl>
+                                        <p:attrNameLst>
+                                          <p:attrName>style.visibility</p:attrName>
+                                        </p:attrNameLst>
+                                      </p:cBhvr>
+                                      <p:to>
+                                        <p:strVal val="visible"/>
+                                      </p:to>
+                                    </p:set>
+                                    <p:animEffect transition="in" filter="fade">
+                                      <p:cBhvr>
+                                        <p:cTn id="7" dur="500"/>
+                                        <p:tgtEl>
+                                          <p:spTgt spid="2"/>
+                                        </p:tgtEl>
+                                      </p:cBhvr>
+                                    </p:animEffect>
+                                  </p:childTnLst>
+                                </p:cTn>
+                              </p:par>
+                            </p:childTnLst>
+                          </p:cTn>
+                        </p:par>
+                      </p:childTnLst>
+                    </p:cTn>
+                  </p:par>
+                </p:childTnLst>
+              </p:cTn>
+              <p:prevCondLst>
+                <p:cond evt="onPrev" delay="0">
+                  <p:tgtEl>
+                    <p:sldTgt/>
+                  </p:tgtEl>
+                </p:cond>
+              </p:prevCondLst>
+              <p:nextCondLst>
+                <p:cond evt="onNext" delay="0">
+                  <p:tgtEl>
+                    <p:sldTgt/>
+                  </p:tgtEl>
+                </p:cond>
+              </p:nextCondLst>
+            </p:seq>
+          </p:childTnLst>
+        </p:cTn>
       </p:par>
     </p:tnLst>
+    <p:bldLst>
+      <p:bldP spid="2" grpId="0"/>
+    </p:bldLst>
   </p:timing>
 </p:sld>
 </file>
@@ -2928,42 +3046,6 @@
       </p:grpSpPr>
       <p:sp>
         <p:nvSpPr>
-          <p:cNvPr id="2" name="Title 1"/>
-          <p:cNvSpPr>
-            <a:spLocks noGrp="1"/>
-          </p:cNvSpPr>
-          <p:nvPr>
-            <p:ph type="title"/>
-          </p:nvPr>
-        </p:nvSpPr>
-        <p:spPr>
-          <a:xfrm>
-            <a:off x="1443038" y="301624"/>
-            <a:ext cx="6100762" cy="1146176"/>
-          </a:xfrm>
-        </p:spPr>
-        <p:txBody>
-          <a:bodyPr/>
-          <a:lstStyle/>
-          <a:p>
-            <a:r>
-              <a:rPr lang="en-US" dirty="0" smtClean="0"/>
-              <a:t>Keep </a:t>
-            </a:r>
-            <a:r>
-              <a:rPr lang="en-US" dirty="0"/>
-              <a:t>P</a:t>
-            </a:r>
-            <a:r>
-              <a:rPr lang="en-US" dirty="0" smtClean="0"/>
-              <a:t>laying until Ruin</a:t>
-            </a:r>
-            <a:endParaRPr lang="en-US" dirty="0"/>
-          </a:p>
-        </p:txBody>
-      </p:sp>
-      <p:sp>
-        <p:nvSpPr>
           <p:cNvPr id="3" name="Content Placeholder 2"/>
           <p:cNvSpPr>
             <a:spLocks noGrp="1"/>
@@ -3037,21 +3119,25 @@
             </a:r>
             <a:r>
               <a:rPr lang="en-US" sz="4800" dirty="0" smtClean="0"/>
-              <a:t>favorable</a:t>
-            </a:r>
+              <a:t>favorable game,</a:t>
+            </a:r>
+          </a:p>
+          <a:p>
+            <a:pPr marL="0" indent="0">
+              <a:buNone/>
+            </a:pPr>
             <a:r>
               <a:rPr lang="en-US" sz="4800" dirty="0" smtClean="0">
                 <a:solidFill>
                   <a:srgbClr val="660066"/>
                 </a:solidFill>
               </a:rPr>
-              <a:t> game</a:t>
+              <a:t>ruin is certain</a:t>
             </a:r>
             <a:r>
               <a:rPr lang="en-US" sz="4800" dirty="0" smtClean="0"/>
-              <a:t>, and</a:t>
-            </a:r>
-            <a:endParaRPr lang="en-US" sz="4800" dirty="0" smtClean="0"/>
+              <a:t>:</a:t>
+            </a:r>
           </a:p>
         </p:txBody>
       </p:sp>
@@ -3074,8 +3160,12 @@
               <a:defRPr/>
             </a:pPr>
             <a:r>
-              <a:rPr lang="en-US" smtClean="0"/>
-              <a:t>Lec 14M.</a:t>
+              <a:rPr lang="en-US" dirty="0" err="1" smtClean="0"/>
+              <a:t>ruintime</a:t>
+            </a:r>
+            <a:r>
+              <a:rPr lang="en-US" dirty="0" smtClean="0"/>
+              <a:t>.</a:t>
             </a:r>
             <a:fld id="{E877D3CB-F960-BD47-98A7-06971C504846}" type="slidenum">
               <a:rPr lang="en-US" smtClean="0"/>
@@ -3084,7 +3174,7 @@
               </a:pPr>
               <a:t>10</a:t>
             </a:fld>
-            <a:endParaRPr lang="en-US" smtClean="0"/>
+            <a:endParaRPr lang="en-US" dirty="0" smtClean="0"/>
           </a:p>
           <a:p>
             <a:pPr>
@@ -3122,32 +3212,32 @@
       </p:sp>
       <p:graphicFrame>
         <p:nvGraphicFramePr>
-          <p:cNvPr id="7" name="Object 6"/>
+          <p:cNvPr id="6" name="Object 5"/>
           <p:cNvGraphicFramePr>
             <a:graphicFrameLocks noChangeAspect="1"/>
           </p:cNvGraphicFramePr>
           <p:nvPr>
             <p:extLst>
               <p:ext uri="{D42A27DB-BD31-4B8C-83A1-F6EECF244321}">
-                <p14:modId xmlns:p14="http://schemas.microsoft.com/office/powerpoint/2010/main" val="1019591539"/>
+                <p14:modId xmlns:p14="http://schemas.microsoft.com/office/powerpoint/2010/main" val="42940372"/>
               </p:ext>
             </p:extLst>
           </p:nvPr>
         </p:nvGraphicFramePr>
         <p:xfrm>
-          <a:off x="867508" y="3810000"/>
-          <a:ext cx="7438292" cy="1371600"/>
+          <a:off x="1057275" y="3886200"/>
+          <a:ext cx="6181725" cy="2362200"/>
         </p:xfrm>
         <a:graphic>
           <a:graphicData uri="http://schemas.openxmlformats.org/presentationml/2006/ole">
             <mc:AlternateContent xmlns:mc="http://schemas.openxmlformats.org/markup-compatibility/2006">
               <mc:Choice xmlns:v="urn:schemas-microsoft-com:vml" Requires="v">
-                <p:oleObj spid="_x0000_s242696" name="Equation" r:id="rId3" imgW="1790700" imgH="330200" progId="Equation.DSMT4">
+                <p:oleObj spid="_x0000_s247814" name="Equation" r:id="rId3" imgW="1562100" imgH="596900" progId="Equation.DSMT4">
                   <p:embed/>
                 </p:oleObj>
               </mc:Choice>
               <mc:Fallback>
-                <p:oleObj name="Equation" r:id="rId3" imgW="1790700" imgH="330200" progId="Equation.DSMT4">
+                <p:oleObj name="Equation" r:id="rId3" imgW="1562100" imgH="596900" progId="Equation.DSMT4">
                   <p:embed/>
                   <p:pic>
                     <p:nvPicPr>
@@ -3163,8 +3253,8 @@
                     </p:blipFill>
                     <p:spPr>
                       <a:xfrm>
-                        <a:off x="867508" y="3810000"/>
-                        <a:ext cx="7438292" cy="1371600"/>
+                        <a:off x="1057275" y="3886200"/>
+                        <a:ext cx="6181725" cy="2362200"/>
                       </a:xfrm>
                       <a:prstGeom prst="rect">
                         <a:avLst/>
@@ -3177,10 +3267,46 @@
           </a:graphicData>
         </a:graphic>
       </p:graphicFrame>
+      <p:sp>
+        <p:nvSpPr>
+          <p:cNvPr id="8" name="Title 1"/>
+          <p:cNvSpPr>
+            <a:spLocks noGrp="1"/>
+          </p:cNvSpPr>
+          <p:nvPr>
+            <p:ph type="title"/>
+          </p:nvPr>
+        </p:nvSpPr>
+        <p:spPr>
+          <a:xfrm>
+            <a:off x="1519238" y="76200"/>
+            <a:ext cx="6100762" cy="1146176"/>
+          </a:xfrm>
+        </p:spPr>
+        <p:txBody>
+          <a:bodyPr/>
+          <a:lstStyle/>
+          <a:p>
+            <a:r>
+              <a:rPr lang="en-US" dirty="0" smtClean="0"/>
+              <a:t>Keep </a:t>
+            </a:r>
+            <a:r>
+              <a:rPr lang="en-US" dirty="0"/>
+              <a:t>P</a:t>
+            </a:r>
+            <a:r>
+              <a:rPr lang="en-US" dirty="0" smtClean="0"/>
+              <a:t>laying until Ruin</a:t>
+            </a:r>
+            <a:endParaRPr lang="en-US" dirty="0"/>
+          </a:p>
+        </p:txBody>
+      </p:sp>
     </p:spTree>
     <p:extLst>
       <p:ext uri="{BB962C8B-B14F-4D97-AF65-F5344CB8AC3E}">
-        <p14:creationId xmlns:p14="http://schemas.microsoft.com/office/powerpoint/2010/main" val="821618749"/>
+        <p14:creationId xmlns:p14="http://schemas.microsoft.com/office/powerpoint/2010/main" val="3586621169"/>
       </p:ext>
     </p:extLst>
   </p:cSld>
@@ -3189,12 +3315,12 @@
   </p:clrMapOvr>
   <mc:AlternateContent xmlns:mc="http://schemas.openxmlformats.org/markup-compatibility/2006">
     <mc:Choice xmlns:p14="http://schemas.microsoft.com/office/powerpoint/2010/main" Requires="p14">
-      <p:transition spd="med" p14:dur="700">
+      <p:transition spd="med" p14:dur="600" advClick="0">
         <p:fade/>
       </p:transition>
     </mc:Choice>
     <mc:Fallback>
-      <p:transition xmlns:p14="http://schemas.microsoft.com/office/powerpoint/2010/main" spd="med">
+      <p:transition xmlns:p14="http://schemas.microsoft.com/office/powerpoint/2010/main" spd="med" advClick="0">
         <p:fade/>
       </p:transition>
     </mc:Fallback>
@@ -3228,42 +3354,6 @@
       </p:grpSpPr>
       <p:sp>
         <p:nvSpPr>
-          <p:cNvPr id="2" name="Title 1"/>
-          <p:cNvSpPr>
-            <a:spLocks noGrp="1"/>
-          </p:cNvSpPr>
-          <p:nvPr>
-            <p:ph type="title"/>
-          </p:nvPr>
-        </p:nvSpPr>
-        <p:spPr>
-          <a:xfrm>
-            <a:off x="1443038" y="301624"/>
-            <a:ext cx="6100762" cy="1146176"/>
-          </a:xfrm>
-        </p:spPr>
-        <p:txBody>
-          <a:bodyPr/>
-          <a:lstStyle/>
-          <a:p>
-            <a:r>
-              <a:rPr lang="en-US" dirty="0" smtClean="0"/>
-              <a:t>Keep </a:t>
-            </a:r>
-            <a:r>
-              <a:rPr lang="en-US" dirty="0"/>
-              <a:t>P</a:t>
-            </a:r>
-            <a:r>
-              <a:rPr lang="en-US" dirty="0" smtClean="0"/>
-              <a:t>laying until Ruin</a:t>
-            </a:r>
-            <a:endParaRPr lang="en-US" dirty="0"/>
-          </a:p>
-        </p:txBody>
-      </p:sp>
-      <p:sp>
-        <p:nvSpPr>
           <p:cNvPr id="3" name="Content Placeholder 2"/>
           <p:cNvSpPr>
             <a:spLocks noGrp="1"/>
@@ -3275,7 +3365,7 @@
         <p:spPr>
           <a:xfrm>
             <a:off x="228600" y="1219200"/>
-            <a:ext cx="8839200" cy="4572000"/>
+            <a:ext cx="8915400" cy="3581400"/>
           </a:xfrm>
         </p:spPr>
         <p:txBody>
@@ -3328,90 +3418,29 @@
               <a:t>n </a:t>
             </a:r>
             <a:r>
-              <a:rPr lang="en-US" sz="4800" dirty="0" smtClean="0"/>
-              <a:t>  </a:t>
-            </a:r>
-            <a:r>
               <a:rPr lang="en-US" sz="4800" dirty="0" smtClean="0">
                 <a:solidFill>
-                  <a:srgbClr val="008000"/>
+                  <a:srgbClr val="FF0000"/>
                 </a:solidFill>
               </a:rPr>
+              <a:t>un</a:t>
+            </a:r>
+            <a:r>
+              <a:rPr lang="en-US" sz="4800" dirty="0" smtClean="0"/>
               <a:t>favorable</a:t>
             </a:r>
-            <a:r>
-              <a:rPr lang="en-US" sz="4800" dirty="0" smtClean="0"/>
-              <a:t> </a:t>
-            </a:r>
-            <a:r>
-              <a:rPr lang="en-US" sz="4800" dirty="0" smtClean="0"/>
-              <a:t>game,</a:t>
-            </a:r>
-          </a:p>
-          <a:p>
-            <a:pPr marL="0" indent="0">
-              <a:buNone/>
-            </a:pPr>
-            <a:r>
-              <a:rPr lang="en-US" sz="4800" dirty="0" smtClean="0"/>
-              <a:t>ruin is </a:t>
-            </a:r>
-            <a:r>
-              <a:rPr lang="en-US" sz="4800" dirty="0" smtClean="0"/>
-              <a:t>not certain:</a:t>
-            </a:r>
-          </a:p>
-          <a:p>
-            <a:pPr marL="0" indent="0">
-              <a:buNone/>
-            </a:pPr>
             <a:r>
               <a:rPr lang="en-US" sz="4800" dirty="0" smtClean="0">
                 <a:solidFill>
                   <a:srgbClr val="660066"/>
                 </a:solidFill>
               </a:rPr>
-              <a:t>play forever with </a:t>
-            </a:r>
-            <a:r>
-              <a:rPr lang="en-US" sz="4800" dirty="0" err="1" smtClean="0">
-                <a:solidFill>
-                  <a:srgbClr val="660066"/>
-                </a:solidFill>
-              </a:rPr>
-              <a:t>prob</a:t>
-            </a:r>
-            <a:r>
-              <a:rPr lang="en-US" sz="4800" dirty="0" smtClean="0">
-                <a:solidFill>
-                  <a:srgbClr val="660066"/>
-                </a:solidFill>
-              </a:rPr>
-              <a:t> </a:t>
-            </a:r>
-            <a:r>
-              <a:rPr lang="en-US" sz="4800" b="1" dirty="0" smtClean="0">
-                <a:solidFill>
-                  <a:srgbClr val="660066"/>
-                </a:solidFill>
-                <a:latin typeface="Euclid Symbol" charset="2"/>
-                <a:cs typeface="Euclid Symbol" charset="2"/>
-              </a:rPr>
-              <a:t>&gt;</a:t>
-            </a:r>
-            <a:r>
-              <a:rPr lang="en-US" sz="4800" dirty="0" smtClean="0">
-                <a:solidFill>
-                  <a:srgbClr val="660066"/>
-                </a:solidFill>
-              </a:rPr>
-              <a:t> 0</a:t>
-            </a:r>
-            <a:endParaRPr lang="en-US" sz="4800" dirty="0" smtClean="0">
-              <a:solidFill>
-                <a:srgbClr val="660066"/>
-              </a:solidFill>
-            </a:endParaRPr>
+              <a:t> game</a:t>
+            </a:r>
+            <a:r>
+              <a:rPr lang="en-US" sz="4800" dirty="0" smtClean="0"/>
+              <a:t>, and</a:t>
+            </a:r>
           </a:p>
         </p:txBody>
       </p:sp>
@@ -3434,8 +3463,12 @@
               <a:defRPr/>
             </a:pPr>
             <a:r>
-              <a:rPr lang="en-US" smtClean="0"/>
-              <a:t>Lec 14M.</a:t>
+              <a:rPr lang="en-US" dirty="0" err="1" smtClean="0"/>
+              <a:t>ruintime</a:t>
+            </a:r>
+            <a:r>
+              <a:rPr lang="en-US" dirty="0" smtClean="0"/>
+              <a:t>.</a:t>
             </a:r>
             <a:fld id="{E877D3CB-F960-BD47-98A7-06971C504846}" type="slidenum">
               <a:rPr lang="en-US" smtClean="0"/>
@@ -3444,7 +3477,7 @@
               </a:pPr>
               <a:t>11</a:t>
             </a:fld>
-            <a:endParaRPr lang="en-US" smtClean="0"/>
+            <a:endParaRPr lang="en-US" dirty="0" smtClean="0"/>
           </a:p>
           <a:p>
             <a:pPr>
@@ -3480,19 +3513,121 @@
           </a:p>
         </p:txBody>
       </p:sp>
+      <p:graphicFrame>
+        <p:nvGraphicFramePr>
+          <p:cNvPr id="7" name="Object 6"/>
+          <p:cNvGraphicFramePr>
+            <a:graphicFrameLocks noChangeAspect="1"/>
+          </p:cNvGraphicFramePr>
+          <p:nvPr>
+            <p:extLst>
+              <p:ext uri="{D42A27DB-BD31-4B8C-83A1-F6EECF244321}">
+                <p14:modId xmlns:p14="http://schemas.microsoft.com/office/powerpoint/2010/main" val="3047543126"/>
+              </p:ext>
+            </p:extLst>
+          </p:nvPr>
+        </p:nvGraphicFramePr>
+        <p:xfrm>
+          <a:off x="841375" y="4021138"/>
+          <a:ext cx="7491413" cy="949325"/>
+        </p:xfrm>
+        <a:graphic>
+          <a:graphicData uri="http://schemas.openxmlformats.org/presentationml/2006/ole">
+            <mc:AlternateContent xmlns:mc="http://schemas.openxmlformats.org/markup-compatibility/2006">
+              <mc:Choice xmlns:v="urn:schemas-microsoft-com:vml" Requires="v">
+                <p:oleObj spid="_x0000_s242705" name="Equation" r:id="rId3" imgW="1803400" imgH="228600" progId="Equation.DSMT4">
+                  <p:embed/>
+                </p:oleObj>
+              </mc:Choice>
+              <mc:Fallback>
+                <p:oleObj name="Equation" r:id="rId3" imgW="1803400" imgH="228600" progId="Equation.DSMT4">
+                  <p:embed/>
+                  <p:pic>
+                    <p:nvPicPr>
+                      <p:cNvPr id="0" name=""/>
+                      <p:cNvPicPr/>
+                      <p:nvPr/>
+                    </p:nvPicPr>
+                    <p:blipFill>
+                      <a:blip r:embed="rId4"/>
+                      <a:stretch>
+                        <a:fillRect/>
+                      </a:stretch>
+                    </p:blipFill>
+                    <p:spPr>
+                      <a:xfrm>
+                        <a:off x="841375" y="4021138"/>
+                        <a:ext cx="7491413" cy="949325"/>
+                      </a:xfrm>
+                      <a:prstGeom prst="rect">
+                        <a:avLst/>
+                      </a:prstGeom>
+                    </p:spPr>
+                  </p:pic>
+                </p:oleObj>
+              </mc:Fallback>
+            </mc:AlternateContent>
+          </a:graphicData>
+        </a:graphic>
+      </p:graphicFrame>
+      <p:sp>
+        <p:nvSpPr>
+          <p:cNvPr id="8" name="Title 1"/>
+          <p:cNvSpPr>
+            <a:spLocks noGrp="1"/>
+          </p:cNvSpPr>
+          <p:nvPr>
+            <p:ph type="title"/>
+          </p:nvPr>
+        </p:nvSpPr>
+        <p:spPr>
+          <a:xfrm>
+            <a:off x="1519238" y="76200"/>
+            <a:ext cx="6100762" cy="1146176"/>
+          </a:xfrm>
+        </p:spPr>
+        <p:txBody>
+          <a:bodyPr/>
+          <a:lstStyle/>
+          <a:p>
+            <a:r>
+              <a:rPr lang="en-US" dirty="0" smtClean="0"/>
+              <a:t>Keep </a:t>
+            </a:r>
+            <a:r>
+              <a:rPr lang="en-US" dirty="0"/>
+              <a:t>P</a:t>
+            </a:r>
+            <a:r>
+              <a:rPr lang="en-US" dirty="0" smtClean="0"/>
+              <a:t>laying until Ruin</a:t>
+            </a:r>
+            <a:endParaRPr lang="en-US" dirty="0"/>
+          </a:p>
+        </p:txBody>
+      </p:sp>
     </p:spTree>
     <p:extLst>
       <p:ext uri="{BB962C8B-B14F-4D97-AF65-F5344CB8AC3E}">
-        <p14:creationId xmlns:p14="http://schemas.microsoft.com/office/powerpoint/2010/main" val="675271595"/>
+        <p14:creationId xmlns:p14="http://schemas.microsoft.com/office/powerpoint/2010/main" val="821618749"/>
       </p:ext>
     </p:extLst>
   </p:cSld>
   <p:clrMapOvr>
     <a:masterClrMapping/>
   </p:clrMapOvr>
-  <p:transition xmlns:p14="http://schemas.microsoft.com/office/powerpoint/2010/main" spd="slow">
-    <p:fade thruBlk="1"/>
-  </p:transition>
+  <mc:AlternateContent xmlns:mc="http://schemas.openxmlformats.org/markup-compatibility/2006">
+    <mc:Choice xmlns:p14="http://schemas.microsoft.com/office/powerpoint/2010/main" Requires="p14">
+      <p:transition spd="slow" p14:dur="900" advClick="0">
+        <p:fade/>
+      </p:transition>
+    </mc:Choice>
+    <mc:Fallback>
+      <p:transition xmlns:p14="http://schemas.microsoft.com/office/powerpoint/2010/main" spd="slow" advClick="0">
+        <p:fade/>
+      </p:transition>
+    </mc:Fallback>
+  </mc:AlternateContent>
   <p:timing>
     <p:tnLst>
       <p:par>
@@ -3522,42 +3657,6 @@
       </p:grpSpPr>
       <p:sp>
         <p:nvSpPr>
-          <p:cNvPr id="2" name="Title 1"/>
-          <p:cNvSpPr>
-            <a:spLocks noGrp="1"/>
-          </p:cNvSpPr>
-          <p:nvPr>
-            <p:ph type="title"/>
-          </p:nvPr>
-        </p:nvSpPr>
-        <p:spPr>
-          <a:xfrm>
-            <a:off x="1443038" y="301624"/>
-            <a:ext cx="6100762" cy="1146176"/>
-          </a:xfrm>
-        </p:spPr>
-        <p:txBody>
-          <a:bodyPr/>
-          <a:lstStyle/>
-          <a:p>
-            <a:r>
-              <a:rPr lang="en-US" dirty="0" smtClean="0"/>
-              <a:t>Keep </a:t>
-            </a:r>
-            <a:r>
-              <a:rPr lang="en-US" dirty="0"/>
-              <a:t>P</a:t>
-            </a:r>
-            <a:r>
-              <a:rPr lang="en-US" dirty="0" smtClean="0"/>
-              <a:t>laying until Ruin</a:t>
-            </a:r>
-            <a:endParaRPr lang="en-US" dirty="0"/>
-          </a:p>
-        </p:txBody>
-      </p:sp>
-      <p:sp>
-        <p:nvSpPr>
           <p:cNvPr id="3" name="Content Placeholder 2"/>
           <p:cNvSpPr>
             <a:spLocks noGrp="1"/>
@@ -3569,7 +3668,7 @@
         <p:spPr>
           <a:xfrm>
             <a:off x="228600" y="1219200"/>
-            <a:ext cx="8839200" cy="4572000"/>
+            <a:ext cx="8915400" cy="5410200"/>
           </a:xfrm>
         </p:spPr>
         <p:txBody>
@@ -3619,40 +3718,81 @@
             </a:r>
             <a:r>
               <a:rPr lang="en-US" sz="4800" dirty="0" smtClean="0"/>
-              <a:t>n </a:t>
+              <a:t>n   </a:t>
+            </a:r>
+            <a:r>
+              <a:rPr lang="en-US" sz="4800" dirty="0" smtClean="0">
+                <a:solidFill>
+                  <a:srgbClr val="0000FF"/>
+                </a:solidFill>
+              </a:rPr>
+              <a:t>fair</a:t>
             </a:r>
             <a:r>
               <a:rPr lang="en-US" sz="4800" dirty="0" smtClean="0"/>
-              <a:t>  </a:t>
-            </a:r>
+              <a:t> game,</a:t>
+            </a:r>
+          </a:p>
+          <a:p>
+            <a:pPr marL="0" indent="0">
+              <a:buNone/>
+            </a:pPr>
+            <a:r>
+              <a:rPr lang="en-US" sz="4800" dirty="0" smtClean="0">
+                <a:solidFill>
+                  <a:srgbClr val="E10000"/>
+                </a:solidFill>
+              </a:rPr>
+              <a:t>ruin is also certain</a:t>
+            </a:r>
+            <a:r>
+              <a:rPr lang="en-US" sz="4800" dirty="0" smtClean="0"/>
+              <a:t>, but</a:t>
+            </a:r>
+          </a:p>
+          <a:p>
+            <a:pPr marL="0" indent="0">
+              <a:buNone/>
+            </a:pPr>
             <a:r>
               <a:rPr lang="en-US" sz="4800" dirty="0" smtClean="0">
                 <a:solidFill>
                   <a:srgbClr val="008000"/>
                 </a:solidFill>
               </a:rPr>
-              <a:t>favorable</a:t>
-            </a:r>
-            <a:r>
-              <a:rPr lang="en-US" sz="4800" dirty="0" smtClean="0"/>
-              <a:t> </a:t>
-            </a:r>
-            <a:r>
-              <a:rPr lang="en-US" sz="4800" dirty="0" smtClean="0"/>
-              <a:t>game,</a:t>
-            </a:r>
-          </a:p>
-          <a:p>
-            <a:pPr marL="0" indent="0">
+              <a:t>expected time to ruin </a:t>
+            </a:r>
+            <a:r>
+              <a:rPr lang="en-US" sz="4800" b="1" dirty="0">
+                <a:solidFill>
+                  <a:srgbClr val="008000"/>
+                </a:solidFill>
+                <a:latin typeface="Euclid Symbol" charset="2"/>
+                <a:cs typeface="Euclid Symbol" charset="2"/>
+              </a:rPr>
+              <a:t>= </a:t>
+            </a:r>
+            <a:r>
+              <a:rPr lang="en-US" sz="4800" b="1" dirty="0" smtClean="0">
+                <a:solidFill>
+                  <a:srgbClr val="008000"/>
+                </a:solidFill>
+                <a:latin typeface="Euclid Symbol" charset="2"/>
+                <a:cs typeface="Euclid Symbol" charset="2"/>
+              </a:rPr>
+              <a:t>∞</a:t>
+            </a:r>
+          </a:p>
+          <a:p>
+            <a:pPr marL="0" indent="0" algn="ctr">
               <a:buNone/>
             </a:pPr>
             <a:r>
-              <a:rPr lang="en-US" sz="4800" dirty="0" smtClean="0"/>
-              <a:t>ruin is </a:t>
-            </a:r>
-            <a:r>
-              <a:rPr lang="en-US" sz="4800" dirty="0" smtClean="0"/>
-              <a:t>not certain:</a:t>
+              <a:rPr lang="en-US" sz="4800" dirty="0" smtClean="0">
+                <a:latin typeface="Comic Sans MS"/>
+                <a:cs typeface="Comic Sans MS"/>
+              </a:rPr>
+              <a:t>(class problem)</a:t>
             </a:r>
           </a:p>
         </p:txBody>
@@ -3676,8 +3816,12 @@
               <a:defRPr/>
             </a:pPr>
             <a:r>
-              <a:rPr lang="en-US" smtClean="0"/>
-              <a:t>Lec 14M.</a:t>
+              <a:rPr lang="en-US" dirty="0" err="1" smtClean="0"/>
+              <a:t>ruintime</a:t>
+            </a:r>
+            <a:r>
+              <a:rPr lang="en-US" dirty="0" smtClean="0"/>
+              <a:t>.</a:t>
             </a:r>
             <a:fld id="{E877D3CB-F960-BD47-98A7-06971C504846}" type="slidenum">
               <a:rPr lang="en-US" smtClean="0"/>
@@ -3686,7 +3830,7 @@
               </a:pPr>
               <a:t>12</a:t>
             </a:fld>
-            <a:endParaRPr lang="en-US" smtClean="0"/>
+            <a:endParaRPr lang="en-US" dirty="0" smtClean="0"/>
           </a:p>
           <a:p>
             <a:pPr>
@@ -3722,85 +3866,55 @@
           </a:p>
         </p:txBody>
       </p:sp>
-      <p:graphicFrame>
-        <p:nvGraphicFramePr>
-          <p:cNvPr id="6" name="Object 5"/>
-          <p:cNvGraphicFramePr>
-            <a:graphicFrameLocks noChangeAspect="1"/>
-          </p:cNvGraphicFramePr>
+      <p:sp>
+        <p:nvSpPr>
+          <p:cNvPr id="7" name="Title 1"/>
+          <p:cNvSpPr>
+            <a:spLocks noGrp="1"/>
+          </p:cNvSpPr>
           <p:nvPr>
-            <p:extLst>
-              <p:ext uri="{D42A27DB-BD31-4B8C-83A1-F6EECF244321}">
-                <p14:modId xmlns:p14="http://schemas.microsoft.com/office/powerpoint/2010/main" val="836295434"/>
-              </p:ext>
-            </p:extLst>
+            <p:ph type="title"/>
           </p:nvPr>
-        </p:nvGraphicFramePr>
-        <p:xfrm>
-          <a:off x="948796" y="4495800"/>
-          <a:ext cx="7128404" cy="1447800"/>
-        </p:xfrm>
-        <a:graphic>
-          <a:graphicData uri="http://schemas.openxmlformats.org/presentationml/2006/ole">
-            <mc:AlternateContent xmlns:mc="http://schemas.openxmlformats.org/markup-compatibility/2006">
-              <mc:Choice xmlns:v="urn:schemas-microsoft-com:vml" Requires="v">
-                <p:oleObj spid="_x0000_s246788" name="Equation" r:id="rId3" imgW="1625600" imgH="330200" progId="Equation.DSMT4">
-                  <p:embed/>
-                </p:oleObj>
-              </mc:Choice>
-              <mc:Fallback>
-                <p:oleObj name="Equation" r:id="rId3" imgW="1625600" imgH="330200" progId="Equation.DSMT4">
-                  <p:embed/>
-                  <p:pic>
-                    <p:nvPicPr>
-                      <p:cNvPr id="0" name=""/>
-                      <p:cNvPicPr/>
-                      <p:nvPr/>
-                    </p:nvPicPr>
-                    <p:blipFill>
-                      <a:blip r:embed="rId4"/>
-                      <a:stretch>
-                        <a:fillRect/>
-                      </a:stretch>
-                    </p:blipFill>
-                    <p:spPr>
-                      <a:xfrm>
-                        <a:off x="948796" y="4495800"/>
-                        <a:ext cx="7128404" cy="1447800"/>
-                      </a:xfrm>
-                      <a:prstGeom prst="rect">
-                        <a:avLst/>
-                      </a:prstGeom>
-                    </p:spPr>
-                  </p:pic>
-                </p:oleObj>
-              </mc:Fallback>
-            </mc:AlternateContent>
-          </a:graphicData>
-        </a:graphic>
-      </p:graphicFrame>
+        </p:nvSpPr>
+        <p:spPr>
+          <a:xfrm>
+            <a:off x="1519238" y="76200"/>
+            <a:ext cx="6100762" cy="1146176"/>
+          </a:xfrm>
+        </p:spPr>
+        <p:txBody>
+          <a:bodyPr/>
+          <a:lstStyle/>
+          <a:p>
+            <a:r>
+              <a:rPr lang="en-US" dirty="0" smtClean="0"/>
+              <a:t>Keep </a:t>
+            </a:r>
+            <a:r>
+              <a:rPr lang="en-US" dirty="0"/>
+              <a:t>P</a:t>
+            </a:r>
+            <a:r>
+              <a:rPr lang="en-US" dirty="0" smtClean="0"/>
+              <a:t>laying until Ruin</a:t>
+            </a:r>
+            <a:endParaRPr lang="en-US" dirty="0"/>
+          </a:p>
+        </p:txBody>
+      </p:sp>
     </p:spTree>
     <p:extLst>
       <p:ext uri="{BB962C8B-B14F-4D97-AF65-F5344CB8AC3E}">
-        <p14:creationId xmlns:p14="http://schemas.microsoft.com/office/powerpoint/2010/main" val="1634358029"/>
+        <p14:creationId xmlns:p14="http://schemas.microsoft.com/office/powerpoint/2010/main" val="323210529"/>
       </p:ext>
     </p:extLst>
   </p:cSld>
   <p:clrMapOvr>
     <a:masterClrMapping/>
   </p:clrMapOvr>
-  <mc:AlternateContent xmlns:mc="http://schemas.openxmlformats.org/markup-compatibility/2006">
-    <mc:Choice xmlns:p14="http://schemas.microsoft.com/office/powerpoint/2010/main" Requires="p14">
-      <p:transition spd="med" p14:dur="700">
-        <p:fade/>
-      </p:transition>
-    </mc:Choice>
-    <mc:Fallback>
-      <p:transition xmlns:p14="http://schemas.microsoft.com/office/powerpoint/2010/main" spd="med">
-        <p:fade/>
-      </p:transition>
-    </mc:Fallback>
-  </mc:AlternateContent>
+  <p:transition xmlns:p14="http://schemas.microsoft.com/office/powerpoint/2010/main" spd="slow">
+    <p:fade thruBlk="1"/>
+  </p:transition>
   <p:timing>
     <p:tnLst>
       <p:par>
@@ -3830,42 +3944,6 @@
       </p:grpSpPr>
       <p:sp>
         <p:nvSpPr>
-          <p:cNvPr id="2" name="Title 1"/>
-          <p:cNvSpPr>
-            <a:spLocks noGrp="1"/>
-          </p:cNvSpPr>
-          <p:nvPr>
-            <p:ph type="title"/>
-          </p:nvPr>
-        </p:nvSpPr>
-        <p:spPr>
-          <a:xfrm>
-            <a:off x="1443038" y="301624"/>
-            <a:ext cx="6100762" cy="1146176"/>
-          </a:xfrm>
-        </p:spPr>
-        <p:txBody>
-          <a:bodyPr/>
-          <a:lstStyle/>
-          <a:p>
-            <a:r>
-              <a:rPr lang="en-US" dirty="0" smtClean="0"/>
-              <a:t>Keep </a:t>
-            </a:r>
-            <a:r>
-              <a:rPr lang="en-US" dirty="0"/>
-              <a:t>P</a:t>
-            </a:r>
-            <a:r>
-              <a:rPr lang="en-US" dirty="0" smtClean="0"/>
-              <a:t>laying until Ruin</a:t>
-            </a:r>
-            <a:endParaRPr lang="en-US" dirty="0"/>
-          </a:p>
-        </p:txBody>
-      </p:sp>
-      <p:sp>
-        <p:nvSpPr>
           <p:cNvPr id="3" name="Content Placeholder 2"/>
           <p:cNvSpPr>
             <a:spLocks noGrp="1"/>
@@ -3877,7 +3955,7 @@
         <p:spPr>
           <a:xfrm>
             <a:off x="228600" y="1219200"/>
-            <a:ext cx="8915400" cy="5410200"/>
+            <a:ext cx="8839200" cy="4572000"/>
           </a:xfrm>
         </p:spPr>
         <p:txBody>
@@ -3927,11 +4005,49 @@
             </a:r>
             <a:r>
               <a:rPr lang="en-US" sz="4800" dirty="0" smtClean="0"/>
-              <a:t>n </a:t>
+              <a:t>n   </a:t>
+            </a:r>
+            <a:r>
+              <a:rPr lang="en-US" sz="4800" dirty="0" smtClean="0">
+                <a:solidFill>
+                  <a:srgbClr val="008000"/>
+                </a:solidFill>
+              </a:rPr>
+              <a:t>favorable</a:t>
             </a:r>
             <a:r>
               <a:rPr lang="en-US" sz="4800" dirty="0" smtClean="0"/>
-              <a:t>  </a:t>
+              <a:t> game,</a:t>
+            </a:r>
+          </a:p>
+          <a:p>
+            <a:pPr marL="0" indent="0">
+              <a:buNone/>
+            </a:pPr>
+            <a:r>
+              <a:rPr lang="en-US" sz="4800" dirty="0" smtClean="0"/>
+              <a:t>ruin is not certain:</a:t>
+            </a:r>
+          </a:p>
+          <a:p>
+            <a:pPr marL="0" indent="0">
+              <a:buNone/>
+            </a:pPr>
+            <a:r>
+              <a:rPr lang="en-US" sz="4800" dirty="0" smtClean="0">
+                <a:solidFill>
+                  <a:srgbClr val="FF00FF"/>
+                </a:solidFill>
+              </a:rPr>
+              <a:t>play forever</a:t>
+            </a:r>
+            <a:r>
+              <a:rPr lang="en-US" sz="4800" dirty="0" smtClean="0">
+                <a:solidFill>
+                  <a:srgbClr val="660066"/>
+                </a:solidFill>
+              </a:rPr>
+              <a:t> </a:t>
             </a:r>
             <a:r>
               <a:rPr lang="en-US" sz="4800" dirty="0" smtClean="0">
@@ -3939,90 +4055,42 @@
                   <a:srgbClr val="0000FF"/>
                 </a:solidFill>
               </a:rPr>
-              <a:t>fair</a:t>
-            </a:r>
-            <a:r>
-              <a:rPr lang="en-US" sz="4800" dirty="0" smtClean="0"/>
-              <a:t> </a:t>
-            </a:r>
-            <a:r>
-              <a:rPr lang="en-US" sz="4800" dirty="0" smtClean="0"/>
-              <a:t>game,</a:t>
-            </a:r>
-          </a:p>
-          <a:p>
-            <a:pPr marL="0" indent="0">
-              <a:buNone/>
-            </a:pPr>
+              <a:t>with </a:t>
+            </a:r>
+            <a:r>
+              <a:rPr lang="en-US" sz="4800" dirty="0" err="1" smtClean="0">
+                <a:solidFill>
+                  <a:srgbClr val="0000FF"/>
+                </a:solidFill>
+              </a:rPr>
+              <a:t>prob</a:t>
+            </a:r>
             <a:r>
               <a:rPr lang="en-US" sz="4800" dirty="0" smtClean="0">
                 <a:solidFill>
-                  <a:srgbClr val="E10000"/>
+                  <a:srgbClr val="0000FF"/>
                 </a:solidFill>
               </a:rPr>
-              <a:t>ruin </a:t>
-            </a:r>
-            <a:r>
-              <a:rPr lang="en-US" sz="4800" dirty="0" smtClean="0">
+              <a:t> </a:t>
+            </a:r>
+            <a:r>
+              <a:rPr lang="en-US" sz="4800" b="1" dirty="0" smtClean="0">
                 <a:solidFill>
-                  <a:srgbClr val="E10000"/>
-                </a:solidFill>
-              </a:rPr>
-              <a:t>is also certain</a:t>
-            </a:r>
-            <a:r>
-              <a:rPr lang="en-US" sz="4800" dirty="0" smtClean="0"/>
-              <a:t>, but</a:t>
-            </a:r>
-          </a:p>
-          <a:p>
-            <a:pPr marL="0" indent="0">
-              <a:buNone/>
-            </a:pPr>
-            <a:r>
-              <a:rPr lang="en-US" sz="4800" dirty="0" smtClean="0">
-                <a:solidFill>
-                  <a:srgbClr val="008000"/>
-                </a:solidFill>
-              </a:rPr>
-              <a:t>expected time to ruin </a:t>
-            </a:r>
-            <a:r>
-              <a:rPr lang="en-US" sz="4800" b="1" dirty="0">
-                <a:solidFill>
-                  <a:srgbClr val="008000"/>
+                  <a:srgbClr val="FF00FF"/>
                 </a:solidFill>
                 <a:latin typeface="Euclid Symbol" charset="2"/>
                 <a:cs typeface="Euclid Symbol" charset="2"/>
               </a:rPr>
-              <a:t>= </a:t>
-            </a:r>
-            <a:r>
-              <a:rPr lang="en-US" sz="4800" b="1" dirty="0" smtClean="0">
+              <a:t>&gt;</a:t>
+            </a:r>
+            <a:r>
+              <a:rPr lang="en-US" sz="4800" dirty="0" smtClean="0">
                 <a:solidFill>
-                  <a:srgbClr val="008000"/>
+                  <a:srgbClr val="FF00FF"/>
                 </a:solidFill>
-                <a:latin typeface="Euclid Symbol" charset="2"/>
-                <a:cs typeface="Euclid Symbol" charset="2"/>
               </a:rPr>
-              <a:t>∞</a:t>
-            </a:r>
-          </a:p>
-          <a:p>
-            <a:pPr marL="0" indent="0" algn="ctr">
-              <a:buNone/>
-            </a:pPr>
-            <a:r>
-              <a:rPr lang="en-US" sz="4800" dirty="0" smtClean="0">
-                <a:latin typeface="Comic Sans MS"/>
-                <a:cs typeface="Comic Sans MS"/>
-              </a:rPr>
-              <a:t>(class problem)</a:t>
-            </a:r>
-            <a:endParaRPr lang="en-US" sz="4800" dirty="0" smtClean="0">
-              <a:latin typeface="Comic Sans MS"/>
-              <a:cs typeface="Comic Sans MS"/>
-            </a:endParaRPr>
+              <a:t> 0</a:t>
+            </a:r>
           </a:p>
         </p:txBody>
       </p:sp>
@@ -4045,8 +4113,12 @@
               <a:defRPr/>
             </a:pPr>
             <a:r>
-              <a:rPr lang="en-US" smtClean="0"/>
-              <a:t>Lec 14M.</a:t>
+              <a:rPr lang="en-US" dirty="0" err="1" smtClean="0"/>
+              <a:t>ruintime</a:t>
+            </a:r>
+            <a:r>
+              <a:rPr lang="en-US" dirty="0" smtClean="0"/>
+              <a:t>.</a:t>
             </a:r>
             <a:fld id="{E877D3CB-F960-BD47-98A7-06971C504846}" type="slidenum">
               <a:rPr lang="en-US" smtClean="0"/>
@@ -4055,7 +4127,7 @@
               </a:pPr>
               <a:t>13</a:t>
             </a:fld>
-            <a:endParaRPr lang="en-US" smtClean="0"/>
+            <a:endParaRPr lang="en-US" dirty="0" smtClean="0"/>
           </a:p>
           <a:p>
             <a:pPr>
@@ -4091,19 +4163,355 @@
           </a:p>
         </p:txBody>
       </p:sp>
+      <p:sp>
+        <p:nvSpPr>
+          <p:cNvPr id="7" name="Title 1"/>
+          <p:cNvSpPr>
+            <a:spLocks noGrp="1"/>
+          </p:cNvSpPr>
+          <p:nvPr>
+            <p:ph type="title"/>
+          </p:nvPr>
+        </p:nvSpPr>
+        <p:spPr>
+          <a:xfrm>
+            <a:off x="1519238" y="76200"/>
+            <a:ext cx="6100762" cy="1146176"/>
+          </a:xfrm>
+        </p:spPr>
+        <p:txBody>
+          <a:bodyPr/>
+          <a:lstStyle/>
+          <a:p>
+            <a:r>
+              <a:rPr lang="en-US" dirty="0" smtClean="0"/>
+              <a:t>Keep </a:t>
+            </a:r>
+            <a:r>
+              <a:rPr lang="en-US" dirty="0"/>
+              <a:t>P</a:t>
+            </a:r>
+            <a:r>
+              <a:rPr lang="en-US" dirty="0" smtClean="0"/>
+              <a:t>laying until Ruin</a:t>
+            </a:r>
+            <a:endParaRPr lang="en-US" dirty="0"/>
+          </a:p>
+        </p:txBody>
+      </p:sp>
     </p:spTree>
     <p:extLst>
       <p:ext uri="{BB962C8B-B14F-4D97-AF65-F5344CB8AC3E}">
-        <p14:creationId xmlns:p14="http://schemas.microsoft.com/office/powerpoint/2010/main" val="323210529"/>
+        <p14:creationId xmlns:p14="http://schemas.microsoft.com/office/powerpoint/2010/main" val="675271595"/>
       </p:ext>
     </p:extLst>
   </p:cSld>
   <p:clrMapOvr>
     <a:masterClrMapping/>
   </p:clrMapOvr>
-  <p:transition xmlns:p14="http://schemas.microsoft.com/office/powerpoint/2010/main" spd="slow">
+  <p:transition xmlns:p14="http://schemas.microsoft.com/office/powerpoint/2010/main" spd="slow" advClick="0">
     <p:fade thruBlk="1"/>
   </p:transition>
+  <p:timing>
+    <p:tnLst>
+      <p:par>
+        <p:cTn xmlns:p14="http://schemas.microsoft.com/office/powerpoint/2010/main" id="1" dur="indefinite" restart="never" nodeType="tmRoot"/>
+      </p:par>
+    </p:tnLst>
+  </p:timing>
+</p:sld>
+</file>
+
+<file path=ppt/slides/slide14.xml><?xml version="1.0" encoding="utf-8"?>
+<p:sld xmlns:a="http://schemas.openxmlformats.org/drawingml/2006/main" xmlns:r="http://schemas.openxmlformats.org/officeDocument/2006/relationships" xmlns:p="http://schemas.openxmlformats.org/presentationml/2006/main" show="0">
+  <p:cSld>
+    <p:spTree>
+      <p:nvGrpSpPr>
+        <p:cNvPr id="1" name=""/>
+        <p:cNvGrpSpPr/>
+        <p:nvPr/>
+      </p:nvGrpSpPr>
+      <p:grpSpPr>
+        <a:xfrm>
+          <a:off x="0" y="0"/>
+          <a:ext cx="0" cy="0"/>
+          <a:chOff x="0" y="0"/>
+          <a:chExt cx="0" cy="0"/>
+        </a:xfrm>
+      </p:grpSpPr>
+      <p:sp>
+        <p:nvSpPr>
+          <p:cNvPr id="3" name="Content Placeholder 2"/>
+          <p:cNvSpPr>
+            <a:spLocks noGrp="1"/>
+          </p:cNvSpPr>
+          <p:nvPr>
+            <p:ph idx="1"/>
+          </p:nvPr>
+        </p:nvSpPr>
+        <p:spPr>
+          <a:xfrm>
+            <a:off x="228600" y="1219200"/>
+            <a:ext cx="8839200" cy="4572000"/>
+          </a:xfrm>
+        </p:spPr>
+        <p:txBody>
+          <a:bodyPr/>
+          <a:lstStyle/>
+          <a:p>
+            <a:pPr marL="0" indent="0">
+              <a:buNone/>
+            </a:pPr>
+            <a:r>
+              <a:rPr lang="en-US" sz="4800" dirty="0" smtClean="0"/>
+              <a:t>Suppose keep playing until ruined? …that is</a:t>
+            </a:r>
+            <a:r>
+              <a:rPr lang="en-US" sz="4800" dirty="0"/>
+              <a:t>, Target </a:t>
+            </a:r>
+            <a:r>
+              <a:rPr lang="en-US" sz="4800" b="1" dirty="0">
+                <a:latin typeface="Euclid Symbol" charset="2"/>
+                <a:cs typeface="Euclid Symbol" charset="2"/>
+              </a:rPr>
+              <a:t>= </a:t>
+            </a:r>
+            <a:r>
+              <a:rPr lang="en-US" sz="4800" b="1" dirty="0" smtClean="0">
+                <a:solidFill>
+                  <a:srgbClr val="0000FF"/>
+                </a:solidFill>
+                <a:latin typeface="Euclid Symbol" charset="2"/>
+                <a:cs typeface="Euclid Symbol" charset="2"/>
+              </a:rPr>
+              <a:t>∞</a:t>
+            </a:r>
+            <a:r>
+              <a:rPr lang="en-US" sz="4800" dirty="0" smtClean="0"/>
+              <a:t>.</a:t>
+            </a:r>
+          </a:p>
+          <a:p>
+            <a:pPr marL="0" indent="0">
+              <a:buNone/>
+            </a:pPr>
+            <a:r>
+              <a:rPr lang="en-US" sz="4800" dirty="0"/>
+              <a:t>I</a:t>
+            </a:r>
+            <a:r>
+              <a:rPr lang="en-US" sz="4800" dirty="0" smtClean="0"/>
+              <a:t>n   </a:t>
+            </a:r>
+            <a:r>
+              <a:rPr lang="en-US" sz="4800" dirty="0" smtClean="0">
+                <a:solidFill>
+                  <a:srgbClr val="008000"/>
+                </a:solidFill>
+              </a:rPr>
+              <a:t>favorable</a:t>
+            </a:r>
+            <a:r>
+              <a:rPr lang="en-US" sz="4800" dirty="0" smtClean="0"/>
+              <a:t> game,</a:t>
+            </a:r>
+          </a:p>
+          <a:p>
+            <a:pPr marL="0" indent="0">
+              <a:buNone/>
+            </a:pPr>
+            <a:r>
+              <a:rPr lang="en-US" sz="4800" dirty="0" smtClean="0"/>
+              <a:t>ruin is not certain:</a:t>
+            </a:r>
+          </a:p>
+        </p:txBody>
+      </p:sp>
+      <p:sp>
+        <p:nvSpPr>
+          <p:cNvPr id="4" name="Slide Number Placeholder 3"/>
+          <p:cNvSpPr>
+            <a:spLocks noGrp="1"/>
+          </p:cNvSpPr>
+          <p:nvPr>
+            <p:ph type="sldNum" sz="quarter" idx="12"/>
+          </p:nvPr>
+        </p:nvSpPr>
+        <p:spPr/>
+        <p:txBody>
+          <a:bodyPr/>
+          <a:lstStyle/>
+          <a:p>
+            <a:pPr>
+              <a:defRPr/>
+            </a:pPr>
+            <a:r>
+              <a:rPr lang="en-US" dirty="0" err="1" smtClean="0"/>
+              <a:t>ruintime</a:t>
+            </a:r>
+            <a:r>
+              <a:rPr lang="en-US" dirty="0" smtClean="0"/>
+              <a:t>.</a:t>
+            </a:r>
+            <a:fld id="{E877D3CB-F960-BD47-98A7-06971C504846}" type="slidenum">
+              <a:rPr lang="en-US" smtClean="0"/>
+              <a:pPr>
+                <a:defRPr/>
+              </a:pPr>
+              <a:t>14</a:t>
+            </a:fld>
+            <a:endParaRPr lang="en-US" dirty="0" smtClean="0"/>
+          </a:p>
+          <a:p>
+            <a:pPr>
+              <a:defRPr/>
+            </a:pPr>
+            <a:endParaRPr lang="en-US" dirty="0"/>
+          </a:p>
+        </p:txBody>
+      </p:sp>
+      <p:sp>
+        <p:nvSpPr>
+          <p:cNvPr id="5" name="Date Placeholder 4"/>
+          <p:cNvSpPr>
+            <a:spLocks noGrp="1"/>
+          </p:cNvSpPr>
+          <p:nvPr>
+            <p:ph type="dt" sz="half" idx="2"/>
+          </p:nvPr>
+        </p:nvSpPr>
+        <p:spPr/>
+        <p:txBody>
+          <a:bodyPr/>
+          <a:lstStyle/>
+          <a:p>
+            <a:pPr>
+              <a:defRPr/>
+            </a:pPr>
+            <a:r>
+              <a:rPr lang="en-US" smtClean="0"/>
+              <a:t>Albert R Meyer,                        May 14, 2012</a:t>
+            </a:r>
+            <a:endParaRPr lang="en-US" dirty="0"/>
+          </a:p>
+        </p:txBody>
+      </p:sp>
+      <p:graphicFrame>
+        <p:nvGraphicFramePr>
+          <p:cNvPr id="6" name="Object 5"/>
+          <p:cNvGraphicFramePr>
+            <a:graphicFrameLocks noChangeAspect="1"/>
+          </p:cNvGraphicFramePr>
+          <p:nvPr>
+            <p:extLst>
+              <p:ext uri="{D42A27DB-BD31-4B8C-83A1-F6EECF244321}">
+                <p14:modId xmlns:p14="http://schemas.microsoft.com/office/powerpoint/2010/main" val="3625756732"/>
+              </p:ext>
+            </p:extLst>
+          </p:nvPr>
+        </p:nvGraphicFramePr>
+        <p:xfrm>
+          <a:off x="922338" y="4718050"/>
+          <a:ext cx="7183437" cy="1001713"/>
+        </p:xfrm>
+        <a:graphic>
+          <a:graphicData uri="http://schemas.openxmlformats.org/presentationml/2006/ole">
+            <mc:AlternateContent xmlns:mc="http://schemas.openxmlformats.org/markup-compatibility/2006">
+              <mc:Choice xmlns:v="urn:schemas-microsoft-com:vml" Requires="v">
+                <p:oleObj spid="_x0000_s246796" name="Equation" r:id="rId3" imgW="1638300" imgH="228600" progId="Equation.DSMT4">
+                  <p:embed/>
+                </p:oleObj>
+              </mc:Choice>
+              <mc:Fallback>
+                <p:oleObj name="Equation" r:id="rId3" imgW="1638300" imgH="228600" progId="Equation.DSMT4">
+                  <p:embed/>
+                  <p:pic>
+                    <p:nvPicPr>
+                      <p:cNvPr id="0" name=""/>
+                      <p:cNvPicPr/>
+                      <p:nvPr/>
+                    </p:nvPicPr>
+                    <p:blipFill>
+                      <a:blip r:embed="rId4"/>
+                      <a:stretch>
+                        <a:fillRect/>
+                      </a:stretch>
+                    </p:blipFill>
+                    <p:spPr>
+                      <a:xfrm>
+                        <a:off x="922338" y="4718050"/>
+                        <a:ext cx="7183437" cy="1001713"/>
+                      </a:xfrm>
+                      <a:prstGeom prst="rect">
+                        <a:avLst/>
+                      </a:prstGeom>
+                    </p:spPr>
+                  </p:pic>
+                </p:oleObj>
+              </mc:Fallback>
+            </mc:AlternateContent>
+          </a:graphicData>
+        </a:graphic>
+      </p:graphicFrame>
+      <p:sp>
+        <p:nvSpPr>
+          <p:cNvPr id="8" name="Title 1"/>
+          <p:cNvSpPr>
+            <a:spLocks noGrp="1"/>
+          </p:cNvSpPr>
+          <p:nvPr>
+            <p:ph type="title"/>
+          </p:nvPr>
+        </p:nvSpPr>
+        <p:spPr>
+          <a:xfrm>
+            <a:off x="1519238" y="76200"/>
+            <a:ext cx="6100762" cy="1146176"/>
+          </a:xfrm>
+        </p:spPr>
+        <p:txBody>
+          <a:bodyPr/>
+          <a:lstStyle/>
+          <a:p>
+            <a:r>
+              <a:rPr lang="en-US" dirty="0" smtClean="0"/>
+              <a:t>Keep </a:t>
+            </a:r>
+            <a:r>
+              <a:rPr lang="en-US" dirty="0"/>
+              <a:t>P</a:t>
+            </a:r>
+            <a:r>
+              <a:rPr lang="en-US" dirty="0" smtClean="0"/>
+              <a:t>laying until Ruin</a:t>
+            </a:r>
+            <a:endParaRPr lang="en-US" dirty="0"/>
+          </a:p>
+        </p:txBody>
+      </p:sp>
+    </p:spTree>
+    <p:extLst>
+      <p:ext uri="{BB962C8B-B14F-4D97-AF65-F5344CB8AC3E}">
+        <p14:creationId xmlns:p14="http://schemas.microsoft.com/office/powerpoint/2010/main" val="1634358029"/>
+      </p:ext>
+    </p:extLst>
+  </p:cSld>
+  <p:clrMapOvr>
+    <a:masterClrMapping/>
+  </p:clrMapOvr>
+  <mc:AlternateContent xmlns:mc="http://schemas.openxmlformats.org/markup-compatibility/2006">
+    <mc:Choice xmlns:p14="http://schemas.microsoft.com/office/powerpoint/2010/main" Requires="p14">
+      <p:transition spd="med" p14:dur="700" advClick="0">
+        <p:fade/>
+      </p:transition>
+    </mc:Choice>
+    <mc:Fallback>
+      <p:transition xmlns:p14="http://schemas.microsoft.com/office/powerpoint/2010/main" spd="med" advClick="0">
+        <p:fade/>
+      </p:transition>
+    </mc:Fallback>
+  </mc:AlternateContent>
   <p:timing>
     <p:tnLst>
       <p:par>
@@ -4209,8 +4617,12 @@
               <a:defRPr/>
             </a:pPr>
             <a:r>
-              <a:rPr lang="en-US" smtClean="0"/>
-              <a:t>Lec 14M.</a:t>
+              <a:rPr lang="en-US" dirty="0" err="1" smtClean="0"/>
+              <a:t>ruintime</a:t>
+            </a:r>
+            <a:r>
+              <a:rPr lang="en-US" dirty="0" smtClean="0"/>
+              <a:t>.</a:t>
             </a:r>
             <a:fld id="{E877D3CB-F960-BD47-98A7-06971C504846}" type="slidenum">
               <a:rPr lang="en-US" smtClean="0"/>
@@ -4219,7 +4631,7 @@
               </a:pPr>
               <a:t>2</a:t>
             </a:fld>
-            <a:endParaRPr lang="en-US" smtClean="0"/>
+            <a:endParaRPr lang="en-US" dirty="0" smtClean="0"/>
           </a:p>
           <a:p>
             <a:pPr>
@@ -4265,7 +4677,7 @@
   <p:clrMapOvr>
     <a:masterClrMapping/>
   </p:clrMapOvr>
-  <p:transition xmlns:p14="http://schemas.microsoft.com/office/powerpoint/2010/main" spd="slow">
+  <p:transition xmlns:p14="http://schemas.microsoft.com/office/powerpoint/2010/main" spd="slow" advClick="0">
     <p:fade thruBlk="1"/>
   </p:transition>
   <p:timing>
@@ -4315,11 +4727,11 @@
             </a:pPr>
             <a:r>
               <a:rPr lang="en-US" dirty="0" err="1" smtClean="0"/>
-              <a:t>Lec</a:t>
+              <a:t>ruintime</a:t>
             </a:r>
             <a:r>
               <a:rPr lang="en-US" dirty="0" smtClean="0"/>
-              <a:t> 14M.</a:t>
+              <a:t>.</a:t>
             </a:r>
             <a:fld id="{E877D3CB-F960-BD47-98A7-06971C504846}" type="slidenum">
               <a:rPr lang="en-US" smtClean="0"/>
@@ -4386,7 +4798,7 @@
           <a:graphicData uri="http://schemas.openxmlformats.org/presentationml/2006/ole">
             <mc:AlternateContent xmlns:mc="http://schemas.openxmlformats.org/markup-compatibility/2006">
               <mc:Choice xmlns:v="urn:schemas-microsoft-com:vml" Requires="v">
-                <p:oleObj spid="_x0000_s1134" name="Equation" r:id="rId3" imgW="2057400" imgH="292100" progId="Equation.DSMT4">
+                <p:oleObj spid="_x0000_s1156" name="Equation" r:id="rId3" imgW="2057400" imgH="292100" progId="Equation.DSMT4">
                   <p:embed/>
                 </p:oleObj>
               </mc:Choice>
@@ -4445,7 +4857,7 @@
           <a:graphicData uri="http://schemas.openxmlformats.org/presentationml/2006/ole">
             <mc:AlternateContent xmlns:mc="http://schemas.openxmlformats.org/markup-compatibility/2006">
               <mc:Choice xmlns:v="urn:schemas-microsoft-com:vml" Requires="v">
-                <p:oleObj spid="_x0000_s1135" name="Equation" r:id="rId5" imgW="2057400" imgH="292100" progId="Equation.DSMT4">
+                <p:oleObj spid="_x0000_s1157" name="Equation" r:id="rId5" imgW="2057400" imgH="292100" progId="Equation.DSMT4">
                   <p:embed/>
                 </p:oleObj>
               </mc:Choice>
@@ -4504,7 +4916,7 @@
           <a:graphicData uri="http://schemas.openxmlformats.org/presentationml/2006/ole">
             <mc:AlternateContent xmlns:mc="http://schemas.openxmlformats.org/markup-compatibility/2006">
               <mc:Choice xmlns:v="urn:schemas-microsoft-com:vml" Requires="v">
-                <p:oleObj spid="_x0000_s1136" name="Equation" r:id="rId7" imgW="2146300" imgH="292100" progId="Equation.DSMT4">
+                <p:oleObj spid="_x0000_s1158" name="Equation" r:id="rId7" imgW="2146300" imgH="292100" progId="Equation.DSMT4">
                   <p:embed/>
                 </p:oleObj>
               </mc:Choice>
@@ -4549,7 +4961,7 @@
         </p:nvSpPr>
         <p:spPr bwMode="auto">
           <a:xfrm>
-            <a:off x="1143000" y="304800"/>
+            <a:off x="1143000" y="152400"/>
             <a:ext cx="7472362" cy="1143000"/>
           </a:xfrm>
           <a:prstGeom prst="rect">
@@ -4730,18 +5142,9 @@
   <p:clrMapOvr>
     <a:masterClrMapping/>
   </p:clrMapOvr>
-  <mc:AlternateContent xmlns:mc="http://schemas.openxmlformats.org/markup-compatibility/2006">
-    <mc:Choice xmlns:p14="http://schemas.microsoft.com/office/powerpoint/2010/main" Requires="p14">
-      <p:transition spd="med" p14:dur="700">
-        <p:fade/>
-      </p:transition>
-    </mc:Choice>
-    <mc:Fallback>
-      <p:transition xmlns:p14="http://schemas.microsoft.com/office/powerpoint/2010/main" spd="med">
-        <p:fade/>
-      </p:transition>
-    </mc:Fallback>
-  </mc:AlternateContent>
+  <p:transition xmlns:p14="http://schemas.microsoft.com/office/powerpoint/2010/main" spd="slow" advClick="0">
+    <p:fade/>
+  </p:transition>
   <p:timing>
     <p:tnLst>
       <p:par>
@@ -4971,11 +5374,11 @@
             </a:pPr>
             <a:r>
               <a:rPr lang="en-US" dirty="0" err="1" smtClean="0"/>
-              <a:t>Lec</a:t>
+              <a:t>ruintime</a:t>
             </a:r>
             <a:r>
               <a:rPr lang="en-US" dirty="0" smtClean="0"/>
-              <a:t> 14M.</a:t>
+              <a:t>.</a:t>
             </a:r>
             <a:fld id="{E877D3CB-F960-BD47-98A7-06971C504846}" type="slidenum">
               <a:rPr lang="en-US" smtClean="0"/>
@@ -5042,7 +5445,7 @@
           <a:graphicData uri="http://schemas.openxmlformats.org/presentationml/2006/ole">
             <mc:AlternateContent xmlns:mc="http://schemas.openxmlformats.org/markup-compatibility/2006">
               <mc:Choice xmlns:v="urn:schemas-microsoft-com:vml" Requires="v">
-                <p:oleObj spid="_x0000_s237642" name="Equation" r:id="rId3" imgW="2590800" imgH="812800" progId="Equation.DSMT4">
+                <p:oleObj spid="_x0000_s237657" name="Equation" r:id="rId3" imgW="2590800" imgH="812800" progId="Equation.DSMT4">
                   <p:embed/>
                 </p:oleObj>
               </mc:Choice>
@@ -5099,7 +5502,7 @@
           <a:graphicData uri="http://schemas.openxmlformats.org/presentationml/2006/ole">
             <mc:AlternateContent xmlns:mc="http://schemas.openxmlformats.org/markup-compatibility/2006">
               <mc:Choice xmlns:v="urn:schemas-microsoft-com:vml" Requires="v">
-                <p:oleObj spid="_x0000_s237643" name="Equation" r:id="rId5" imgW="1803400" imgH="330200" progId="Equation.DSMT4">
+                <p:oleObj spid="_x0000_s237658" name="Equation" r:id="rId5" imgW="1803400" imgH="330200" progId="Equation.DSMT4">
                   <p:embed/>
                 </p:oleObj>
               </mc:Choice>
@@ -5144,7 +5547,12 @@
             <p:ph type="title"/>
           </p:nvPr>
         </p:nvSpPr>
-        <p:spPr/>
+        <p:spPr>
+          <a:xfrm>
+            <a:off x="1443038" y="228600"/>
+            <a:ext cx="7472362" cy="1143000"/>
+          </a:xfrm>
+        </p:spPr>
         <p:txBody>
           <a:bodyPr/>
           <a:lstStyle/>
@@ -5200,7 +5608,7 @@
                             </p:stCondLst>
                             <p:childTnLst>
                               <p:par>
-                                <p:cTn id="5" presetID="9" presetClass="entr" presetSubtype="0" fill="hold" nodeType="clickEffect">
+                                <p:cTn id="5" presetID="22" presetClass="entr" presetSubtype="1" fill="hold" nodeType="clickEffect">
                                   <p:stCondLst>
                                     <p:cond delay="0"/>
                                   </p:stCondLst>
@@ -5208,6 +5616,59 @@
                                     <p:set>
                                       <p:cBhvr>
                                         <p:cTn id="6" dur="1" fill="hold">
+                                          <p:stCondLst>
+                                            <p:cond delay="0"/>
+                                          </p:stCondLst>
+                                        </p:cTn>
+                                        <p:tgtEl>
+                                          <p:spTgt spid="8"/>
+                                        </p:tgtEl>
+                                        <p:attrNameLst>
+                                          <p:attrName>style.visibility</p:attrName>
+                                        </p:attrNameLst>
+                                      </p:cBhvr>
+                                      <p:to>
+                                        <p:strVal val="visible"/>
+                                      </p:to>
+                                    </p:set>
+                                    <p:animEffect transition="in" filter="wipe(up)">
+                                      <p:cBhvr>
+                                        <p:cTn id="7" dur="2000"/>
+                                        <p:tgtEl>
+                                          <p:spTgt spid="8"/>
+                                        </p:tgtEl>
+                                      </p:cBhvr>
+                                    </p:animEffect>
+                                  </p:childTnLst>
+                                </p:cTn>
+                              </p:par>
+                            </p:childTnLst>
+                          </p:cTn>
+                        </p:par>
+                      </p:childTnLst>
+                    </p:cTn>
+                  </p:par>
+                  <p:par>
+                    <p:cTn id="8" fill="hold">
+                      <p:stCondLst>
+                        <p:cond delay="indefinite"/>
+                      </p:stCondLst>
+                      <p:childTnLst>
+                        <p:par>
+                          <p:cTn id="9" fill="hold">
+                            <p:stCondLst>
+                              <p:cond delay="0"/>
+                            </p:stCondLst>
+                            <p:childTnLst>
+                              <p:par>
+                                <p:cTn id="10" presetID="22" presetClass="entr" presetSubtype="8" fill="hold" nodeType="clickEffect">
+                                  <p:stCondLst>
+                                    <p:cond delay="0"/>
+                                  </p:stCondLst>
+                                  <p:childTnLst>
+                                    <p:set>
+                                      <p:cBhvr>
+                                        <p:cTn id="11" dur="1" fill="hold">
                                           <p:stCondLst>
                                             <p:cond delay="0"/>
                                           </p:stCondLst>
@@ -5223,9 +5684,9 @@
                                         <p:strVal val="visible"/>
                                       </p:to>
                                     </p:set>
-                                    <p:animEffect transition="in" filter="dissolve">
+                                    <p:animEffect transition="in" filter="wipe(left)">
                                       <p:cBhvr>
-                                        <p:cTn id="7" dur="500"/>
+                                        <p:cTn id="12" dur="2000"/>
                                         <p:tgtEl>
                                           <p:spTgt spid="11"/>
                                         </p:tgtEl>
@@ -5302,11 +5763,11 @@
             </a:pPr>
             <a:r>
               <a:rPr lang="en-US" dirty="0" err="1" smtClean="0"/>
-              <a:t>Lec</a:t>
+              <a:t>ruintime</a:t>
             </a:r>
             <a:r>
               <a:rPr lang="en-US" dirty="0" smtClean="0"/>
-              <a:t> 14M.</a:t>
+              <a:t>.</a:t>
             </a:r>
             <a:fld id="{E877D3CB-F960-BD47-98A7-06971C504846}" type="slidenum">
               <a:rPr lang="en-US" smtClean="0"/>
@@ -5373,7 +5834,7 @@
           <a:graphicData uri="http://schemas.openxmlformats.org/presentationml/2006/ole">
             <mc:AlternateContent xmlns:mc="http://schemas.openxmlformats.org/markup-compatibility/2006">
               <mc:Choice xmlns:v="urn:schemas-microsoft-com:vml" Requires="v">
-                <p:oleObj spid="_x0000_s240656" name="Equation" r:id="rId3" imgW="3035300" imgH="558800" progId="Equation.DSMT4">
+                <p:oleObj spid="_x0000_s240671" name="Equation" r:id="rId3" imgW="3035300" imgH="558800" progId="Equation.DSMT4">
                   <p:embed/>
                 </p:oleObj>
               </mc:Choice>
@@ -5430,7 +5891,7 @@
           <a:graphicData uri="http://schemas.openxmlformats.org/presentationml/2006/ole">
             <mc:AlternateContent xmlns:mc="http://schemas.openxmlformats.org/markup-compatibility/2006">
               <mc:Choice xmlns:v="urn:schemas-microsoft-com:vml" Requires="v">
-                <p:oleObj spid="_x0000_s240657" name="Equation" r:id="rId5" imgW="1803400" imgH="330200" progId="Equation.DSMT4">
+                <p:oleObj spid="_x0000_s240672" name="Equation" r:id="rId5" imgW="1803400" imgH="330200" progId="Equation.DSMT4">
                   <p:embed/>
                 </p:oleObj>
               </mc:Choice>
@@ -5467,7 +5928,7 @@
       </p:graphicFrame>
       <p:sp>
         <p:nvSpPr>
-          <p:cNvPr id="3" name="Title 2"/>
+          <p:cNvPr id="9" name="Title 2"/>
           <p:cNvSpPr>
             <a:spLocks noGrp="1"/>
           </p:cNvSpPr>
@@ -5475,7 +5936,12 @@
             <p:ph type="title"/>
           </p:nvPr>
         </p:nvSpPr>
-        <p:spPr/>
+        <p:spPr>
+          <a:xfrm>
+            <a:off x="1443038" y="228600"/>
+            <a:ext cx="7472362" cy="1143000"/>
+          </a:xfrm>
+        </p:spPr>
         <p:txBody>
           <a:bodyPr/>
           <a:lstStyle/>
@@ -5498,13 +5964,13 @@
   <p:clrMapOvr>
     <a:masterClrMapping/>
   </p:clrMapOvr>
-  <mc:AlternateContent xmlns:mc="http://schemas.openxmlformats.org/markup-compatibility/2006" xmlns:p14="http://schemas.microsoft.com/office/powerpoint/2010/main">
-    <mc:Choice Requires="p14">
+  <mc:AlternateContent xmlns:mc="http://schemas.openxmlformats.org/markup-compatibility/2006">
+    <mc:Choice xmlns:p14="http://schemas.microsoft.com/office/powerpoint/2010/main" Requires="p14">
       <p:transition spd="med" p14:dur="700">
         <p:fade/>
       </p:transition>
     </mc:Choice>
-    <mc:Fallback xmlns="">
+    <mc:Fallback>
       <p:transition xmlns:p14="http://schemas.microsoft.com/office/powerpoint/2010/main" spd="med">
         <p:fade/>
       </p:transition>
@@ -5656,11 +6122,11 @@
             </a:pPr>
             <a:r>
               <a:rPr lang="en-US" dirty="0" err="1" smtClean="0"/>
-              <a:t>Lec</a:t>
+              <a:t>ruintime</a:t>
             </a:r>
             <a:r>
               <a:rPr lang="en-US" dirty="0" smtClean="0"/>
-              <a:t> 14M.</a:t>
+              <a:t>.</a:t>
             </a:r>
             <a:fld id="{E877D3CB-F960-BD47-98A7-06971C504846}" type="slidenum">
               <a:rPr lang="en-US" smtClean="0"/>
@@ -5727,7 +6193,7 @@
           <a:graphicData uri="http://schemas.openxmlformats.org/presentationml/2006/ole">
             <mc:AlternateContent xmlns:mc="http://schemas.openxmlformats.org/markup-compatibility/2006">
               <mc:Choice xmlns:v="urn:schemas-microsoft-com:vml" Requires="v">
-                <p:oleObj spid="_x0000_s239648" name="Equation" r:id="rId3" imgW="1549400" imgH="508000" progId="Equation.DSMT4">
+                <p:oleObj spid="_x0000_s239656" name="Equation" r:id="rId3" imgW="1549400" imgH="508000" progId="Equation.DSMT4">
                   <p:embed/>
                 </p:oleObj>
               </mc:Choice>
@@ -5772,18 +6238,9 @@
   <p:clrMapOvr>
     <a:masterClrMapping/>
   </p:clrMapOvr>
-  <mc:AlternateContent xmlns:mc="http://schemas.openxmlformats.org/markup-compatibility/2006" xmlns:p14="http://schemas.microsoft.com/office/powerpoint/2010/main">
-    <mc:Choice Requires="p14">
-      <p:transition spd="med" p14:dur="700">
-        <p:fade/>
-      </p:transition>
-    </mc:Choice>
-    <mc:Fallback xmlns="">
-      <p:transition xmlns:p14="http://schemas.microsoft.com/office/powerpoint/2010/main" spd="med">
-        <p:fade/>
-      </p:transition>
-    </mc:Fallback>
-  </mc:AlternateContent>
+  <p:transition xmlns:p14="http://schemas.microsoft.com/office/powerpoint/2010/main" spd="slow" advClick="0">
+    <p:fade thruBlk="1"/>
+  </p:transition>
   <p:timing>
     <p:tnLst>
       <p:par>
@@ -5854,11 +6311,11 @@
             </a:pPr>
             <a:r>
               <a:rPr lang="en-US" dirty="0" err="1" smtClean="0"/>
-              <a:t>Lec</a:t>
+              <a:t>ruintime</a:t>
             </a:r>
             <a:r>
               <a:rPr lang="en-US" dirty="0" smtClean="0"/>
-              <a:t> 14M.</a:t>
+              <a:t>.</a:t>
             </a:r>
             <a:fld id="{E877D3CB-F960-BD47-98A7-06971C504846}" type="slidenum">
               <a:rPr lang="en-US" smtClean="0"/>
@@ -6065,7 +6522,7 @@
   <p:clrMapOvr>
     <a:masterClrMapping/>
   </p:clrMapOvr>
-  <p:transition xmlns:p14="http://schemas.microsoft.com/office/powerpoint/2010/main" spd="slow">
+  <p:transition xmlns:p14="http://schemas.microsoft.com/office/powerpoint/2010/main" spd="slow" advClick="0">
     <p:fade thruBlk="1"/>
   </p:transition>
   <p:timing>
@@ -6313,7 +6770,7 @@
         </p:nvSpPr>
         <p:spPr>
           <a:xfrm>
-            <a:off x="1143000" y="301624"/>
+            <a:off x="1143000" y="76200"/>
             <a:ext cx="7772400" cy="1222375"/>
           </a:xfrm>
         </p:spPr>
@@ -6361,11 +6818,11 @@
             </a:pPr>
             <a:r>
               <a:rPr lang="en-US" dirty="0" err="1" smtClean="0"/>
-              <a:t>Lec</a:t>
+              <a:t>ruintime</a:t>
             </a:r>
             <a:r>
               <a:rPr lang="en-US" dirty="0" smtClean="0"/>
-              <a:t> 14M.</a:t>
+              <a:t>.</a:t>
             </a:r>
             <a:fld id="{E877D3CB-F960-BD47-98A7-06971C504846}" type="slidenum">
               <a:rPr lang="en-US" smtClean="0"/>
@@ -6418,8 +6875,8 @@
         </p:nvSpPr>
         <p:spPr>
           <a:xfrm>
-            <a:off x="228600" y="1219200"/>
-            <a:ext cx="8763000" cy="5262979"/>
+            <a:off x="533400" y="1219200"/>
+            <a:ext cx="8077200" cy="4648200"/>
           </a:xfrm>
           <a:prstGeom prst="rect">
             <a:avLst/>
@@ -6446,25 +6903,42 @@
             </a:r>
             <a:r>
               <a:rPr lang="en-US" sz="4800" dirty="0" smtClean="0"/>
-              <a:t>starting with</a:t>
-            </a:r>
+              <a:t>starting </a:t>
+            </a:r>
+            <a:r>
+              <a:rPr lang="en-US" sz="4800" dirty="0" smtClean="0"/>
+              <a:t>with</a:t>
+            </a:r>
+            <a:endParaRPr lang="en-US" sz="4800" dirty="0">
+              <a:solidFill>
+                <a:srgbClr val="0000FF"/>
+              </a:solidFill>
+            </a:endParaRPr>
+          </a:p>
+          <a:p>
             <a:r>
               <a:rPr lang="en-US" sz="4800" dirty="0" smtClean="0">
                 <a:solidFill>
                   <a:srgbClr val="0000FF"/>
                 </a:solidFill>
               </a:rPr>
-              <a:t> $1</a:t>
-            </a:r>
-          </a:p>
-          <a:p>
+              <a:t>$1 </a:t>
+            </a:r>
             <a:r>
               <a:rPr lang="en-US" sz="4800" dirty="0" smtClean="0">
                 <a:solidFill>
                   <a:srgbClr val="000000"/>
                 </a:solidFill>
               </a:rPr>
-              <a:t>aiming to reach $1000,</a:t>
+              <a:t>aiming </a:t>
+            </a:r>
+            <a:r>
+              <a:rPr lang="en-US" sz="4800" dirty="0" smtClean="0">
+                <a:solidFill>
+                  <a:srgbClr val="000000"/>
+                </a:solidFill>
+              </a:rPr>
+              <a:t>to reach $1000,</a:t>
             </a:r>
           </a:p>
           <a:p>
@@ -6496,20 +6970,29 @@
             </a:r>
           </a:p>
           <a:p>
-            <a:endParaRPr lang="en-US" sz="4800" dirty="0" smtClean="0">
-              <a:solidFill>
-                <a:srgbClr val="000000"/>
-              </a:solidFill>
-            </a:endParaRPr>
-          </a:p>
-          <a:p>
+            <a:r>
+              <a:rPr lang="en-US" sz="4400" dirty="0" smtClean="0">
+                <a:solidFill>
+                  <a:srgbClr val="660066"/>
+                </a:solidFill>
+              </a:rPr>
+              <a:t>Problem</a:t>
+            </a:r>
+            <a:r>
+              <a:rPr lang="en-US" sz="4400" dirty="0" smtClean="0">
+                <a:solidFill>
+                  <a:srgbClr val="660066"/>
+                </a:solidFill>
+              </a:rPr>
+              <a:t>:</a:t>
+            </a:r>
             <a:r>
               <a:rPr lang="en-US" sz="4800" dirty="0" smtClean="0">
                 <a:solidFill>
                   <a:srgbClr val="000000"/>
                 </a:solidFill>
               </a:rPr>
-              <a:t>Problem: There must be an intuitive proof.</a:t>
+              <a:t> There must be an intuitive proof.</a:t>
             </a:r>
             <a:endParaRPr lang="en-US" sz="5400" dirty="0">
               <a:solidFill>
@@ -6527,7 +7010,7 @@
         </p:nvSpPr>
         <p:spPr>
           <a:xfrm>
-            <a:off x="4876800" y="5638800"/>
+            <a:off x="5181600" y="4884003"/>
             <a:ext cx="2734943" cy="830997"/>
           </a:xfrm>
           <a:prstGeom prst="rect">
@@ -6567,14 +7050,14 @@
   <p:clrMapOvr>
     <a:masterClrMapping/>
   </p:clrMapOvr>
-  <mc:AlternateContent xmlns:mc="http://schemas.openxmlformats.org/markup-compatibility/2006" xmlns:p14="http://schemas.microsoft.com/office/powerpoint/2010/main">
-    <mc:Choice Requires="p14">
-      <p:transition spd="med" p14:dur="700">
+  <mc:AlternateContent xmlns:mc="http://schemas.openxmlformats.org/markup-compatibility/2006">
+    <mc:Choice xmlns:p14="http://schemas.microsoft.com/office/powerpoint/2010/main" Requires="p14">
+      <p:transition spd="med" p14:dur="700" advClick="0">
         <p:fade/>
       </p:transition>
     </mc:Choice>
-    <mc:Fallback xmlns="">
-      <p:transition xmlns:p14="http://schemas.microsoft.com/office/powerpoint/2010/main" spd="med">
+    <mc:Fallback>
+      <p:transition xmlns:p14="http://schemas.microsoft.com/office/powerpoint/2010/main" spd="med" advClick="0">
         <p:fade/>
       </p:transition>
     </mc:Fallback>
@@ -6737,7 +7220,7 @@
                                         <p:tgtEl>
                                           <p:spTgt spid="3">
                                             <p:txEl>
-                                              <p:pRg st="5" end="5"/>
+                                              <p:pRg st="4" end="4"/>
                                             </p:txEl>
                                           </p:spTgt>
                                         </p:tgtEl>
@@ -6755,7 +7238,7 @@
                                         <p:tgtEl>
                                           <p:spTgt spid="3">
                                             <p:txEl>
-                                              <p:pRg st="5" end="5"/>
+                                              <p:pRg st="4" end="4"/>
                                             </p:txEl>
                                           </p:spTgt>
                                         </p:tgtEl>
@@ -6808,7 +7291,7 @@
                                     </p:set>
                                     <p:anim calcmode="lin" valueType="num">
                                       <p:cBhvr>
-                                        <p:cTn id="22" dur="500" fill="hold"/>
+                                        <p:cTn id="22" dur="1000" fill="hold"/>
                                         <p:tgtEl>
                                           <p:spTgt spid="6"/>
                                         </p:tgtEl>
@@ -6831,7 +7314,7 @@
                                     </p:anim>
                                     <p:anim calcmode="lin" valueType="num">
                                       <p:cBhvr>
-                                        <p:cTn id="23" dur="500" fill="hold"/>
+                                        <p:cTn id="23" dur="1000" fill="hold"/>
                                         <p:tgtEl>
                                           <p:spTgt spid="6"/>
                                         </p:tgtEl>
@@ -6854,7 +7337,7 @@
                                     </p:anim>
                                     <p:anim calcmode="lin" valueType="num">
                                       <p:cBhvr>
-                                        <p:cTn id="24" dur="500" fill="hold"/>
+                                        <p:cTn id="24" dur="1000" fill="hold"/>
                                         <p:tgtEl>
                                           <p:spTgt spid="6"/>
                                         </p:tgtEl>
@@ -6877,7 +7360,7 @@
                                     </p:anim>
                                     <p:anim calcmode="lin" valueType="num">
                                       <p:cBhvr>
-                                        <p:cTn id="25" dur="500" fill="hold"/>
+                                        <p:cTn id="25" dur="1000" fill="hold"/>
                                         <p:tgtEl>
                                           <p:spTgt spid="6"/>
                                         </p:tgtEl>
@@ -6964,7 +7447,7 @@
         </p:nvSpPr>
         <p:spPr>
           <a:xfrm>
-            <a:off x="1443038" y="301624"/>
+            <a:off x="1519238" y="76200"/>
             <a:ext cx="6100762" cy="1146176"/>
           </a:xfrm>
         </p:spPr>
@@ -7104,8 +7587,12 @@
               <a:defRPr/>
             </a:pPr>
             <a:r>
-              <a:rPr lang="en-US" smtClean="0"/>
-              <a:t>Lec 14M.</a:t>
+              <a:rPr lang="en-US" dirty="0" err="1" smtClean="0"/>
+              <a:t>ruintime</a:t>
+            </a:r>
+            <a:r>
+              <a:rPr lang="en-US" dirty="0" smtClean="0"/>
+              <a:t>.</a:t>
             </a:r>
             <a:fld id="{E877D3CB-F960-BD47-98A7-06971C504846}" type="slidenum">
               <a:rPr lang="en-US" smtClean="0"/>
@@ -7114,7 +7601,7 @@
               </a:pPr>
               <a:t>9</a:t>
             </a:fld>
-            <a:endParaRPr lang="en-US" smtClean="0"/>
+            <a:endParaRPr lang="en-US" dirty="0" smtClean="0"/>
           </a:p>
           <a:p>
             <a:pPr>
@@ -7134,7 +7621,12 @@
             <p:ph type="dt" sz="half" idx="2"/>
           </p:nvPr>
         </p:nvSpPr>
-        <p:spPr/>
+        <p:spPr>
+          <a:xfrm>
+            <a:off x="2781300" y="6629400"/>
+            <a:ext cx="3581400" cy="228600"/>
+          </a:xfrm>
+        </p:spPr>
         <p:txBody>
           <a:bodyPr/>
           <a:lstStyle/>
@@ -7159,25 +7651,25 @@
           <p:nvPr>
             <p:extLst>
               <p:ext uri="{D42A27DB-BD31-4B8C-83A1-F6EECF244321}">
-                <p14:modId xmlns:p14="http://schemas.microsoft.com/office/powerpoint/2010/main" val="3235191175"/>
+                <p14:modId xmlns:p14="http://schemas.microsoft.com/office/powerpoint/2010/main" val="3348281431"/>
               </p:ext>
             </p:extLst>
           </p:nvPr>
         </p:nvGraphicFramePr>
         <p:xfrm>
-          <a:off x="1040859" y="3886200"/>
-          <a:ext cx="7036341" cy="2362200"/>
+          <a:off x="1066800" y="3937000"/>
+          <a:ext cx="7288212" cy="2311400"/>
         </p:xfrm>
         <a:graphic>
           <a:graphicData uri="http://schemas.openxmlformats.org/presentationml/2006/ole">
             <mc:AlternateContent xmlns:mc="http://schemas.openxmlformats.org/markup-compatibility/2006">
               <mc:Choice xmlns:v="urn:schemas-microsoft-com:vml" Requires="v">
-                <p:oleObj spid="_x0000_s241670" name="Equation" r:id="rId3" imgW="1778000" imgH="596900" progId="Equation.DSMT4">
+                <p:oleObj spid="_x0000_s241680" name="Equation" r:id="rId3" imgW="1841500" imgH="584200" progId="Equation.DSMT4">
                   <p:embed/>
                 </p:oleObj>
               </mc:Choice>
               <mc:Fallback>
-                <p:oleObj name="Equation" r:id="rId3" imgW="1778000" imgH="596900" progId="Equation.DSMT4">
+                <p:oleObj name="Equation" r:id="rId3" imgW="1841500" imgH="584200" progId="Equation.DSMT4">
                   <p:embed/>
                   <p:pic>
                     <p:nvPicPr>
@@ -7193,8 +7685,8 @@
                     </p:blipFill>
                     <p:spPr>
                       <a:xfrm>
-                        <a:off x="1040859" y="3886200"/>
-                        <a:ext cx="7036341" cy="2362200"/>
+                        <a:off x="1066800" y="3937000"/>
+                        <a:ext cx="7288212" cy="2311400"/>
                       </a:xfrm>
                       <a:prstGeom prst="rect">
                         <a:avLst/>
@@ -7217,15 +7709,286 @@
   <p:clrMapOvr>
     <a:masterClrMapping/>
   </p:clrMapOvr>
-  <p:transition xmlns:p14="http://schemas.microsoft.com/office/powerpoint/2010/main" spd="slow">
-    <p:fade thruBlk="1"/>
-  </p:transition>
+  <mc:AlternateContent xmlns:mc="http://schemas.openxmlformats.org/markup-compatibility/2006">
+    <mc:Choice xmlns:p14="http://schemas.microsoft.com/office/powerpoint/2010/main" Requires="p14">
+      <p:transition spd="slow" p14:dur="1200" advClick="0">
+        <p:fade thruBlk="1"/>
+      </p:transition>
+    </mc:Choice>
+    <mc:Fallback>
+      <p:transition xmlns:p14="http://schemas.microsoft.com/office/powerpoint/2010/main" spd="slow" advClick="0">
+        <p:fade thruBlk="1"/>
+      </p:transition>
+    </mc:Fallback>
+  </mc:AlternateContent>
   <p:timing>
     <p:tnLst>
       <p:par>
-        <p:cTn xmlns:p14="http://schemas.microsoft.com/office/powerpoint/2010/main" id="1" dur="indefinite" restart="never" nodeType="tmRoot"/>
+        <p:cTn xmlns:p14="http://schemas.microsoft.com/office/powerpoint/2010/main" id="1" dur="indefinite" restart="never" nodeType="tmRoot">
+          <p:childTnLst>
+            <p:seq concurrent="1" nextAc="seek">
+              <p:cTn id="2" dur="indefinite" nodeType="mainSeq">
+                <p:childTnLst>
+                  <p:par>
+                    <p:cTn id="3" fill="hold">
+                      <p:stCondLst>
+                        <p:cond delay="indefinite"/>
+                      </p:stCondLst>
+                      <p:childTnLst>
+                        <p:par>
+                          <p:cTn id="4" fill="hold">
+                            <p:stCondLst>
+                              <p:cond delay="0"/>
+                            </p:stCondLst>
+                            <p:childTnLst>
+                              <p:par>
+                                <p:cTn id="5" presetID="10" presetClass="entr" presetSubtype="0" fill="hold" grpId="0" nodeType="clickEffect">
+                                  <p:stCondLst>
+                                    <p:cond delay="0"/>
+                                  </p:stCondLst>
+                                  <p:childTnLst>
+                                    <p:set>
+                                      <p:cBhvr>
+                                        <p:cTn id="6" dur="1" fill="hold">
+                                          <p:stCondLst>
+                                            <p:cond delay="0"/>
+                                          </p:stCondLst>
+                                        </p:cTn>
+                                        <p:tgtEl>
+                                          <p:spTgt spid="3">
+                                            <p:txEl>
+                                              <p:pRg st="0" end="0"/>
+                                            </p:txEl>
+                                          </p:spTgt>
+                                        </p:tgtEl>
+                                        <p:attrNameLst>
+                                          <p:attrName>style.visibility</p:attrName>
+                                        </p:attrNameLst>
+                                      </p:cBhvr>
+                                      <p:to>
+                                        <p:strVal val="visible"/>
+                                      </p:to>
+                                    </p:set>
+                                    <p:animEffect transition="in" filter="fade">
+                                      <p:cBhvr>
+                                        <p:cTn id="7" dur="500"/>
+                                        <p:tgtEl>
+                                          <p:spTgt spid="3">
+                                            <p:txEl>
+                                              <p:pRg st="0" end="0"/>
+                                            </p:txEl>
+                                          </p:spTgt>
+                                        </p:tgtEl>
+                                      </p:cBhvr>
+                                    </p:animEffect>
+                                  </p:childTnLst>
+                                </p:cTn>
+                              </p:par>
+                            </p:childTnLst>
+                          </p:cTn>
+                        </p:par>
+                      </p:childTnLst>
+                    </p:cTn>
+                  </p:par>
+                  <p:par>
+                    <p:cTn id="8" fill="hold">
+                      <p:stCondLst>
+                        <p:cond delay="indefinite"/>
+                      </p:stCondLst>
+                      <p:childTnLst>
+                        <p:par>
+                          <p:cTn id="9" fill="hold">
+                            <p:stCondLst>
+                              <p:cond delay="0"/>
+                            </p:stCondLst>
+                            <p:childTnLst>
+                              <p:par>
+                                <p:cTn id="10" presetID="10" presetClass="entr" presetSubtype="0" fill="hold" grpId="0" nodeType="clickEffect">
+                                  <p:stCondLst>
+                                    <p:cond delay="0"/>
+                                  </p:stCondLst>
+                                  <p:childTnLst>
+                                    <p:set>
+                                      <p:cBhvr>
+                                        <p:cTn id="11" dur="1" fill="hold">
+                                          <p:stCondLst>
+                                            <p:cond delay="0"/>
+                                          </p:stCondLst>
+                                        </p:cTn>
+                                        <p:tgtEl>
+                                          <p:spTgt spid="3">
+                                            <p:txEl>
+                                              <p:pRg st="1" end="1"/>
+                                            </p:txEl>
+                                          </p:spTgt>
+                                        </p:tgtEl>
+                                        <p:attrNameLst>
+                                          <p:attrName>style.visibility</p:attrName>
+                                        </p:attrNameLst>
+                                      </p:cBhvr>
+                                      <p:to>
+                                        <p:strVal val="visible"/>
+                                      </p:to>
+                                    </p:set>
+                                    <p:animEffect transition="in" filter="fade">
+                                      <p:cBhvr>
+                                        <p:cTn id="12" dur="500"/>
+                                        <p:tgtEl>
+                                          <p:spTgt spid="3">
+                                            <p:txEl>
+                                              <p:pRg st="1" end="1"/>
+                                            </p:txEl>
+                                          </p:spTgt>
+                                        </p:tgtEl>
+                                      </p:cBhvr>
+                                    </p:animEffect>
+                                  </p:childTnLst>
+                                </p:cTn>
+                              </p:par>
+                            </p:childTnLst>
+                          </p:cTn>
+                        </p:par>
+                      </p:childTnLst>
+                    </p:cTn>
+                  </p:par>
+                  <p:par>
+                    <p:cTn id="13" fill="hold">
+                      <p:stCondLst>
+                        <p:cond delay="indefinite"/>
+                      </p:stCondLst>
+                      <p:childTnLst>
+                        <p:par>
+                          <p:cTn id="14" fill="hold">
+                            <p:stCondLst>
+                              <p:cond delay="0"/>
+                            </p:stCondLst>
+                            <p:childTnLst>
+                              <p:par>
+                                <p:cTn id="15" presetID="10" presetClass="entr" presetSubtype="0" fill="hold" grpId="0" nodeType="clickEffect">
+                                  <p:stCondLst>
+                                    <p:cond delay="0"/>
+                                  </p:stCondLst>
+                                  <p:childTnLst>
+                                    <p:set>
+                                      <p:cBhvr>
+                                        <p:cTn id="16" dur="1" fill="hold">
+                                          <p:stCondLst>
+                                            <p:cond delay="0"/>
+                                          </p:stCondLst>
+                                        </p:cTn>
+                                        <p:tgtEl>
+                                          <p:spTgt spid="3">
+                                            <p:txEl>
+                                              <p:pRg st="2" end="2"/>
+                                            </p:txEl>
+                                          </p:spTgt>
+                                        </p:tgtEl>
+                                        <p:attrNameLst>
+                                          <p:attrName>style.visibility</p:attrName>
+                                        </p:attrNameLst>
+                                      </p:cBhvr>
+                                      <p:to>
+                                        <p:strVal val="visible"/>
+                                      </p:to>
+                                    </p:set>
+                                    <p:animEffect transition="in" filter="fade">
+                                      <p:cBhvr>
+                                        <p:cTn id="17" dur="500"/>
+                                        <p:tgtEl>
+                                          <p:spTgt spid="3">
+                                            <p:txEl>
+                                              <p:pRg st="2" end="2"/>
+                                            </p:txEl>
+                                          </p:spTgt>
+                                        </p:tgtEl>
+                                      </p:cBhvr>
+                                    </p:animEffect>
+                                  </p:childTnLst>
+                                </p:cTn>
+                              </p:par>
+                            </p:childTnLst>
+                          </p:cTn>
+                        </p:par>
+                      </p:childTnLst>
+                    </p:cTn>
+                  </p:par>
+                  <p:par>
+                    <p:cTn id="18" fill="hold">
+                      <p:stCondLst>
+                        <p:cond delay="indefinite"/>
+                      </p:stCondLst>
+                      <p:childTnLst>
+                        <p:par>
+                          <p:cTn id="19" fill="hold">
+                            <p:stCondLst>
+                              <p:cond delay="0"/>
+                            </p:stCondLst>
+                            <p:childTnLst>
+                              <p:par>
+                                <p:cTn id="20" presetID="22" presetClass="entr" presetSubtype="8" fill="hold" nodeType="clickEffect">
+                                  <p:stCondLst>
+                                    <p:cond delay="0"/>
+                                  </p:stCondLst>
+                                  <p:childTnLst>
+                                    <p:set>
+                                      <p:cBhvr>
+                                        <p:cTn id="21" dur="1" fill="hold">
+                                          <p:stCondLst>
+                                            <p:cond delay="0"/>
+                                          </p:stCondLst>
+                                        </p:cTn>
+                                        <p:tgtEl>
+                                          <p:spTgt spid="6"/>
+                                        </p:tgtEl>
+                                        <p:attrNameLst>
+                                          <p:attrName>style.visibility</p:attrName>
+                                        </p:attrNameLst>
+                                      </p:cBhvr>
+                                      <p:to>
+                                        <p:strVal val="visible"/>
+                                      </p:to>
+                                    </p:set>
+                                    <p:animEffect transition="in" filter="wipe(left)">
+                                      <p:cBhvr>
+                                        <p:cTn id="22" dur="1000"/>
+                                        <p:tgtEl>
+                                          <p:spTgt spid="6"/>
+                                        </p:tgtEl>
+                                      </p:cBhvr>
+                                    </p:animEffect>
+                                  </p:childTnLst>
+                                </p:cTn>
+                              </p:par>
+                            </p:childTnLst>
+                          </p:cTn>
+                        </p:par>
+                      </p:childTnLst>
+                    </p:cTn>
+                  </p:par>
+                </p:childTnLst>
+              </p:cTn>
+              <p:prevCondLst>
+                <p:cond evt="onPrev" delay="0">
+                  <p:tgtEl>
+                    <p:sldTgt/>
+                  </p:tgtEl>
+                </p:cond>
+              </p:prevCondLst>
+              <p:nextCondLst>
+                <p:cond evt="onNext" delay="0">
+                  <p:tgtEl>
+                    <p:sldTgt/>
+                  </p:tgtEl>
+                </p:cond>
+              </p:nextCondLst>
+            </p:seq>
+          </p:childTnLst>
+        </p:cTn>
       </p:par>
     </p:tnLst>
+    <p:bldLst>
+      <p:bldP spid="3" grpId="0" build="p"/>
+    </p:bldLst>
   </p:timing>
 </p:sld>
 </file>

--- a/spring13/slides13/gamblers-time-to-win.pptx
+++ b/spring13/slides13/gamblers-time-to-win.pptx
@@ -5,26 +5,24 @@
     <p:sldMasterId id="2147483648" r:id="rId1"/>
   </p:sldMasterIdLst>
   <p:notesMasterIdLst>
-    <p:notesMasterId r:id="rId16"/>
+    <p:notesMasterId r:id="rId14"/>
   </p:notesMasterIdLst>
   <p:handoutMasterIdLst>
-    <p:handoutMasterId r:id="rId17"/>
+    <p:handoutMasterId r:id="rId15"/>
   </p:handoutMasterIdLst>
   <p:sldIdLst>
     <p:sldId id="350" r:id="rId2"/>
     <p:sldId id="341" r:id="rId3"/>
     <p:sldId id="334" r:id="rId4"/>
     <p:sldId id="335" r:id="rId5"/>
-    <p:sldId id="342" r:id="rId6"/>
-    <p:sldId id="337" r:id="rId7"/>
-    <p:sldId id="338" r:id="rId8"/>
-    <p:sldId id="340" r:id="rId9"/>
-    <p:sldId id="345" r:id="rId10"/>
-    <p:sldId id="351" r:id="rId11"/>
-    <p:sldId id="346" r:id="rId12"/>
-    <p:sldId id="349" r:id="rId13"/>
-    <p:sldId id="347" r:id="rId14"/>
-    <p:sldId id="348" r:id="rId15"/>
+    <p:sldId id="337" r:id="rId6"/>
+    <p:sldId id="338" r:id="rId7"/>
+    <p:sldId id="340" r:id="rId8"/>
+    <p:sldId id="345" r:id="rId9"/>
+    <p:sldId id="351" r:id="rId10"/>
+    <p:sldId id="346" r:id="rId11"/>
+    <p:sldId id="349" r:id="rId12"/>
+    <p:sldId id="347" r:id="rId13"/>
   </p:sldIdLst>
   <p:sldSz cx="9144000" cy="6858000" type="screen4x3"/>
   <p:notesSz cx="9601200" cy="7315200"/>
@@ -940,6 +938,996 @@
 </p:notes>
 </file>
 
+<file path=ppt/notesSlides/notesSlide10.xml><?xml version="1.0" encoding="utf-8"?>
+<p:notes xmlns:a="http://schemas.openxmlformats.org/drawingml/2006/main" xmlns:r="http://schemas.openxmlformats.org/officeDocument/2006/relationships" xmlns:p="http://schemas.openxmlformats.org/presentationml/2006/main">
+  <p:cSld>
+    <p:spTree>
+      <p:nvGrpSpPr>
+        <p:cNvPr id="1" name=""/>
+        <p:cNvGrpSpPr/>
+        <p:nvPr/>
+      </p:nvGrpSpPr>
+      <p:grpSpPr>
+        <a:xfrm>
+          <a:off x="0" y="0"/>
+          <a:ext cx="0" cy="0"/>
+          <a:chOff x="0" y="0"/>
+          <a:chExt cx="0" cy="0"/>
+        </a:xfrm>
+      </p:grpSpPr>
+      <p:sp>
+        <p:nvSpPr>
+          <p:cNvPr id="2" name="Slide Image Placeholder 1"/>
+          <p:cNvSpPr>
+            <a:spLocks noGrp="1" noRot="1" noChangeAspect="1"/>
+          </p:cNvSpPr>
+          <p:nvPr>
+            <p:ph type="sldImg"/>
+          </p:nvPr>
+        </p:nvSpPr>
+        <p:spPr/>
+      </p:sp>
+      <p:sp>
+        <p:nvSpPr>
+          <p:cNvPr id="3" name="Notes Placeholder 2"/>
+          <p:cNvSpPr>
+            <a:spLocks noGrp="1"/>
+          </p:cNvSpPr>
+          <p:nvPr>
+            <p:ph type="body" idx="1"/>
+          </p:nvPr>
+        </p:nvSpPr>
+        <p:spPr/>
+        <p:txBody>
+          <a:bodyPr/>
+          <a:lstStyle/>
+          <a:p>
+            <a:endParaRPr lang="en-US"/>
+          </a:p>
+        </p:txBody>
+      </p:sp>
+      <p:sp>
+        <p:nvSpPr>
+          <p:cNvPr id="4" name="Slide Number Placeholder 3"/>
+          <p:cNvSpPr>
+            <a:spLocks noGrp="1"/>
+          </p:cNvSpPr>
+          <p:nvPr>
+            <p:ph type="sldNum" sz="quarter" idx="10"/>
+          </p:nvPr>
+        </p:nvSpPr>
+        <p:spPr/>
+        <p:txBody>
+          <a:bodyPr/>
+          <a:lstStyle/>
+          <a:p>
+            <a:pPr>
+              <a:defRPr/>
+            </a:pPr>
+            <a:fld id="{DC552C11-A6B4-BC49-B9DF-E9E99EC5DABC}" type="slidenum">
+              <a:rPr lang="en-US" smtClean="0"/>
+              <a:pPr>
+                <a:defRPr/>
+              </a:pPr>
+              <a:t>10</a:t>
+            </a:fld>
+            <a:endParaRPr lang="en-US"/>
+          </a:p>
+        </p:txBody>
+      </p:sp>
+    </p:spTree>
+    <p:extLst>
+      <p:ext uri="{BB962C8B-B14F-4D97-AF65-F5344CB8AC3E}">
+        <p14:creationId xmlns:p14="http://schemas.microsoft.com/office/powerpoint/2010/main" val="3197603077"/>
+      </p:ext>
+    </p:extLst>
+  </p:cSld>
+  <p:clrMapOvr>
+    <a:masterClrMapping/>
+  </p:clrMapOvr>
+</p:notes>
+</file>
+
+<file path=ppt/notesSlides/notesSlide11.xml><?xml version="1.0" encoding="utf-8"?>
+<p:notes xmlns:a="http://schemas.openxmlformats.org/drawingml/2006/main" xmlns:r="http://schemas.openxmlformats.org/officeDocument/2006/relationships" xmlns:p="http://schemas.openxmlformats.org/presentationml/2006/main">
+  <p:cSld>
+    <p:spTree>
+      <p:nvGrpSpPr>
+        <p:cNvPr id="1" name=""/>
+        <p:cNvGrpSpPr/>
+        <p:nvPr/>
+      </p:nvGrpSpPr>
+      <p:grpSpPr>
+        <a:xfrm>
+          <a:off x="0" y="0"/>
+          <a:ext cx="0" cy="0"/>
+          <a:chOff x="0" y="0"/>
+          <a:chExt cx="0" cy="0"/>
+        </a:xfrm>
+      </p:grpSpPr>
+      <p:sp>
+        <p:nvSpPr>
+          <p:cNvPr id="2" name="Slide Image Placeholder 1"/>
+          <p:cNvSpPr>
+            <a:spLocks noGrp="1" noRot="1" noChangeAspect="1"/>
+          </p:cNvSpPr>
+          <p:nvPr>
+            <p:ph type="sldImg"/>
+          </p:nvPr>
+        </p:nvSpPr>
+        <p:spPr/>
+      </p:sp>
+      <p:sp>
+        <p:nvSpPr>
+          <p:cNvPr id="3" name="Notes Placeholder 2"/>
+          <p:cNvSpPr>
+            <a:spLocks noGrp="1"/>
+          </p:cNvSpPr>
+          <p:nvPr>
+            <p:ph type="body" idx="1"/>
+          </p:nvPr>
+        </p:nvSpPr>
+        <p:spPr/>
+        <p:txBody>
+          <a:bodyPr/>
+          <a:lstStyle/>
+          <a:p>
+            <a:endParaRPr lang="en-US"/>
+          </a:p>
+        </p:txBody>
+      </p:sp>
+      <p:sp>
+        <p:nvSpPr>
+          <p:cNvPr id="4" name="Slide Number Placeholder 3"/>
+          <p:cNvSpPr>
+            <a:spLocks noGrp="1"/>
+          </p:cNvSpPr>
+          <p:nvPr>
+            <p:ph type="sldNum" sz="quarter" idx="10"/>
+          </p:nvPr>
+        </p:nvSpPr>
+        <p:spPr/>
+        <p:txBody>
+          <a:bodyPr/>
+          <a:lstStyle/>
+          <a:p>
+            <a:pPr>
+              <a:defRPr/>
+            </a:pPr>
+            <a:fld id="{DC552C11-A6B4-BC49-B9DF-E9E99EC5DABC}" type="slidenum">
+              <a:rPr lang="en-US" smtClean="0"/>
+              <a:pPr>
+                <a:defRPr/>
+              </a:pPr>
+              <a:t>11</a:t>
+            </a:fld>
+            <a:endParaRPr lang="en-US"/>
+          </a:p>
+        </p:txBody>
+      </p:sp>
+    </p:spTree>
+    <p:extLst>
+      <p:ext uri="{BB962C8B-B14F-4D97-AF65-F5344CB8AC3E}">
+        <p14:creationId xmlns:p14="http://schemas.microsoft.com/office/powerpoint/2010/main" val="1554794897"/>
+      </p:ext>
+    </p:extLst>
+  </p:cSld>
+  <p:clrMapOvr>
+    <a:masterClrMapping/>
+  </p:clrMapOvr>
+</p:notes>
+</file>
+
+<file path=ppt/notesSlides/notesSlide12.xml><?xml version="1.0" encoding="utf-8"?>
+<p:notes xmlns:a="http://schemas.openxmlformats.org/drawingml/2006/main" xmlns:r="http://schemas.openxmlformats.org/officeDocument/2006/relationships" xmlns:p="http://schemas.openxmlformats.org/presentationml/2006/main">
+  <p:cSld>
+    <p:spTree>
+      <p:nvGrpSpPr>
+        <p:cNvPr id="1" name=""/>
+        <p:cNvGrpSpPr/>
+        <p:nvPr/>
+      </p:nvGrpSpPr>
+      <p:grpSpPr>
+        <a:xfrm>
+          <a:off x="0" y="0"/>
+          <a:ext cx="0" cy="0"/>
+          <a:chOff x="0" y="0"/>
+          <a:chExt cx="0" cy="0"/>
+        </a:xfrm>
+      </p:grpSpPr>
+      <p:sp>
+        <p:nvSpPr>
+          <p:cNvPr id="2" name="Slide Image Placeholder 1"/>
+          <p:cNvSpPr>
+            <a:spLocks noGrp="1" noRot="1" noChangeAspect="1"/>
+          </p:cNvSpPr>
+          <p:nvPr>
+            <p:ph type="sldImg"/>
+          </p:nvPr>
+        </p:nvSpPr>
+        <p:spPr/>
+      </p:sp>
+      <p:sp>
+        <p:nvSpPr>
+          <p:cNvPr id="3" name="Notes Placeholder 2"/>
+          <p:cNvSpPr>
+            <a:spLocks noGrp="1"/>
+          </p:cNvSpPr>
+          <p:nvPr>
+            <p:ph type="body" idx="1"/>
+          </p:nvPr>
+        </p:nvSpPr>
+        <p:spPr/>
+        <p:txBody>
+          <a:bodyPr/>
+          <a:lstStyle/>
+          <a:p>
+            <a:endParaRPr lang="en-US"/>
+          </a:p>
+        </p:txBody>
+      </p:sp>
+      <p:sp>
+        <p:nvSpPr>
+          <p:cNvPr id="4" name="Slide Number Placeholder 3"/>
+          <p:cNvSpPr>
+            <a:spLocks noGrp="1"/>
+          </p:cNvSpPr>
+          <p:nvPr>
+            <p:ph type="sldNum" sz="quarter" idx="10"/>
+          </p:nvPr>
+        </p:nvSpPr>
+        <p:spPr/>
+        <p:txBody>
+          <a:bodyPr/>
+          <a:lstStyle/>
+          <a:p>
+            <a:pPr>
+              <a:defRPr/>
+            </a:pPr>
+            <a:fld id="{DC552C11-A6B4-BC49-B9DF-E9E99EC5DABC}" type="slidenum">
+              <a:rPr lang="en-US" smtClean="0"/>
+              <a:pPr>
+                <a:defRPr/>
+              </a:pPr>
+              <a:t>12</a:t>
+            </a:fld>
+            <a:endParaRPr lang="en-US"/>
+          </a:p>
+        </p:txBody>
+      </p:sp>
+    </p:spTree>
+    <p:extLst>
+      <p:ext uri="{BB962C8B-B14F-4D97-AF65-F5344CB8AC3E}">
+        <p14:creationId xmlns:p14="http://schemas.microsoft.com/office/powerpoint/2010/main" val="832679881"/>
+      </p:ext>
+    </p:extLst>
+  </p:cSld>
+  <p:clrMapOvr>
+    <a:masterClrMapping/>
+  </p:clrMapOvr>
+</p:notes>
+</file>
+
+<file path=ppt/notesSlides/notesSlide2.xml><?xml version="1.0" encoding="utf-8"?>
+<p:notes xmlns:a="http://schemas.openxmlformats.org/drawingml/2006/main" xmlns:r="http://schemas.openxmlformats.org/officeDocument/2006/relationships" xmlns:p="http://schemas.openxmlformats.org/presentationml/2006/main">
+  <p:cSld>
+    <p:spTree>
+      <p:nvGrpSpPr>
+        <p:cNvPr id="1" name=""/>
+        <p:cNvGrpSpPr/>
+        <p:nvPr/>
+      </p:nvGrpSpPr>
+      <p:grpSpPr>
+        <a:xfrm>
+          <a:off x="0" y="0"/>
+          <a:ext cx="0" cy="0"/>
+          <a:chOff x="0" y="0"/>
+          <a:chExt cx="0" cy="0"/>
+        </a:xfrm>
+      </p:grpSpPr>
+      <p:sp>
+        <p:nvSpPr>
+          <p:cNvPr id="2" name="Slide Image Placeholder 1"/>
+          <p:cNvSpPr>
+            <a:spLocks noGrp="1" noRot="1" noChangeAspect="1"/>
+          </p:cNvSpPr>
+          <p:nvPr>
+            <p:ph type="sldImg"/>
+          </p:nvPr>
+        </p:nvSpPr>
+        <p:spPr/>
+      </p:sp>
+      <p:sp>
+        <p:nvSpPr>
+          <p:cNvPr id="3" name="Notes Placeholder 2"/>
+          <p:cNvSpPr>
+            <a:spLocks noGrp="1"/>
+          </p:cNvSpPr>
+          <p:nvPr>
+            <p:ph type="body" idx="1"/>
+          </p:nvPr>
+        </p:nvSpPr>
+        <p:spPr/>
+        <p:txBody>
+          <a:bodyPr/>
+          <a:lstStyle/>
+          <a:p>
+            <a:endParaRPr lang="en-US"/>
+          </a:p>
+        </p:txBody>
+      </p:sp>
+      <p:sp>
+        <p:nvSpPr>
+          <p:cNvPr id="4" name="Slide Number Placeholder 3"/>
+          <p:cNvSpPr>
+            <a:spLocks noGrp="1"/>
+          </p:cNvSpPr>
+          <p:nvPr>
+            <p:ph type="sldNum" sz="quarter" idx="10"/>
+          </p:nvPr>
+        </p:nvSpPr>
+        <p:spPr/>
+        <p:txBody>
+          <a:bodyPr/>
+          <a:lstStyle/>
+          <a:p>
+            <a:pPr>
+              <a:defRPr/>
+            </a:pPr>
+            <a:fld id="{DC552C11-A6B4-BC49-B9DF-E9E99EC5DABC}" type="slidenum">
+              <a:rPr lang="en-US" smtClean="0"/>
+              <a:pPr>
+                <a:defRPr/>
+              </a:pPr>
+              <a:t>2</a:t>
+            </a:fld>
+            <a:endParaRPr lang="en-US"/>
+          </a:p>
+        </p:txBody>
+      </p:sp>
+    </p:spTree>
+    <p:extLst>
+      <p:ext uri="{BB962C8B-B14F-4D97-AF65-F5344CB8AC3E}">
+        <p14:creationId xmlns:p14="http://schemas.microsoft.com/office/powerpoint/2010/main" val="2860342121"/>
+      </p:ext>
+    </p:extLst>
+  </p:cSld>
+  <p:clrMapOvr>
+    <a:masterClrMapping/>
+  </p:clrMapOvr>
+</p:notes>
+</file>
+
+<file path=ppt/notesSlides/notesSlide3.xml><?xml version="1.0" encoding="utf-8"?>
+<p:notes xmlns:a="http://schemas.openxmlformats.org/drawingml/2006/main" xmlns:r="http://schemas.openxmlformats.org/officeDocument/2006/relationships" xmlns:p="http://schemas.openxmlformats.org/presentationml/2006/main">
+  <p:cSld>
+    <p:spTree>
+      <p:nvGrpSpPr>
+        <p:cNvPr id="1" name=""/>
+        <p:cNvGrpSpPr/>
+        <p:nvPr/>
+      </p:nvGrpSpPr>
+      <p:grpSpPr>
+        <a:xfrm>
+          <a:off x="0" y="0"/>
+          <a:ext cx="0" cy="0"/>
+          <a:chOff x="0" y="0"/>
+          <a:chExt cx="0" cy="0"/>
+        </a:xfrm>
+      </p:grpSpPr>
+      <p:sp>
+        <p:nvSpPr>
+          <p:cNvPr id="2" name="Slide Image Placeholder 1"/>
+          <p:cNvSpPr>
+            <a:spLocks noGrp="1" noRot="1" noChangeAspect="1"/>
+          </p:cNvSpPr>
+          <p:nvPr>
+            <p:ph type="sldImg"/>
+          </p:nvPr>
+        </p:nvSpPr>
+        <p:spPr/>
+      </p:sp>
+      <p:sp>
+        <p:nvSpPr>
+          <p:cNvPr id="3" name="Notes Placeholder 2"/>
+          <p:cNvSpPr>
+            <a:spLocks noGrp="1"/>
+          </p:cNvSpPr>
+          <p:nvPr>
+            <p:ph type="body" idx="1"/>
+          </p:nvPr>
+        </p:nvSpPr>
+        <p:spPr/>
+        <p:txBody>
+          <a:bodyPr/>
+          <a:lstStyle/>
+          <a:p>
+            <a:endParaRPr lang="en-US"/>
+          </a:p>
+        </p:txBody>
+      </p:sp>
+      <p:sp>
+        <p:nvSpPr>
+          <p:cNvPr id="4" name="Slide Number Placeholder 3"/>
+          <p:cNvSpPr>
+            <a:spLocks noGrp="1"/>
+          </p:cNvSpPr>
+          <p:nvPr>
+            <p:ph type="sldNum" sz="quarter" idx="10"/>
+          </p:nvPr>
+        </p:nvSpPr>
+        <p:spPr/>
+        <p:txBody>
+          <a:bodyPr/>
+          <a:lstStyle/>
+          <a:p>
+            <a:pPr>
+              <a:defRPr/>
+            </a:pPr>
+            <a:fld id="{DC552C11-A6B4-BC49-B9DF-E9E99EC5DABC}" type="slidenum">
+              <a:rPr lang="en-US" smtClean="0"/>
+              <a:pPr>
+                <a:defRPr/>
+              </a:pPr>
+              <a:t>3</a:t>
+            </a:fld>
+            <a:endParaRPr lang="en-US"/>
+          </a:p>
+        </p:txBody>
+      </p:sp>
+    </p:spTree>
+    <p:extLst>
+      <p:ext uri="{BB962C8B-B14F-4D97-AF65-F5344CB8AC3E}">
+        <p14:creationId xmlns:p14="http://schemas.microsoft.com/office/powerpoint/2010/main" val="2276233491"/>
+      </p:ext>
+    </p:extLst>
+  </p:cSld>
+  <p:clrMapOvr>
+    <a:masterClrMapping/>
+  </p:clrMapOvr>
+</p:notes>
+</file>
+
+<file path=ppt/notesSlides/notesSlide4.xml><?xml version="1.0" encoding="utf-8"?>
+<p:notes xmlns:a="http://schemas.openxmlformats.org/drawingml/2006/main" xmlns:r="http://schemas.openxmlformats.org/officeDocument/2006/relationships" xmlns:p="http://schemas.openxmlformats.org/presentationml/2006/main">
+  <p:cSld>
+    <p:spTree>
+      <p:nvGrpSpPr>
+        <p:cNvPr id="1" name=""/>
+        <p:cNvGrpSpPr/>
+        <p:nvPr/>
+      </p:nvGrpSpPr>
+      <p:grpSpPr>
+        <a:xfrm>
+          <a:off x="0" y="0"/>
+          <a:ext cx="0" cy="0"/>
+          <a:chOff x="0" y="0"/>
+          <a:chExt cx="0" cy="0"/>
+        </a:xfrm>
+      </p:grpSpPr>
+      <p:sp>
+        <p:nvSpPr>
+          <p:cNvPr id="2" name="Slide Image Placeholder 1"/>
+          <p:cNvSpPr>
+            <a:spLocks noGrp="1" noRot="1" noChangeAspect="1"/>
+          </p:cNvSpPr>
+          <p:nvPr>
+            <p:ph type="sldImg"/>
+          </p:nvPr>
+        </p:nvSpPr>
+        <p:spPr/>
+      </p:sp>
+      <p:sp>
+        <p:nvSpPr>
+          <p:cNvPr id="3" name="Notes Placeholder 2"/>
+          <p:cNvSpPr>
+            <a:spLocks noGrp="1"/>
+          </p:cNvSpPr>
+          <p:nvPr>
+            <p:ph type="body" idx="1"/>
+          </p:nvPr>
+        </p:nvSpPr>
+        <p:spPr/>
+        <p:txBody>
+          <a:bodyPr/>
+          <a:lstStyle/>
+          <a:p>
+            <a:endParaRPr lang="en-US"/>
+          </a:p>
+        </p:txBody>
+      </p:sp>
+      <p:sp>
+        <p:nvSpPr>
+          <p:cNvPr id="4" name="Slide Number Placeholder 3"/>
+          <p:cNvSpPr>
+            <a:spLocks noGrp="1"/>
+          </p:cNvSpPr>
+          <p:nvPr>
+            <p:ph type="sldNum" sz="quarter" idx="10"/>
+          </p:nvPr>
+        </p:nvSpPr>
+        <p:spPr/>
+        <p:txBody>
+          <a:bodyPr/>
+          <a:lstStyle/>
+          <a:p>
+            <a:pPr>
+              <a:defRPr/>
+            </a:pPr>
+            <a:fld id="{DC552C11-A6B4-BC49-B9DF-E9E99EC5DABC}" type="slidenum">
+              <a:rPr lang="en-US" smtClean="0"/>
+              <a:pPr>
+                <a:defRPr/>
+              </a:pPr>
+              <a:t>4</a:t>
+            </a:fld>
+            <a:endParaRPr lang="en-US"/>
+          </a:p>
+        </p:txBody>
+      </p:sp>
+    </p:spTree>
+    <p:extLst>
+      <p:ext uri="{BB962C8B-B14F-4D97-AF65-F5344CB8AC3E}">
+        <p14:creationId xmlns:p14="http://schemas.microsoft.com/office/powerpoint/2010/main" val="2659675909"/>
+      </p:ext>
+    </p:extLst>
+  </p:cSld>
+  <p:clrMapOvr>
+    <a:masterClrMapping/>
+  </p:clrMapOvr>
+</p:notes>
+</file>
+
+<file path=ppt/notesSlides/notesSlide5.xml><?xml version="1.0" encoding="utf-8"?>
+<p:notes xmlns:a="http://schemas.openxmlformats.org/drawingml/2006/main" xmlns:r="http://schemas.openxmlformats.org/officeDocument/2006/relationships" xmlns:p="http://schemas.openxmlformats.org/presentationml/2006/main">
+  <p:cSld>
+    <p:spTree>
+      <p:nvGrpSpPr>
+        <p:cNvPr id="1" name=""/>
+        <p:cNvGrpSpPr/>
+        <p:nvPr/>
+      </p:nvGrpSpPr>
+      <p:grpSpPr>
+        <a:xfrm>
+          <a:off x="0" y="0"/>
+          <a:ext cx="0" cy="0"/>
+          <a:chOff x="0" y="0"/>
+          <a:chExt cx="0" cy="0"/>
+        </a:xfrm>
+      </p:grpSpPr>
+      <p:sp>
+        <p:nvSpPr>
+          <p:cNvPr id="2" name="Slide Image Placeholder 1"/>
+          <p:cNvSpPr>
+            <a:spLocks noGrp="1" noRot="1" noChangeAspect="1"/>
+          </p:cNvSpPr>
+          <p:nvPr>
+            <p:ph type="sldImg"/>
+          </p:nvPr>
+        </p:nvSpPr>
+        <p:spPr/>
+      </p:sp>
+      <p:sp>
+        <p:nvSpPr>
+          <p:cNvPr id="3" name="Notes Placeholder 2"/>
+          <p:cNvSpPr>
+            <a:spLocks noGrp="1"/>
+          </p:cNvSpPr>
+          <p:nvPr>
+            <p:ph type="body" idx="1"/>
+          </p:nvPr>
+        </p:nvSpPr>
+        <p:spPr/>
+        <p:txBody>
+          <a:bodyPr/>
+          <a:lstStyle/>
+          <a:p>
+            <a:endParaRPr lang="en-US"/>
+          </a:p>
+        </p:txBody>
+      </p:sp>
+      <p:sp>
+        <p:nvSpPr>
+          <p:cNvPr id="4" name="Slide Number Placeholder 3"/>
+          <p:cNvSpPr>
+            <a:spLocks noGrp="1"/>
+          </p:cNvSpPr>
+          <p:nvPr>
+            <p:ph type="sldNum" sz="quarter" idx="10"/>
+          </p:nvPr>
+        </p:nvSpPr>
+        <p:spPr/>
+        <p:txBody>
+          <a:bodyPr/>
+          <a:lstStyle/>
+          <a:p>
+            <a:pPr>
+              <a:defRPr/>
+            </a:pPr>
+            <a:fld id="{DC552C11-A6B4-BC49-B9DF-E9E99EC5DABC}" type="slidenum">
+              <a:rPr lang="en-US" smtClean="0"/>
+              <a:pPr>
+                <a:defRPr/>
+              </a:pPr>
+              <a:t>5</a:t>
+            </a:fld>
+            <a:endParaRPr lang="en-US"/>
+          </a:p>
+        </p:txBody>
+      </p:sp>
+    </p:spTree>
+    <p:extLst>
+      <p:ext uri="{BB962C8B-B14F-4D97-AF65-F5344CB8AC3E}">
+        <p14:creationId xmlns:p14="http://schemas.microsoft.com/office/powerpoint/2010/main" val="3961481348"/>
+      </p:ext>
+    </p:extLst>
+  </p:cSld>
+  <p:clrMapOvr>
+    <a:masterClrMapping/>
+  </p:clrMapOvr>
+</p:notes>
+</file>
+
+<file path=ppt/notesSlides/notesSlide6.xml><?xml version="1.0" encoding="utf-8"?>
+<p:notes xmlns:a="http://schemas.openxmlformats.org/drawingml/2006/main" xmlns:r="http://schemas.openxmlformats.org/officeDocument/2006/relationships" xmlns:p="http://schemas.openxmlformats.org/presentationml/2006/main">
+  <p:cSld>
+    <p:spTree>
+      <p:nvGrpSpPr>
+        <p:cNvPr id="1" name=""/>
+        <p:cNvGrpSpPr/>
+        <p:nvPr/>
+      </p:nvGrpSpPr>
+      <p:grpSpPr>
+        <a:xfrm>
+          <a:off x="0" y="0"/>
+          <a:ext cx="0" cy="0"/>
+          <a:chOff x="0" y="0"/>
+          <a:chExt cx="0" cy="0"/>
+        </a:xfrm>
+      </p:grpSpPr>
+      <p:sp>
+        <p:nvSpPr>
+          <p:cNvPr id="2" name="Slide Image Placeholder 1"/>
+          <p:cNvSpPr>
+            <a:spLocks noGrp="1" noRot="1" noChangeAspect="1"/>
+          </p:cNvSpPr>
+          <p:nvPr>
+            <p:ph type="sldImg"/>
+          </p:nvPr>
+        </p:nvSpPr>
+        <p:spPr/>
+      </p:sp>
+      <p:sp>
+        <p:nvSpPr>
+          <p:cNvPr id="3" name="Notes Placeholder 2"/>
+          <p:cNvSpPr>
+            <a:spLocks noGrp="1"/>
+          </p:cNvSpPr>
+          <p:nvPr>
+            <p:ph type="body" idx="1"/>
+          </p:nvPr>
+        </p:nvSpPr>
+        <p:spPr/>
+        <p:txBody>
+          <a:bodyPr/>
+          <a:lstStyle/>
+          <a:p>
+            <a:endParaRPr lang="en-US"/>
+          </a:p>
+        </p:txBody>
+      </p:sp>
+      <p:sp>
+        <p:nvSpPr>
+          <p:cNvPr id="4" name="Slide Number Placeholder 3"/>
+          <p:cNvSpPr>
+            <a:spLocks noGrp="1"/>
+          </p:cNvSpPr>
+          <p:nvPr>
+            <p:ph type="sldNum" sz="quarter" idx="10"/>
+          </p:nvPr>
+        </p:nvSpPr>
+        <p:spPr/>
+        <p:txBody>
+          <a:bodyPr/>
+          <a:lstStyle/>
+          <a:p>
+            <a:pPr>
+              <a:defRPr/>
+            </a:pPr>
+            <a:fld id="{DC552C11-A6B4-BC49-B9DF-E9E99EC5DABC}" type="slidenum">
+              <a:rPr lang="en-US" smtClean="0"/>
+              <a:pPr>
+                <a:defRPr/>
+              </a:pPr>
+              <a:t>6</a:t>
+            </a:fld>
+            <a:endParaRPr lang="en-US"/>
+          </a:p>
+        </p:txBody>
+      </p:sp>
+    </p:spTree>
+    <p:extLst>
+      <p:ext uri="{BB962C8B-B14F-4D97-AF65-F5344CB8AC3E}">
+        <p14:creationId xmlns:p14="http://schemas.microsoft.com/office/powerpoint/2010/main" val="2746681644"/>
+      </p:ext>
+    </p:extLst>
+  </p:cSld>
+  <p:clrMapOvr>
+    <a:masterClrMapping/>
+  </p:clrMapOvr>
+</p:notes>
+</file>
+
+<file path=ppt/notesSlides/notesSlide7.xml><?xml version="1.0" encoding="utf-8"?>
+<p:notes xmlns:a="http://schemas.openxmlformats.org/drawingml/2006/main" xmlns:r="http://schemas.openxmlformats.org/officeDocument/2006/relationships" xmlns:p="http://schemas.openxmlformats.org/presentationml/2006/main">
+  <p:cSld>
+    <p:spTree>
+      <p:nvGrpSpPr>
+        <p:cNvPr id="1" name=""/>
+        <p:cNvGrpSpPr/>
+        <p:nvPr/>
+      </p:nvGrpSpPr>
+      <p:grpSpPr>
+        <a:xfrm>
+          <a:off x="0" y="0"/>
+          <a:ext cx="0" cy="0"/>
+          <a:chOff x="0" y="0"/>
+          <a:chExt cx="0" cy="0"/>
+        </a:xfrm>
+      </p:grpSpPr>
+      <p:sp>
+        <p:nvSpPr>
+          <p:cNvPr id="2" name="Slide Image Placeholder 1"/>
+          <p:cNvSpPr>
+            <a:spLocks noGrp="1" noRot="1" noChangeAspect="1"/>
+          </p:cNvSpPr>
+          <p:nvPr>
+            <p:ph type="sldImg"/>
+          </p:nvPr>
+        </p:nvSpPr>
+        <p:spPr/>
+      </p:sp>
+      <p:sp>
+        <p:nvSpPr>
+          <p:cNvPr id="3" name="Notes Placeholder 2"/>
+          <p:cNvSpPr>
+            <a:spLocks noGrp="1"/>
+          </p:cNvSpPr>
+          <p:nvPr>
+            <p:ph type="body" idx="1"/>
+          </p:nvPr>
+        </p:nvSpPr>
+        <p:spPr/>
+        <p:txBody>
+          <a:bodyPr/>
+          <a:lstStyle/>
+          <a:p>
+            <a:endParaRPr lang="en-US"/>
+          </a:p>
+        </p:txBody>
+      </p:sp>
+      <p:sp>
+        <p:nvSpPr>
+          <p:cNvPr id="4" name="Slide Number Placeholder 3"/>
+          <p:cNvSpPr>
+            <a:spLocks noGrp="1"/>
+          </p:cNvSpPr>
+          <p:nvPr>
+            <p:ph type="sldNum" sz="quarter" idx="10"/>
+          </p:nvPr>
+        </p:nvSpPr>
+        <p:spPr/>
+        <p:txBody>
+          <a:bodyPr/>
+          <a:lstStyle/>
+          <a:p>
+            <a:pPr>
+              <a:defRPr/>
+            </a:pPr>
+            <a:fld id="{DC552C11-A6B4-BC49-B9DF-E9E99EC5DABC}" type="slidenum">
+              <a:rPr lang="en-US" smtClean="0"/>
+              <a:pPr>
+                <a:defRPr/>
+              </a:pPr>
+              <a:t>7</a:t>
+            </a:fld>
+            <a:endParaRPr lang="en-US"/>
+          </a:p>
+        </p:txBody>
+      </p:sp>
+    </p:spTree>
+    <p:extLst>
+      <p:ext uri="{BB962C8B-B14F-4D97-AF65-F5344CB8AC3E}">
+        <p14:creationId xmlns:p14="http://schemas.microsoft.com/office/powerpoint/2010/main" val="3795275182"/>
+      </p:ext>
+    </p:extLst>
+  </p:cSld>
+  <p:clrMapOvr>
+    <a:masterClrMapping/>
+  </p:clrMapOvr>
+</p:notes>
+</file>
+
+<file path=ppt/notesSlides/notesSlide8.xml><?xml version="1.0" encoding="utf-8"?>
+<p:notes xmlns:a="http://schemas.openxmlformats.org/drawingml/2006/main" xmlns:r="http://schemas.openxmlformats.org/officeDocument/2006/relationships" xmlns:p="http://schemas.openxmlformats.org/presentationml/2006/main">
+  <p:cSld>
+    <p:spTree>
+      <p:nvGrpSpPr>
+        <p:cNvPr id="1" name=""/>
+        <p:cNvGrpSpPr/>
+        <p:nvPr/>
+      </p:nvGrpSpPr>
+      <p:grpSpPr>
+        <a:xfrm>
+          <a:off x="0" y="0"/>
+          <a:ext cx="0" cy="0"/>
+          <a:chOff x="0" y="0"/>
+          <a:chExt cx="0" cy="0"/>
+        </a:xfrm>
+      </p:grpSpPr>
+      <p:sp>
+        <p:nvSpPr>
+          <p:cNvPr id="2" name="Slide Image Placeholder 1"/>
+          <p:cNvSpPr>
+            <a:spLocks noGrp="1" noRot="1" noChangeAspect="1"/>
+          </p:cNvSpPr>
+          <p:nvPr>
+            <p:ph type="sldImg"/>
+          </p:nvPr>
+        </p:nvSpPr>
+        <p:spPr/>
+      </p:sp>
+      <p:sp>
+        <p:nvSpPr>
+          <p:cNvPr id="3" name="Notes Placeholder 2"/>
+          <p:cNvSpPr>
+            <a:spLocks noGrp="1"/>
+          </p:cNvSpPr>
+          <p:nvPr>
+            <p:ph type="body" idx="1"/>
+          </p:nvPr>
+        </p:nvSpPr>
+        <p:spPr/>
+        <p:txBody>
+          <a:bodyPr/>
+          <a:lstStyle/>
+          <a:p>
+            <a:endParaRPr lang="en-US"/>
+          </a:p>
+        </p:txBody>
+      </p:sp>
+      <p:sp>
+        <p:nvSpPr>
+          <p:cNvPr id="4" name="Slide Number Placeholder 3"/>
+          <p:cNvSpPr>
+            <a:spLocks noGrp="1"/>
+          </p:cNvSpPr>
+          <p:nvPr>
+            <p:ph type="sldNum" sz="quarter" idx="10"/>
+          </p:nvPr>
+        </p:nvSpPr>
+        <p:spPr/>
+        <p:txBody>
+          <a:bodyPr/>
+          <a:lstStyle/>
+          <a:p>
+            <a:pPr>
+              <a:defRPr/>
+            </a:pPr>
+            <a:fld id="{DC552C11-A6B4-BC49-B9DF-E9E99EC5DABC}" type="slidenum">
+              <a:rPr lang="en-US" smtClean="0"/>
+              <a:pPr>
+                <a:defRPr/>
+              </a:pPr>
+              <a:t>8</a:t>
+            </a:fld>
+            <a:endParaRPr lang="en-US"/>
+          </a:p>
+        </p:txBody>
+      </p:sp>
+    </p:spTree>
+    <p:extLst>
+      <p:ext uri="{BB962C8B-B14F-4D97-AF65-F5344CB8AC3E}">
+        <p14:creationId xmlns:p14="http://schemas.microsoft.com/office/powerpoint/2010/main" val="1832952602"/>
+      </p:ext>
+    </p:extLst>
+  </p:cSld>
+  <p:clrMapOvr>
+    <a:masterClrMapping/>
+  </p:clrMapOvr>
+</p:notes>
+</file>
+
+<file path=ppt/notesSlides/notesSlide9.xml><?xml version="1.0" encoding="utf-8"?>
+<p:notes xmlns:a="http://schemas.openxmlformats.org/drawingml/2006/main" xmlns:r="http://schemas.openxmlformats.org/officeDocument/2006/relationships" xmlns:p="http://schemas.openxmlformats.org/presentationml/2006/main">
+  <p:cSld>
+    <p:spTree>
+      <p:nvGrpSpPr>
+        <p:cNvPr id="1" name=""/>
+        <p:cNvGrpSpPr/>
+        <p:nvPr/>
+      </p:nvGrpSpPr>
+      <p:grpSpPr>
+        <a:xfrm>
+          <a:off x="0" y="0"/>
+          <a:ext cx="0" cy="0"/>
+          <a:chOff x="0" y="0"/>
+          <a:chExt cx="0" cy="0"/>
+        </a:xfrm>
+      </p:grpSpPr>
+      <p:sp>
+        <p:nvSpPr>
+          <p:cNvPr id="2" name="Slide Image Placeholder 1"/>
+          <p:cNvSpPr>
+            <a:spLocks noGrp="1" noRot="1" noChangeAspect="1"/>
+          </p:cNvSpPr>
+          <p:nvPr>
+            <p:ph type="sldImg"/>
+          </p:nvPr>
+        </p:nvSpPr>
+        <p:spPr/>
+      </p:sp>
+      <p:sp>
+        <p:nvSpPr>
+          <p:cNvPr id="3" name="Notes Placeholder 2"/>
+          <p:cNvSpPr>
+            <a:spLocks noGrp="1"/>
+          </p:cNvSpPr>
+          <p:nvPr>
+            <p:ph type="body" idx="1"/>
+          </p:nvPr>
+        </p:nvSpPr>
+        <p:spPr/>
+        <p:txBody>
+          <a:bodyPr/>
+          <a:lstStyle/>
+          <a:p>
+            <a:endParaRPr lang="en-US"/>
+          </a:p>
+        </p:txBody>
+      </p:sp>
+      <p:sp>
+        <p:nvSpPr>
+          <p:cNvPr id="4" name="Slide Number Placeholder 3"/>
+          <p:cNvSpPr>
+            <a:spLocks noGrp="1"/>
+          </p:cNvSpPr>
+          <p:nvPr>
+            <p:ph type="sldNum" sz="quarter" idx="10"/>
+          </p:nvPr>
+        </p:nvSpPr>
+        <p:spPr/>
+        <p:txBody>
+          <a:bodyPr/>
+          <a:lstStyle/>
+          <a:p>
+            <a:pPr>
+              <a:defRPr/>
+            </a:pPr>
+            <a:fld id="{DC552C11-A6B4-BC49-B9DF-E9E99EC5DABC}" type="slidenum">
+              <a:rPr lang="en-US" smtClean="0"/>
+              <a:pPr>
+                <a:defRPr/>
+              </a:pPr>
+              <a:t>9</a:t>
+            </a:fld>
+            <a:endParaRPr lang="en-US"/>
+          </a:p>
+        </p:txBody>
+      </p:sp>
+    </p:spTree>
+    <p:extLst>
+      <p:ext uri="{BB962C8B-B14F-4D97-AF65-F5344CB8AC3E}">
+        <p14:creationId xmlns:p14="http://schemas.microsoft.com/office/powerpoint/2010/main" val="656766405"/>
+      </p:ext>
+    </p:extLst>
+  </p:cSld>
+  <p:clrMapOvr>
+    <a:masterClrMapping/>
+  </p:clrMapOvr>
+</p:notes>
+</file>
+
 <file path=ppt/slideLayouts/slideLayout1.xml><?xml version="1.0" encoding="utf-8"?>
 <p:sldLayout xmlns:a="http://schemas.openxmlformats.org/drawingml/2006/main" xmlns:r="http://schemas.openxmlformats.org/officeDocument/2006/relationships" xmlns:p="http://schemas.openxmlformats.org/presentationml/2006/main" type="title" preserve="1">
   <p:cSld name="Title Slide">
@@ -2102,11 +3090,7 @@
             </a:pPr>
             <a:r>
               <a:rPr lang="en-US" dirty="0" smtClean="0"/>
-              <a:t>Albert R Meyer,                        May </a:t>
-            </a:r>
-            <a:r>
-              <a:rPr lang="en-US" dirty="0" smtClean="0"/>
-              <a:t>15, 2013</a:t>
+              <a:t>Albert R Meyer,                        May 15, 2013</a:t>
             </a:r>
             <a:endParaRPr lang="en-US" dirty="0"/>
           </a:p>
@@ -2745,11 +3729,7 @@
             <a:pPr eaLnBrk="1" hangingPunct="1"/>
             <a:r>
               <a:rPr lang="en-US" sz="7200" dirty="0" smtClean="0"/>
-              <a:t>Gambler’s </a:t>
-            </a:r>
-            <a:r>
-              <a:rPr lang="en-US" sz="7200" dirty="0" smtClean="0"/>
-              <a:t>Ruin</a:t>
+              <a:t>Gambler’s Ruin</a:t>
             </a:r>
             <a:endParaRPr lang="en-US" sz="7200" dirty="0"/>
           </a:p>
@@ -3119,24 +4099,19 @@
             </a:r>
             <a:r>
               <a:rPr lang="en-US" sz="4800" dirty="0" smtClean="0"/>
-              <a:t>favorable game,</a:t>
-            </a:r>
-          </a:p>
-          <a:p>
-            <a:pPr marL="0" indent="0">
-              <a:buNone/>
-            </a:pPr>
+              <a:t>favorable</a:t>
+            </a:r>
             <a:r>
               <a:rPr lang="en-US" sz="4800" dirty="0" smtClean="0">
                 <a:solidFill>
                   <a:srgbClr val="660066"/>
                 </a:solidFill>
               </a:rPr>
-              <a:t>ruin is certain</a:t>
+              <a:t> game</a:t>
             </a:r>
             <a:r>
               <a:rPr lang="en-US" sz="4800" dirty="0" smtClean="0"/>
-              <a:t>:</a:t>
+              <a:t>, and</a:t>
             </a:r>
           </a:p>
         </p:txBody>
@@ -3212,32 +4187,32 @@
       </p:sp>
       <p:graphicFrame>
         <p:nvGraphicFramePr>
-          <p:cNvPr id="6" name="Object 5"/>
+          <p:cNvPr id="7" name="Object 6"/>
           <p:cNvGraphicFramePr>
             <a:graphicFrameLocks noChangeAspect="1"/>
           </p:cNvGraphicFramePr>
           <p:nvPr>
             <p:extLst>
               <p:ext uri="{D42A27DB-BD31-4B8C-83A1-F6EECF244321}">
-                <p14:modId xmlns:p14="http://schemas.microsoft.com/office/powerpoint/2010/main" val="42940372"/>
+                <p14:modId xmlns:p14="http://schemas.microsoft.com/office/powerpoint/2010/main" val="3047543126"/>
               </p:ext>
             </p:extLst>
           </p:nvPr>
         </p:nvGraphicFramePr>
         <p:xfrm>
-          <a:off x="1057275" y="3886200"/>
-          <a:ext cx="6181725" cy="2362200"/>
+          <a:off x="841375" y="4021138"/>
+          <a:ext cx="7491413" cy="949325"/>
         </p:xfrm>
         <a:graphic>
           <a:graphicData uri="http://schemas.openxmlformats.org/presentationml/2006/ole">
             <mc:AlternateContent xmlns:mc="http://schemas.openxmlformats.org/markup-compatibility/2006">
               <mc:Choice xmlns:v="urn:schemas-microsoft-com:vml" Requires="v">
-                <p:oleObj spid="_x0000_s247814" name="Equation" r:id="rId3" imgW="1562100" imgH="596900" progId="Equation.DSMT4">
+                <p:oleObj spid="_x0000_s242711" name="Equation" r:id="rId4" imgW="1803400" imgH="228600" progId="Equation.DSMT4">
                   <p:embed/>
                 </p:oleObj>
               </mc:Choice>
               <mc:Fallback>
-                <p:oleObj name="Equation" r:id="rId3" imgW="1562100" imgH="596900" progId="Equation.DSMT4">
+                <p:oleObj name="Equation" r:id="rId4" imgW="1803400" imgH="228600" progId="Equation.DSMT4">
                   <p:embed/>
                   <p:pic>
                     <p:nvPicPr>
@@ -3246,15 +4221,15 @@
                       <p:nvPr/>
                     </p:nvPicPr>
                     <p:blipFill>
-                      <a:blip r:embed="rId4"/>
+                      <a:blip r:embed="rId5"/>
                       <a:stretch>
                         <a:fillRect/>
                       </a:stretch>
                     </p:blipFill>
                     <p:spPr>
                       <a:xfrm>
-                        <a:off x="1057275" y="3886200"/>
-                        <a:ext cx="6181725" cy="2362200"/>
+                        <a:off x="841375" y="4021138"/>
+                        <a:ext cx="7491413" cy="949325"/>
                       </a:xfrm>
                       <a:prstGeom prst="rect">
                         <a:avLst/>
@@ -3306,21 +4281,21 @@
     </p:spTree>
     <p:extLst>
       <p:ext uri="{BB962C8B-B14F-4D97-AF65-F5344CB8AC3E}">
-        <p14:creationId xmlns:p14="http://schemas.microsoft.com/office/powerpoint/2010/main" val="3586621169"/>
+        <p14:creationId xmlns:p14="http://schemas.microsoft.com/office/powerpoint/2010/main" val="821618749"/>
       </p:ext>
     </p:extLst>
   </p:cSld>
   <p:clrMapOvr>
     <a:masterClrMapping/>
   </p:clrMapOvr>
-  <mc:AlternateContent xmlns:mc="http://schemas.openxmlformats.org/markup-compatibility/2006">
-    <mc:Choice xmlns:p14="http://schemas.microsoft.com/office/powerpoint/2010/main" Requires="p14">
-      <p:transition spd="med" p14:dur="600" advClick="0">
+  <mc:AlternateContent xmlns:mc="http://schemas.openxmlformats.org/markup-compatibility/2006" xmlns:p14="http://schemas.microsoft.com/office/powerpoint/2010/main">
+    <mc:Choice Requires="p14">
+      <p:transition spd="slow" p14:dur="900" advClick="0">
         <p:fade/>
       </p:transition>
     </mc:Choice>
-    <mc:Fallback>
-      <p:transition xmlns:p14="http://schemas.microsoft.com/office/powerpoint/2010/main" spd="med" advClick="0">
+    <mc:Fallback xmlns="">
+      <p:transition xmlns:p14="http://schemas.microsoft.com/office/powerpoint/2010/main" spd="slow" advClick="0">
         <p:fade/>
       </p:transition>
     </mc:Fallback>
@@ -3365,7 +4340,7 @@
         <p:spPr>
           <a:xfrm>
             <a:off x="228600" y="1219200"/>
-            <a:ext cx="8915400" cy="3581400"/>
+            <a:ext cx="8915400" cy="5410200"/>
           </a:xfrm>
         </p:spPr>
         <p:txBody>
@@ -3415,31 +4390,81 @@
             </a:r>
             <a:r>
               <a:rPr lang="en-US" sz="4800" dirty="0" smtClean="0"/>
-              <a:t>n </a:t>
+              <a:t>n   </a:t>
             </a:r>
             <a:r>
               <a:rPr lang="en-US" sz="4800" dirty="0" smtClean="0">
                 <a:solidFill>
-                  <a:srgbClr val="FF0000"/>
+                  <a:srgbClr val="0000FF"/>
                 </a:solidFill>
               </a:rPr>
-              <a:t>un</a:t>
+              <a:t>fair</a:t>
             </a:r>
             <a:r>
               <a:rPr lang="en-US" sz="4800" dirty="0" smtClean="0"/>
-              <a:t>favorable</a:t>
-            </a:r>
+              <a:t> game,</a:t>
+            </a:r>
+          </a:p>
+          <a:p>
+            <a:pPr marL="0" indent="0">
+              <a:buNone/>
+            </a:pPr>
             <a:r>
               <a:rPr lang="en-US" sz="4800" dirty="0" smtClean="0">
                 <a:solidFill>
-                  <a:srgbClr val="660066"/>
+                  <a:srgbClr val="E10000"/>
                 </a:solidFill>
               </a:rPr>
-              <a:t> game</a:t>
+              <a:t>ruin is also certain</a:t>
             </a:r>
             <a:r>
               <a:rPr lang="en-US" sz="4800" dirty="0" smtClean="0"/>
-              <a:t>, and</a:t>
+              <a:t>, but</a:t>
+            </a:r>
+          </a:p>
+          <a:p>
+            <a:pPr marL="0" indent="0">
+              <a:buNone/>
+            </a:pPr>
+            <a:r>
+              <a:rPr lang="en-US" sz="4800" dirty="0" smtClean="0">
+                <a:solidFill>
+                  <a:srgbClr val="008000"/>
+                </a:solidFill>
+              </a:rPr>
+              <a:t>expected time to ruin </a:t>
+            </a:r>
+            <a:r>
+              <a:rPr lang="en-US" sz="4800" b="1" dirty="0">
+                <a:solidFill>
+                  <a:srgbClr val="008000"/>
+                </a:solidFill>
+                <a:latin typeface="Euclid Symbol" charset="2"/>
+                <a:cs typeface="Euclid Symbol" charset="2"/>
+              </a:rPr>
+              <a:t>= </a:t>
+            </a:r>
+            <a:r>
+              <a:rPr lang="en-US" sz="4800" b="1" dirty="0" smtClean="0">
+                <a:solidFill>
+                  <a:srgbClr val="008000"/>
+                </a:solidFill>
+                <a:latin typeface="Euclid Symbol" charset="2"/>
+                <a:cs typeface="Euclid Symbol" charset="2"/>
+              </a:rPr>
+              <a:t>∞</a:t>
+            </a:r>
+          </a:p>
+          <a:p>
+            <a:pPr marL="0" indent="0" algn="ctr">
+              <a:buNone/>
+            </a:pPr>
+            <a:r>
+              <a:rPr lang="en-US" sz="4800" dirty="0" smtClean="0">
+                <a:latin typeface="Comic Sans MS"/>
+                <a:cs typeface="Comic Sans MS"/>
+              </a:rPr>
+              <a:t>(class problem)</a:t>
             </a:r>
           </a:p>
         </p:txBody>
@@ -3513,66 +4538,9 @@
           </a:p>
         </p:txBody>
       </p:sp>
-      <p:graphicFrame>
-        <p:nvGraphicFramePr>
-          <p:cNvPr id="7" name="Object 6"/>
-          <p:cNvGraphicFramePr>
-            <a:graphicFrameLocks noChangeAspect="1"/>
-          </p:cNvGraphicFramePr>
-          <p:nvPr>
-            <p:extLst>
-              <p:ext uri="{D42A27DB-BD31-4B8C-83A1-F6EECF244321}">
-                <p14:modId xmlns:p14="http://schemas.microsoft.com/office/powerpoint/2010/main" val="3047543126"/>
-              </p:ext>
-            </p:extLst>
-          </p:nvPr>
-        </p:nvGraphicFramePr>
-        <p:xfrm>
-          <a:off x="841375" y="4021138"/>
-          <a:ext cx="7491413" cy="949325"/>
-        </p:xfrm>
-        <a:graphic>
-          <a:graphicData uri="http://schemas.openxmlformats.org/presentationml/2006/ole">
-            <mc:AlternateContent xmlns:mc="http://schemas.openxmlformats.org/markup-compatibility/2006">
-              <mc:Choice xmlns:v="urn:schemas-microsoft-com:vml" Requires="v">
-                <p:oleObj spid="_x0000_s242705" name="Equation" r:id="rId3" imgW="1803400" imgH="228600" progId="Equation.DSMT4">
-                  <p:embed/>
-                </p:oleObj>
-              </mc:Choice>
-              <mc:Fallback>
-                <p:oleObj name="Equation" r:id="rId3" imgW="1803400" imgH="228600" progId="Equation.DSMT4">
-                  <p:embed/>
-                  <p:pic>
-                    <p:nvPicPr>
-                      <p:cNvPr id="0" name=""/>
-                      <p:cNvPicPr/>
-                      <p:nvPr/>
-                    </p:nvPicPr>
-                    <p:blipFill>
-                      <a:blip r:embed="rId4"/>
-                      <a:stretch>
-                        <a:fillRect/>
-                      </a:stretch>
-                    </p:blipFill>
-                    <p:spPr>
-                      <a:xfrm>
-                        <a:off x="841375" y="4021138"/>
-                        <a:ext cx="7491413" cy="949325"/>
-                      </a:xfrm>
-                      <a:prstGeom prst="rect">
-                        <a:avLst/>
-                      </a:prstGeom>
-                    </p:spPr>
-                  </p:pic>
-                </p:oleObj>
-              </mc:Fallback>
-            </mc:AlternateContent>
-          </a:graphicData>
-        </a:graphic>
-      </p:graphicFrame>
-      <p:sp>
-        <p:nvSpPr>
-          <p:cNvPr id="8" name="Title 1"/>
+      <p:sp>
+        <p:nvSpPr>
+          <p:cNvPr id="7" name="Title 1"/>
           <p:cNvSpPr>
             <a:spLocks noGrp="1"/>
           </p:cNvSpPr>
@@ -3609,7 +4577,7 @@
     </p:spTree>
     <p:extLst>
       <p:ext uri="{BB962C8B-B14F-4D97-AF65-F5344CB8AC3E}">
-        <p14:creationId xmlns:p14="http://schemas.microsoft.com/office/powerpoint/2010/main" val="821618749"/>
+        <p14:creationId xmlns:p14="http://schemas.microsoft.com/office/powerpoint/2010/main" val="323210529"/>
       </p:ext>
     </p:extLst>
   </p:cSld>
@@ -3618,12 +4586,12 @@
   </p:clrMapOvr>
   <mc:AlternateContent xmlns:mc="http://schemas.openxmlformats.org/markup-compatibility/2006">
     <mc:Choice xmlns:p14="http://schemas.microsoft.com/office/powerpoint/2010/main" Requires="p14">
-      <p:transition spd="slow" p14:dur="900" advClick="0">
+      <p:transition spd="med" p14:dur="700" advClick="0">
         <p:fade/>
       </p:transition>
     </mc:Choice>
     <mc:Fallback>
-      <p:transition xmlns:p14="http://schemas.microsoft.com/office/powerpoint/2010/main" spd="slow" advClick="0">
+      <p:transition xmlns:p14="http://schemas.microsoft.com/office/powerpoint/2010/main" spd="med" advClick="0">
         <p:fade/>
       </p:transition>
     </mc:Fallback>
@@ -3668,7 +4636,7 @@
         <p:spPr>
           <a:xfrm>
             <a:off x="228600" y="1219200"/>
-            <a:ext cx="8915400" cy="5410200"/>
+            <a:ext cx="8839200" cy="4572000"/>
           </a:xfrm>
         </p:spPr>
         <p:txBody>
@@ -3723,293 +4691,6 @@
             <a:r>
               <a:rPr lang="en-US" sz="4800" dirty="0" smtClean="0">
                 <a:solidFill>
-                  <a:srgbClr val="0000FF"/>
-                </a:solidFill>
-              </a:rPr>
-              <a:t>fair</a:t>
-            </a:r>
-            <a:r>
-              <a:rPr lang="en-US" sz="4800" dirty="0" smtClean="0"/>
-              <a:t> game,</a:t>
-            </a:r>
-          </a:p>
-          <a:p>
-            <a:pPr marL="0" indent="0">
-              <a:buNone/>
-            </a:pPr>
-            <a:r>
-              <a:rPr lang="en-US" sz="4800" dirty="0" smtClean="0">
-                <a:solidFill>
-                  <a:srgbClr val="E10000"/>
-                </a:solidFill>
-              </a:rPr>
-              <a:t>ruin is also certain</a:t>
-            </a:r>
-            <a:r>
-              <a:rPr lang="en-US" sz="4800" dirty="0" smtClean="0"/>
-              <a:t>, but</a:t>
-            </a:r>
-          </a:p>
-          <a:p>
-            <a:pPr marL="0" indent="0">
-              <a:buNone/>
-            </a:pPr>
-            <a:r>
-              <a:rPr lang="en-US" sz="4800" dirty="0" smtClean="0">
-                <a:solidFill>
-                  <a:srgbClr val="008000"/>
-                </a:solidFill>
-              </a:rPr>
-              <a:t>expected time to ruin </a:t>
-            </a:r>
-            <a:r>
-              <a:rPr lang="en-US" sz="4800" b="1" dirty="0">
-                <a:solidFill>
-                  <a:srgbClr val="008000"/>
-                </a:solidFill>
-                <a:latin typeface="Euclid Symbol" charset="2"/>
-                <a:cs typeface="Euclid Symbol" charset="2"/>
-              </a:rPr>
-              <a:t>= </a:t>
-            </a:r>
-            <a:r>
-              <a:rPr lang="en-US" sz="4800" b="1" dirty="0" smtClean="0">
-                <a:solidFill>
-                  <a:srgbClr val="008000"/>
-                </a:solidFill>
-                <a:latin typeface="Euclid Symbol" charset="2"/>
-                <a:cs typeface="Euclid Symbol" charset="2"/>
-              </a:rPr>
-              <a:t>∞</a:t>
-            </a:r>
-          </a:p>
-          <a:p>
-            <a:pPr marL="0" indent="0" algn="ctr">
-              <a:buNone/>
-            </a:pPr>
-            <a:r>
-              <a:rPr lang="en-US" sz="4800" dirty="0" smtClean="0">
-                <a:latin typeface="Comic Sans MS"/>
-                <a:cs typeface="Comic Sans MS"/>
-              </a:rPr>
-              <a:t>(class problem)</a:t>
-            </a:r>
-          </a:p>
-        </p:txBody>
-      </p:sp>
-      <p:sp>
-        <p:nvSpPr>
-          <p:cNvPr id="4" name="Slide Number Placeholder 3"/>
-          <p:cNvSpPr>
-            <a:spLocks noGrp="1"/>
-          </p:cNvSpPr>
-          <p:nvPr>
-            <p:ph type="sldNum" sz="quarter" idx="12"/>
-          </p:nvPr>
-        </p:nvSpPr>
-        <p:spPr/>
-        <p:txBody>
-          <a:bodyPr/>
-          <a:lstStyle/>
-          <a:p>
-            <a:pPr>
-              <a:defRPr/>
-            </a:pPr>
-            <a:r>
-              <a:rPr lang="en-US" dirty="0" err="1" smtClean="0"/>
-              <a:t>ruintime</a:t>
-            </a:r>
-            <a:r>
-              <a:rPr lang="en-US" dirty="0" smtClean="0"/>
-              <a:t>.</a:t>
-            </a:r>
-            <a:fld id="{E877D3CB-F960-BD47-98A7-06971C504846}" type="slidenum">
-              <a:rPr lang="en-US" smtClean="0"/>
-              <a:pPr>
-                <a:defRPr/>
-              </a:pPr>
-              <a:t>12</a:t>
-            </a:fld>
-            <a:endParaRPr lang="en-US" dirty="0" smtClean="0"/>
-          </a:p>
-          <a:p>
-            <a:pPr>
-              <a:defRPr/>
-            </a:pPr>
-            <a:endParaRPr lang="en-US" dirty="0"/>
-          </a:p>
-        </p:txBody>
-      </p:sp>
-      <p:sp>
-        <p:nvSpPr>
-          <p:cNvPr id="5" name="Date Placeholder 4"/>
-          <p:cNvSpPr>
-            <a:spLocks noGrp="1"/>
-          </p:cNvSpPr>
-          <p:nvPr>
-            <p:ph type="dt" sz="half" idx="2"/>
-          </p:nvPr>
-        </p:nvSpPr>
-        <p:spPr/>
-        <p:txBody>
-          <a:bodyPr/>
-          <a:lstStyle/>
-          <a:p>
-            <a:pPr>
-              <a:defRPr/>
-            </a:pPr>
-            <a:r>
-              <a:rPr lang="en-US" smtClean="0"/>
-              <a:t>Albert R Meyer,                        May 14, 2012</a:t>
-            </a:r>
-            <a:endParaRPr lang="en-US" dirty="0"/>
-          </a:p>
-        </p:txBody>
-      </p:sp>
-      <p:sp>
-        <p:nvSpPr>
-          <p:cNvPr id="7" name="Title 1"/>
-          <p:cNvSpPr>
-            <a:spLocks noGrp="1"/>
-          </p:cNvSpPr>
-          <p:nvPr>
-            <p:ph type="title"/>
-          </p:nvPr>
-        </p:nvSpPr>
-        <p:spPr>
-          <a:xfrm>
-            <a:off x="1519238" y="76200"/>
-            <a:ext cx="6100762" cy="1146176"/>
-          </a:xfrm>
-        </p:spPr>
-        <p:txBody>
-          <a:bodyPr/>
-          <a:lstStyle/>
-          <a:p>
-            <a:r>
-              <a:rPr lang="en-US" dirty="0" smtClean="0"/>
-              <a:t>Keep </a:t>
-            </a:r>
-            <a:r>
-              <a:rPr lang="en-US" dirty="0"/>
-              <a:t>P</a:t>
-            </a:r>
-            <a:r>
-              <a:rPr lang="en-US" dirty="0" smtClean="0"/>
-              <a:t>laying until Ruin</a:t>
-            </a:r>
-            <a:endParaRPr lang="en-US" dirty="0"/>
-          </a:p>
-        </p:txBody>
-      </p:sp>
-    </p:spTree>
-    <p:extLst>
-      <p:ext uri="{BB962C8B-B14F-4D97-AF65-F5344CB8AC3E}">
-        <p14:creationId xmlns:p14="http://schemas.microsoft.com/office/powerpoint/2010/main" val="323210529"/>
-      </p:ext>
-    </p:extLst>
-  </p:cSld>
-  <p:clrMapOvr>
-    <a:masterClrMapping/>
-  </p:clrMapOvr>
-  <p:transition xmlns:p14="http://schemas.microsoft.com/office/powerpoint/2010/main" spd="slow">
-    <p:fade thruBlk="1"/>
-  </p:transition>
-  <p:timing>
-    <p:tnLst>
-      <p:par>
-        <p:cTn xmlns:p14="http://schemas.microsoft.com/office/powerpoint/2010/main" id="1" dur="indefinite" restart="never" nodeType="tmRoot"/>
-      </p:par>
-    </p:tnLst>
-  </p:timing>
-</p:sld>
-</file>
-
-<file path=ppt/slides/slide13.xml><?xml version="1.0" encoding="utf-8"?>
-<p:sld xmlns:a="http://schemas.openxmlformats.org/drawingml/2006/main" xmlns:r="http://schemas.openxmlformats.org/officeDocument/2006/relationships" xmlns:p="http://schemas.openxmlformats.org/presentationml/2006/main">
-  <p:cSld>
-    <p:spTree>
-      <p:nvGrpSpPr>
-        <p:cNvPr id="1" name=""/>
-        <p:cNvGrpSpPr/>
-        <p:nvPr/>
-      </p:nvGrpSpPr>
-      <p:grpSpPr>
-        <a:xfrm>
-          <a:off x="0" y="0"/>
-          <a:ext cx="0" cy="0"/>
-          <a:chOff x="0" y="0"/>
-          <a:chExt cx="0" cy="0"/>
-        </a:xfrm>
-      </p:grpSpPr>
-      <p:sp>
-        <p:nvSpPr>
-          <p:cNvPr id="3" name="Content Placeholder 2"/>
-          <p:cNvSpPr>
-            <a:spLocks noGrp="1"/>
-          </p:cNvSpPr>
-          <p:nvPr>
-            <p:ph idx="1"/>
-          </p:nvPr>
-        </p:nvSpPr>
-        <p:spPr>
-          <a:xfrm>
-            <a:off x="228600" y="1219200"/>
-            <a:ext cx="8839200" cy="4572000"/>
-          </a:xfrm>
-        </p:spPr>
-        <p:txBody>
-          <a:bodyPr/>
-          <a:lstStyle/>
-          <a:p>
-            <a:pPr marL="0" indent="0">
-              <a:buNone/>
-            </a:pPr>
-            <a:r>
-              <a:rPr lang="en-US" sz="4800" dirty="0" smtClean="0"/>
-              <a:t>Suppose keep playing until ruined? …that is</a:t>
-            </a:r>
-            <a:r>
-              <a:rPr lang="en-US" sz="4800" dirty="0"/>
-              <a:t>, Target </a:t>
-            </a:r>
-            <a:r>
-              <a:rPr lang="en-US" sz="4800" b="1" dirty="0">
-                <a:latin typeface="Euclid Symbol" charset="2"/>
-                <a:cs typeface="Euclid Symbol" charset="2"/>
-              </a:rPr>
-              <a:t>= </a:t>
-            </a:r>
-            <a:r>
-              <a:rPr lang="en-US" sz="4800" b="1" dirty="0" smtClean="0">
-                <a:solidFill>
-                  <a:srgbClr val="0000FF"/>
-                </a:solidFill>
-                <a:latin typeface="Euclid Symbol" charset="2"/>
-                <a:cs typeface="Euclid Symbol" charset="2"/>
-              </a:rPr>
-              <a:t>∞</a:t>
-            </a:r>
-            <a:r>
-              <a:rPr lang="en-US" sz="4800" dirty="0" smtClean="0"/>
-              <a:t>.</a:t>
-            </a:r>
-          </a:p>
-          <a:p>
-            <a:pPr marL="0" indent="0">
-              <a:buNone/>
-            </a:pPr>
-            <a:r>
-              <a:rPr lang="en-US" sz="4800" dirty="0"/>
-              <a:t>I</a:t>
-            </a:r>
-            <a:r>
-              <a:rPr lang="en-US" sz="4800" dirty="0" smtClean="0"/>
-              <a:t>n   </a:t>
-            </a:r>
-            <a:r>
-              <a:rPr lang="en-US" sz="4800" dirty="0" smtClean="0">
-                <a:solidFill>
                   <a:srgbClr val="008000"/>
                 </a:solidFill>
               </a:rPr>
@@ -4125,7 +4806,7 @@
               <a:pPr>
                 <a:defRPr/>
               </a:pPr>
-              <a:t>13</a:t>
+              <a:t>12</a:t>
             </a:fld>
             <a:endParaRPr lang="en-US" dirty="0" smtClean="0"/>
           </a:p>
@@ -4210,308 +4891,8 @@
     <a:masterClrMapping/>
   </p:clrMapOvr>
   <p:transition xmlns:p14="http://schemas.microsoft.com/office/powerpoint/2010/main" spd="slow" advClick="0">
-    <p:fade thruBlk="1"/>
+    <p:fade/>
   </p:transition>
-  <p:timing>
-    <p:tnLst>
-      <p:par>
-        <p:cTn xmlns:p14="http://schemas.microsoft.com/office/powerpoint/2010/main" id="1" dur="indefinite" restart="never" nodeType="tmRoot"/>
-      </p:par>
-    </p:tnLst>
-  </p:timing>
-</p:sld>
-</file>
-
-<file path=ppt/slides/slide14.xml><?xml version="1.0" encoding="utf-8"?>
-<p:sld xmlns:a="http://schemas.openxmlformats.org/drawingml/2006/main" xmlns:r="http://schemas.openxmlformats.org/officeDocument/2006/relationships" xmlns:p="http://schemas.openxmlformats.org/presentationml/2006/main" show="0">
-  <p:cSld>
-    <p:spTree>
-      <p:nvGrpSpPr>
-        <p:cNvPr id="1" name=""/>
-        <p:cNvGrpSpPr/>
-        <p:nvPr/>
-      </p:nvGrpSpPr>
-      <p:grpSpPr>
-        <a:xfrm>
-          <a:off x="0" y="0"/>
-          <a:ext cx="0" cy="0"/>
-          <a:chOff x="0" y="0"/>
-          <a:chExt cx="0" cy="0"/>
-        </a:xfrm>
-      </p:grpSpPr>
-      <p:sp>
-        <p:nvSpPr>
-          <p:cNvPr id="3" name="Content Placeholder 2"/>
-          <p:cNvSpPr>
-            <a:spLocks noGrp="1"/>
-          </p:cNvSpPr>
-          <p:nvPr>
-            <p:ph idx="1"/>
-          </p:nvPr>
-        </p:nvSpPr>
-        <p:spPr>
-          <a:xfrm>
-            <a:off x="228600" y="1219200"/>
-            <a:ext cx="8839200" cy="4572000"/>
-          </a:xfrm>
-        </p:spPr>
-        <p:txBody>
-          <a:bodyPr/>
-          <a:lstStyle/>
-          <a:p>
-            <a:pPr marL="0" indent="0">
-              <a:buNone/>
-            </a:pPr>
-            <a:r>
-              <a:rPr lang="en-US" sz="4800" dirty="0" smtClean="0"/>
-              <a:t>Suppose keep playing until ruined? …that is</a:t>
-            </a:r>
-            <a:r>
-              <a:rPr lang="en-US" sz="4800" dirty="0"/>
-              <a:t>, Target </a:t>
-            </a:r>
-            <a:r>
-              <a:rPr lang="en-US" sz="4800" b="1" dirty="0">
-                <a:latin typeface="Euclid Symbol" charset="2"/>
-                <a:cs typeface="Euclid Symbol" charset="2"/>
-              </a:rPr>
-              <a:t>= </a:t>
-            </a:r>
-            <a:r>
-              <a:rPr lang="en-US" sz="4800" b="1" dirty="0" smtClean="0">
-                <a:solidFill>
-                  <a:srgbClr val="0000FF"/>
-                </a:solidFill>
-                <a:latin typeface="Euclid Symbol" charset="2"/>
-                <a:cs typeface="Euclid Symbol" charset="2"/>
-              </a:rPr>
-              <a:t>∞</a:t>
-            </a:r>
-            <a:r>
-              <a:rPr lang="en-US" sz="4800" dirty="0" smtClean="0"/>
-              <a:t>.</a:t>
-            </a:r>
-          </a:p>
-          <a:p>
-            <a:pPr marL="0" indent="0">
-              <a:buNone/>
-            </a:pPr>
-            <a:r>
-              <a:rPr lang="en-US" sz="4800" dirty="0"/>
-              <a:t>I</a:t>
-            </a:r>
-            <a:r>
-              <a:rPr lang="en-US" sz="4800" dirty="0" smtClean="0"/>
-              <a:t>n   </a:t>
-            </a:r>
-            <a:r>
-              <a:rPr lang="en-US" sz="4800" dirty="0" smtClean="0">
-                <a:solidFill>
-                  <a:srgbClr val="008000"/>
-                </a:solidFill>
-              </a:rPr>
-              <a:t>favorable</a:t>
-            </a:r>
-            <a:r>
-              <a:rPr lang="en-US" sz="4800" dirty="0" smtClean="0"/>
-              <a:t> game,</a:t>
-            </a:r>
-          </a:p>
-          <a:p>
-            <a:pPr marL="0" indent="0">
-              <a:buNone/>
-            </a:pPr>
-            <a:r>
-              <a:rPr lang="en-US" sz="4800" dirty="0" smtClean="0"/>
-              <a:t>ruin is not certain:</a:t>
-            </a:r>
-          </a:p>
-        </p:txBody>
-      </p:sp>
-      <p:sp>
-        <p:nvSpPr>
-          <p:cNvPr id="4" name="Slide Number Placeholder 3"/>
-          <p:cNvSpPr>
-            <a:spLocks noGrp="1"/>
-          </p:cNvSpPr>
-          <p:nvPr>
-            <p:ph type="sldNum" sz="quarter" idx="12"/>
-          </p:nvPr>
-        </p:nvSpPr>
-        <p:spPr/>
-        <p:txBody>
-          <a:bodyPr/>
-          <a:lstStyle/>
-          <a:p>
-            <a:pPr>
-              <a:defRPr/>
-            </a:pPr>
-            <a:r>
-              <a:rPr lang="en-US" dirty="0" err="1" smtClean="0"/>
-              <a:t>ruintime</a:t>
-            </a:r>
-            <a:r>
-              <a:rPr lang="en-US" dirty="0" smtClean="0"/>
-              <a:t>.</a:t>
-            </a:r>
-            <a:fld id="{E877D3CB-F960-BD47-98A7-06971C504846}" type="slidenum">
-              <a:rPr lang="en-US" smtClean="0"/>
-              <a:pPr>
-                <a:defRPr/>
-              </a:pPr>
-              <a:t>14</a:t>
-            </a:fld>
-            <a:endParaRPr lang="en-US" dirty="0" smtClean="0"/>
-          </a:p>
-          <a:p>
-            <a:pPr>
-              <a:defRPr/>
-            </a:pPr>
-            <a:endParaRPr lang="en-US" dirty="0"/>
-          </a:p>
-        </p:txBody>
-      </p:sp>
-      <p:sp>
-        <p:nvSpPr>
-          <p:cNvPr id="5" name="Date Placeholder 4"/>
-          <p:cNvSpPr>
-            <a:spLocks noGrp="1"/>
-          </p:cNvSpPr>
-          <p:nvPr>
-            <p:ph type="dt" sz="half" idx="2"/>
-          </p:nvPr>
-        </p:nvSpPr>
-        <p:spPr/>
-        <p:txBody>
-          <a:bodyPr/>
-          <a:lstStyle/>
-          <a:p>
-            <a:pPr>
-              <a:defRPr/>
-            </a:pPr>
-            <a:r>
-              <a:rPr lang="en-US" smtClean="0"/>
-              <a:t>Albert R Meyer,                        May 14, 2012</a:t>
-            </a:r>
-            <a:endParaRPr lang="en-US" dirty="0"/>
-          </a:p>
-        </p:txBody>
-      </p:sp>
-      <p:graphicFrame>
-        <p:nvGraphicFramePr>
-          <p:cNvPr id="6" name="Object 5"/>
-          <p:cNvGraphicFramePr>
-            <a:graphicFrameLocks noChangeAspect="1"/>
-          </p:cNvGraphicFramePr>
-          <p:nvPr>
-            <p:extLst>
-              <p:ext uri="{D42A27DB-BD31-4B8C-83A1-F6EECF244321}">
-                <p14:modId xmlns:p14="http://schemas.microsoft.com/office/powerpoint/2010/main" val="3625756732"/>
-              </p:ext>
-            </p:extLst>
-          </p:nvPr>
-        </p:nvGraphicFramePr>
-        <p:xfrm>
-          <a:off x="922338" y="4718050"/>
-          <a:ext cx="7183437" cy="1001713"/>
-        </p:xfrm>
-        <a:graphic>
-          <a:graphicData uri="http://schemas.openxmlformats.org/presentationml/2006/ole">
-            <mc:AlternateContent xmlns:mc="http://schemas.openxmlformats.org/markup-compatibility/2006">
-              <mc:Choice xmlns:v="urn:schemas-microsoft-com:vml" Requires="v">
-                <p:oleObj spid="_x0000_s246796" name="Equation" r:id="rId3" imgW="1638300" imgH="228600" progId="Equation.DSMT4">
-                  <p:embed/>
-                </p:oleObj>
-              </mc:Choice>
-              <mc:Fallback>
-                <p:oleObj name="Equation" r:id="rId3" imgW="1638300" imgH="228600" progId="Equation.DSMT4">
-                  <p:embed/>
-                  <p:pic>
-                    <p:nvPicPr>
-                      <p:cNvPr id="0" name=""/>
-                      <p:cNvPicPr/>
-                      <p:nvPr/>
-                    </p:nvPicPr>
-                    <p:blipFill>
-                      <a:blip r:embed="rId4"/>
-                      <a:stretch>
-                        <a:fillRect/>
-                      </a:stretch>
-                    </p:blipFill>
-                    <p:spPr>
-                      <a:xfrm>
-                        <a:off x="922338" y="4718050"/>
-                        <a:ext cx="7183437" cy="1001713"/>
-                      </a:xfrm>
-                      <a:prstGeom prst="rect">
-                        <a:avLst/>
-                      </a:prstGeom>
-                    </p:spPr>
-                  </p:pic>
-                </p:oleObj>
-              </mc:Fallback>
-            </mc:AlternateContent>
-          </a:graphicData>
-        </a:graphic>
-      </p:graphicFrame>
-      <p:sp>
-        <p:nvSpPr>
-          <p:cNvPr id="8" name="Title 1"/>
-          <p:cNvSpPr>
-            <a:spLocks noGrp="1"/>
-          </p:cNvSpPr>
-          <p:nvPr>
-            <p:ph type="title"/>
-          </p:nvPr>
-        </p:nvSpPr>
-        <p:spPr>
-          <a:xfrm>
-            <a:off x="1519238" y="76200"/>
-            <a:ext cx="6100762" cy="1146176"/>
-          </a:xfrm>
-        </p:spPr>
-        <p:txBody>
-          <a:bodyPr/>
-          <a:lstStyle/>
-          <a:p>
-            <a:r>
-              <a:rPr lang="en-US" dirty="0" smtClean="0"/>
-              <a:t>Keep </a:t>
-            </a:r>
-            <a:r>
-              <a:rPr lang="en-US" dirty="0"/>
-              <a:t>P</a:t>
-            </a:r>
-            <a:r>
-              <a:rPr lang="en-US" dirty="0" smtClean="0"/>
-              <a:t>laying until Ruin</a:t>
-            </a:r>
-            <a:endParaRPr lang="en-US" dirty="0"/>
-          </a:p>
-        </p:txBody>
-      </p:sp>
-    </p:spTree>
-    <p:extLst>
-      <p:ext uri="{BB962C8B-B14F-4D97-AF65-F5344CB8AC3E}">
-        <p14:creationId xmlns:p14="http://schemas.microsoft.com/office/powerpoint/2010/main" val="1634358029"/>
-      </p:ext>
-    </p:extLst>
-  </p:cSld>
-  <p:clrMapOvr>
-    <a:masterClrMapping/>
-  </p:clrMapOvr>
-  <mc:AlternateContent xmlns:mc="http://schemas.openxmlformats.org/markup-compatibility/2006">
-    <mc:Choice xmlns:p14="http://schemas.microsoft.com/office/powerpoint/2010/main" Requires="p14">
-      <p:transition spd="med" p14:dur="700" advClick="0">
-        <p:fade/>
-      </p:transition>
-    </mc:Choice>
-    <mc:Fallback>
-      <p:transition xmlns:p14="http://schemas.microsoft.com/office/powerpoint/2010/main" spd="med" advClick="0">
-        <p:fade/>
-      </p:transition>
-    </mc:Fallback>
-  </mc:AlternateContent>
   <p:timing>
     <p:tnLst>
       <p:par>
@@ -4785,7 +5166,7 @@
           <p:nvPr>
             <p:extLst>
               <p:ext uri="{D42A27DB-BD31-4B8C-83A1-F6EECF244321}">
-                <p14:modId xmlns:p14="http://schemas.microsoft.com/office/powerpoint/2010/main" val="1123157138"/>
+                <p14:modId xmlns:p14="http://schemas.microsoft.com/office/powerpoint/2010/main" val="1688793520"/>
               </p:ext>
             </p:extLst>
           </p:nvPr>
@@ -4798,12 +5179,12 @@
           <a:graphicData uri="http://schemas.openxmlformats.org/presentationml/2006/ole">
             <mc:AlternateContent xmlns:mc="http://schemas.openxmlformats.org/markup-compatibility/2006">
               <mc:Choice xmlns:v="urn:schemas-microsoft-com:vml" Requires="v">
-                <p:oleObj spid="_x0000_s1156" name="Equation" r:id="rId3" imgW="2057400" imgH="292100" progId="Equation.DSMT4">
+                <p:oleObj spid="_x0000_s1172" name="Equation" r:id="rId4" imgW="2057400" imgH="292100" progId="Equation.DSMT4">
                   <p:embed/>
                 </p:oleObj>
               </mc:Choice>
               <mc:Fallback>
-                <p:oleObj name="Equation" r:id="rId3" imgW="2057400" imgH="292100" progId="Equation.DSMT4">
+                <p:oleObj name="Equation" r:id="rId4" imgW="2057400" imgH="292100" progId="Equation.DSMT4">
                   <p:embed/>
                   <p:pic>
                     <p:nvPicPr>
@@ -4812,7 +5193,7 @@
                       <p:nvPr/>
                     </p:nvPicPr>
                     <p:blipFill>
-                      <a:blip r:embed="rId4">
+                      <a:blip r:embed="rId5">
                         <a:alphaModFix/>
                       </a:blip>
                       <a:stretch>
@@ -4844,7 +5225,7 @@
           <p:nvPr>
             <p:extLst>
               <p:ext uri="{D42A27DB-BD31-4B8C-83A1-F6EECF244321}">
-                <p14:modId xmlns:p14="http://schemas.microsoft.com/office/powerpoint/2010/main" val="1038563955"/>
+                <p14:modId xmlns:p14="http://schemas.microsoft.com/office/powerpoint/2010/main" val="462775024"/>
               </p:ext>
             </p:extLst>
           </p:nvPr>
@@ -4857,12 +5238,12 @@
           <a:graphicData uri="http://schemas.openxmlformats.org/presentationml/2006/ole">
             <mc:AlternateContent xmlns:mc="http://schemas.openxmlformats.org/markup-compatibility/2006">
               <mc:Choice xmlns:v="urn:schemas-microsoft-com:vml" Requires="v">
-                <p:oleObj spid="_x0000_s1157" name="Equation" r:id="rId5" imgW="2057400" imgH="292100" progId="Equation.DSMT4">
+                <p:oleObj spid="_x0000_s1173" name="Equation" r:id="rId6" imgW="2057400" imgH="292100" progId="Equation.DSMT4">
                   <p:embed/>
                 </p:oleObj>
               </mc:Choice>
               <mc:Fallback>
-                <p:oleObj name="Equation" r:id="rId5" imgW="2057400" imgH="292100" progId="Equation.DSMT4">
+                <p:oleObj name="Equation" r:id="rId6" imgW="2057400" imgH="292100" progId="Equation.DSMT4">
                   <p:embed/>
                   <p:pic>
                     <p:nvPicPr>
@@ -4871,7 +5252,7 @@
                       <p:nvPr/>
                     </p:nvPicPr>
                     <p:blipFill>
-                      <a:blip r:embed="rId6">
+                      <a:blip r:embed="rId7">
                         <a:alphaModFix/>
                       </a:blip>
                       <a:stretch>
@@ -4903,7 +5284,7 @@
           <p:nvPr>
             <p:extLst>
               <p:ext uri="{D42A27DB-BD31-4B8C-83A1-F6EECF244321}">
-                <p14:modId xmlns:p14="http://schemas.microsoft.com/office/powerpoint/2010/main" val="1109328300"/>
+                <p14:modId xmlns:p14="http://schemas.microsoft.com/office/powerpoint/2010/main" val="1288965192"/>
               </p:ext>
             </p:extLst>
           </p:nvPr>
@@ -4916,12 +5297,12 @@
           <a:graphicData uri="http://schemas.openxmlformats.org/presentationml/2006/ole">
             <mc:AlternateContent xmlns:mc="http://schemas.openxmlformats.org/markup-compatibility/2006">
               <mc:Choice xmlns:v="urn:schemas-microsoft-com:vml" Requires="v">
-                <p:oleObj spid="_x0000_s1158" name="Equation" r:id="rId7" imgW="2146300" imgH="292100" progId="Equation.DSMT4">
+                <p:oleObj spid="_x0000_s1174" name="Equation" r:id="rId8" imgW="2146300" imgH="292100" progId="Equation.DSMT4">
                   <p:embed/>
                 </p:oleObj>
               </mc:Choice>
               <mc:Fallback>
-                <p:oleObj name="Equation" r:id="rId7" imgW="2146300" imgH="292100" progId="Equation.DSMT4">
+                <p:oleObj name="Equation" r:id="rId8" imgW="2146300" imgH="292100" progId="Equation.DSMT4">
                   <p:embed/>
                   <p:pic>
                     <p:nvPicPr>
@@ -4930,7 +5311,7 @@
                       <p:nvPr/>
                     </p:nvPicPr>
                     <p:blipFill>
-                      <a:blip r:embed="rId8"/>
+                      <a:blip r:embed="rId9"/>
                       <a:stretch>
                         <a:fillRect/>
                       </a:stretch>
@@ -5191,7 +5572,7 @@
                                     </p:set>
                                     <p:animEffect transition="in" filter="wipe(left)">
                                       <p:cBhvr>
-                                        <p:cTn id="7" dur="500"/>
+                                        <p:cTn id="7" dur="1000"/>
                                         <p:tgtEl>
                                           <p:spTgt spid="17"/>
                                         </p:tgtEl>
@@ -5445,12 +5826,12 @@
           <a:graphicData uri="http://schemas.openxmlformats.org/presentationml/2006/ole">
             <mc:AlternateContent xmlns:mc="http://schemas.openxmlformats.org/markup-compatibility/2006">
               <mc:Choice xmlns:v="urn:schemas-microsoft-com:vml" Requires="v">
-                <p:oleObj spid="_x0000_s237657" name="Equation" r:id="rId3" imgW="2590800" imgH="812800" progId="Equation.DSMT4">
+                <p:oleObj spid="_x0000_s237668" name="Equation" r:id="rId4" imgW="2590800" imgH="812800" progId="Equation.DSMT4">
                   <p:embed/>
                 </p:oleObj>
               </mc:Choice>
               <mc:Fallback>
-                <p:oleObj name="Equation" r:id="rId3" imgW="2590800" imgH="812800" progId="Equation.DSMT4">
+                <p:oleObj name="Equation" r:id="rId4" imgW="2590800" imgH="812800" progId="Equation.DSMT4">
                   <p:embed/>
                   <p:pic>
                     <p:nvPicPr>
@@ -5459,7 +5840,7 @@
                       <p:nvPr/>
                     </p:nvPicPr>
                     <p:blipFill>
-                      <a:blip r:embed="rId4"/>
+                      <a:blip r:embed="rId5"/>
                       <a:stretch>
                         <a:fillRect/>
                       </a:stretch>
@@ -5502,12 +5883,12 @@
           <a:graphicData uri="http://schemas.openxmlformats.org/presentationml/2006/ole">
             <mc:AlternateContent xmlns:mc="http://schemas.openxmlformats.org/markup-compatibility/2006">
               <mc:Choice xmlns:v="urn:schemas-microsoft-com:vml" Requires="v">
-                <p:oleObj spid="_x0000_s237658" name="Equation" r:id="rId5" imgW="1803400" imgH="330200" progId="Equation.DSMT4">
+                <p:oleObj spid="_x0000_s237669" name="Equation" r:id="rId6" imgW="1803400" imgH="330200" progId="Equation.DSMT4">
                   <p:embed/>
                 </p:oleObj>
               </mc:Choice>
               <mc:Fallback>
-                <p:oleObj name="Equation" r:id="rId5" imgW="1803400" imgH="330200" progId="Equation.DSMT4">
+                <p:oleObj name="Equation" r:id="rId6" imgW="1803400" imgH="330200" progId="Equation.DSMT4">
                   <p:embed/>
                   <p:pic>
                     <p:nvPicPr>
@@ -5516,7 +5897,7 @@
                       <p:nvPr/>
                     </p:nvPicPr>
                     <p:blipFill>
-                      <a:blip r:embed="rId6"/>
+                      <a:blip r:embed="rId7"/>
                       <a:stretch>
                         <a:fillRect/>
                       </a:stretch>
@@ -5599,6 +5980,9 @@
                     <p:cTn id="3" fill="hold">
                       <p:stCondLst>
                         <p:cond delay="indefinite"/>
+                        <p:cond evt="onBegin" delay="0">
+                          <p:tn val="2"/>
+                        </p:cond>
                       </p:stCondLst>
                       <p:childTnLst>
                         <p:par>
@@ -5608,7 +5992,7 @@
                             </p:stCondLst>
                             <p:childTnLst>
                               <p:par>
-                                <p:cTn id="5" presetID="22" presetClass="entr" presetSubtype="1" fill="hold" nodeType="clickEffect">
+                                <p:cTn id="5" presetID="22" presetClass="entr" presetSubtype="1" fill="hold" nodeType="withEffect">
                                   <p:stCondLst>
                                     <p:cond delay="0"/>
                                   </p:stCondLst>
@@ -5727,342 +6111,6 @@
 </file>
 
 <file path=ppt/slides/slide5.xml><?xml version="1.0" encoding="utf-8"?>
-<p:sld xmlns:a="http://schemas.openxmlformats.org/drawingml/2006/main" xmlns:r="http://schemas.openxmlformats.org/officeDocument/2006/relationships" xmlns:p="http://schemas.openxmlformats.org/presentationml/2006/main" show="0">
-  <p:cSld>
-    <p:spTree>
-      <p:nvGrpSpPr>
-        <p:cNvPr id="1" name=""/>
-        <p:cNvGrpSpPr/>
-        <p:nvPr/>
-      </p:nvGrpSpPr>
-      <p:grpSpPr>
-        <a:xfrm>
-          <a:off x="0" y="0"/>
-          <a:ext cx="0" cy="0"/>
-          <a:chOff x="0" y="0"/>
-          <a:chExt cx="0" cy="0"/>
-        </a:xfrm>
-      </p:grpSpPr>
-      <p:sp>
-        <p:nvSpPr>
-          <p:cNvPr id="4" name="Slide Number Placeholder 3"/>
-          <p:cNvSpPr>
-            <a:spLocks noGrp="1"/>
-          </p:cNvSpPr>
-          <p:nvPr>
-            <p:ph type="sldNum" sz="quarter" idx="12"/>
-          </p:nvPr>
-        </p:nvSpPr>
-        <p:spPr/>
-        <p:txBody>
-          <a:bodyPr/>
-          <a:lstStyle/>
-          <a:p>
-            <a:pPr>
-              <a:defRPr/>
-            </a:pPr>
-            <a:r>
-              <a:rPr lang="en-US" dirty="0" err="1" smtClean="0"/>
-              <a:t>ruintime</a:t>
-            </a:r>
-            <a:r>
-              <a:rPr lang="en-US" dirty="0" smtClean="0"/>
-              <a:t>.</a:t>
-            </a:r>
-            <a:fld id="{E877D3CB-F960-BD47-98A7-06971C504846}" type="slidenum">
-              <a:rPr lang="en-US" smtClean="0"/>
-              <a:pPr>
-                <a:defRPr/>
-              </a:pPr>
-              <a:t>5</a:t>
-            </a:fld>
-            <a:endParaRPr lang="en-US" dirty="0" smtClean="0"/>
-          </a:p>
-          <a:p>
-            <a:pPr>
-              <a:defRPr/>
-            </a:pPr>
-            <a:endParaRPr lang="en-US" dirty="0"/>
-          </a:p>
-        </p:txBody>
-      </p:sp>
-      <p:sp>
-        <p:nvSpPr>
-          <p:cNvPr id="5" name="Date Placeholder 4"/>
-          <p:cNvSpPr>
-            <a:spLocks noGrp="1"/>
-          </p:cNvSpPr>
-          <p:nvPr>
-            <p:ph type="dt" sz="half" idx="2"/>
-          </p:nvPr>
-        </p:nvSpPr>
-        <p:spPr/>
-        <p:txBody>
-          <a:bodyPr/>
-          <a:lstStyle/>
-          <a:p>
-            <a:pPr>
-              <a:defRPr/>
-            </a:pPr>
-            <a:r>
-              <a:rPr lang="en-US" dirty="0" smtClean="0"/>
-              <a:t>Albert R Meyer,                       May 14, 2012</a:t>
-            </a:r>
-            <a:endParaRPr lang="en-US" dirty="0"/>
-          </a:p>
-        </p:txBody>
-      </p:sp>
-      <p:graphicFrame>
-        <p:nvGraphicFramePr>
-          <p:cNvPr id="8" name="Object 7"/>
-          <p:cNvGraphicFramePr>
-            <a:graphicFrameLocks noChangeAspect="1"/>
-          </p:cNvGraphicFramePr>
-          <p:nvPr>
-            <p:extLst>
-              <p:ext uri="{D42A27DB-BD31-4B8C-83A1-F6EECF244321}">
-                <p14:modId xmlns:p14="http://schemas.microsoft.com/office/powerpoint/2010/main" val="3248351148"/>
-              </p:ext>
-            </p:extLst>
-          </p:nvPr>
-        </p:nvGraphicFramePr>
-        <p:xfrm>
-          <a:off x="228600" y="1524000"/>
-          <a:ext cx="8694420" cy="1600200"/>
-        </p:xfrm>
-        <a:graphic>
-          <a:graphicData uri="http://schemas.openxmlformats.org/presentationml/2006/ole">
-            <mc:AlternateContent xmlns:mc="http://schemas.openxmlformats.org/markup-compatibility/2006">
-              <mc:Choice xmlns:v="urn:schemas-microsoft-com:vml" Requires="v">
-                <p:oleObj spid="_x0000_s240671" name="Equation" r:id="rId3" imgW="3035300" imgH="558800" progId="Equation.DSMT4">
-                  <p:embed/>
-                </p:oleObj>
-              </mc:Choice>
-              <mc:Fallback>
-                <p:oleObj name="Equation" r:id="rId3" imgW="3035300" imgH="558800" progId="Equation.DSMT4">
-                  <p:embed/>
-                  <p:pic>
-                    <p:nvPicPr>
-                      <p:cNvPr id="0" name=""/>
-                      <p:cNvPicPr/>
-                      <p:nvPr/>
-                    </p:nvPicPr>
-                    <p:blipFill>
-                      <a:blip r:embed="rId4"/>
-                      <a:stretch>
-                        <a:fillRect/>
-                      </a:stretch>
-                    </p:blipFill>
-                    <p:spPr>
-                      <a:xfrm>
-                        <a:off x="228600" y="1524000"/>
-                        <a:ext cx="8694420" cy="1600200"/>
-                      </a:xfrm>
-                      <a:prstGeom prst="rect">
-                        <a:avLst/>
-                      </a:prstGeom>
-                    </p:spPr>
-                  </p:pic>
-                </p:oleObj>
-              </mc:Fallback>
-            </mc:AlternateContent>
-          </a:graphicData>
-        </a:graphic>
-      </p:graphicFrame>
-      <p:graphicFrame>
-        <p:nvGraphicFramePr>
-          <p:cNvPr id="11" name="Object 10"/>
-          <p:cNvGraphicFramePr>
-            <a:graphicFrameLocks noChangeAspect="1"/>
-          </p:cNvGraphicFramePr>
-          <p:nvPr>
-            <p:extLst>
-              <p:ext uri="{D42A27DB-BD31-4B8C-83A1-F6EECF244321}">
-                <p14:modId xmlns:p14="http://schemas.microsoft.com/office/powerpoint/2010/main" val="3352047236"/>
-              </p:ext>
-            </p:extLst>
-          </p:nvPr>
-        </p:nvGraphicFramePr>
-        <p:xfrm>
-          <a:off x="781419" y="3048000"/>
-          <a:ext cx="7829181" cy="1433512"/>
-        </p:xfrm>
-        <a:graphic>
-          <a:graphicData uri="http://schemas.openxmlformats.org/presentationml/2006/ole">
-            <mc:AlternateContent xmlns:mc="http://schemas.openxmlformats.org/markup-compatibility/2006">
-              <mc:Choice xmlns:v="urn:schemas-microsoft-com:vml" Requires="v">
-                <p:oleObj spid="_x0000_s240672" name="Equation" r:id="rId5" imgW="1803400" imgH="330200" progId="Equation.DSMT4">
-                  <p:embed/>
-                </p:oleObj>
-              </mc:Choice>
-              <mc:Fallback>
-                <p:oleObj name="Equation" r:id="rId5" imgW="1803400" imgH="330200" progId="Equation.DSMT4">
-                  <p:embed/>
-                  <p:pic>
-                    <p:nvPicPr>
-                      <p:cNvPr id="0" name=""/>
-                      <p:cNvPicPr/>
-                      <p:nvPr/>
-                    </p:nvPicPr>
-                    <p:blipFill>
-                      <a:blip r:embed="rId6"/>
-                      <a:stretch>
-                        <a:fillRect/>
-                      </a:stretch>
-                    </p:blipFill>
-                    <p:spPr>
-                      <a:xfrm>
-                        <a:off x="781419" y="3048000"/>
-                        <a:ext cx="7829181" cy="1433512"/>
-                      </a:xfrm>
-                      <a:prstGeom prst="rect">
-                        <a:avLst/>
-                      </a:prstGeom>
-                    </p:spPr>
-                  </p:pic>
-                </p:oleObj>
-              </mc:Fallback>
-            </mc:AlternateContent>
-          </a:graphicData>
-        </a:graphic>
-      </p:graphicFrame>
-      <p:sp>
-        <p:nvSpPr>
-          <p:cNvPr id="9" name="Title 2"/>
-          <p:cNvSpPr>
-            <a:spLocks noGrp="1"/>
-          </p:cNvSpPr>
-          <p:nvPr>
-            <p:ph type="title"/>
-          </p:nvPr>
-        </p:nvSpPr>
-        <p:spPr>
-          <a:xfrm>
-            <a:off x="1443038" y="228600"/>
-            <a:ext cx="7472362" cy="1143000"/>
-          </a:xfrm>
-        </p:spPr>
-        <p:txBody>
-          <a:bodyPr/>
-          <a:lstStyle/>
-          <a:p>
-            <a:r>
-              <a:rPr lang="en-US" dirty="0" smtClean="0"/>
-              <a:t>Apply Total Expectation</a:t>
-            </a:r>
-            <a:endParaRPr lang="en-US" dirty="0"/>
-          </a:p>
-        </p:txBody>
-      </p:sp>
-    </p:spTree>
-    <p:extLst>
-      <p:ext uri="{BB962C8B-B14F-4D97-AF65-F5344CB8AC3E}">
-        <p14:creationId xmlns:p14="http://schemas.microsoft.com/office/powerpoint/2010/main" val="2735469279"/>
-      </p:ext>
-    </p:extLst>
-  </p:cSld>
-  <p:clrMapOvr>
-    <a:masterClrMapping/>
-  </p:clrMapOvr>
-  <mc:AlternateContent xmlns:mc="http://schemas.openxmlformats.org/markup-compatibility/2006">
-    <mc:Choice xmlns:p14="http://schemas.microsoft.com/office/powerpoint/2010/main" Requires="p14">
-      <p:transition spd="med" p14:dur="700">
-        <p:fade/>
-      </p:transition>
-    </mc:Choice>
-    <mc:Fallback>
-      <p:transition xmlns:p14="http://schemas.microsoft.com/office/powerpoint/2010/main" spd="med">
-        <p:fade/>
-      </p:transition>
-    </mc:Fallback>
-  </mc:AlternateContent>
-  <p:timing>
-    <p:tnLst>
-      <p:par>
-        <p:cTn xmlns:p14="http://schemas.microsoft.com/office/powerpoint/2010/main" id="1" dur="indefinite" restart="never" nodeType="tmRoot">
-          <p:childTnLst>
-            <p:seq concurrent="1" nextAc="seek">
-              <p:cTn id="2" dur="indefinite" nodeType="mainSeq">
-                <p:childTnLst>
-                  <p:par>
-                    <p:cTn id="3" fill="hold">
-                      <p:stCondLst>
-                        <p:cond delay="indefinite"/>
-                      </p:stCondLst>
-                      <p:childTnLst>
-                        <p:par>
-                          <p:cTn id="4" fill="hold">
-                            <p:stCondLst>
-                              <p:cond delay="0"/>
-                            </p:stCondLst>
-                            <p:childTnLst>
-                              <p:par>
-                                <p:cTn id="5" presetID="9" presetClass="entr" presetSubtype="0" fill="hold" nodeType="clickEffect">
-                                  <p:stCondLst>
-                                    <p:cond delay="0"/>
-                                  </p:stCondLst>
-                                  <p:childTnLst>
-                                    <p:set>
-                                      <p:cBhvr>
-                                        <p:cTn id="6" dur="1" fill="hold">
-                                          <p:stCondLst>
-                                            <p:cond delay="0"/>
-                                          </p:stCondLst>
-                                        </p:cTn>
-                                        <p:tgtEl>
-                                          <p:spTgt spid="11"/>
-                                        </p:tgtEl>
-                                        <p:attrNameLst>
-                                          <p:attrName>style.visibility</p:attrName>
-                                        </p:attrNameLst>
-                                      </p:cBhvr>
-                                      <p:to>
-                                        <p:strVal val="visible"/>
-                                      </p:to>
-                                    </p:set>
-                                    <p:animEffect transition="in" filter="dissolve">
-                                      <p:cBhvr>
-                                        <p:cTn id="7" dur="500"/>
-                                        <p:tgtEl>
-                                          <p:spTgt spid="11"/>
-                                        </p:tgtEl>
-                                      </p:cBhvr>
-                                    </p:animEffect>
-                                  </p:childTnLst>
-                                </p:cTn>
-                              </p:par>
-                            </p:childTnLst>
-                          </p:cTn>
-                        </p:par>
-                      </p:childTnLst>
-                    </p:cTn>
-                  </p:par>
-                </p:childTnLst>
-              </p:cTn>
-              <p:prevCondLst>
-                <p:cond evt="onPrev" delay="0">
-                  <p:tgtEl>
-                    <p:sldTgt/>
-                  </p:tgtEl>
-                </p:cond>
-              </p:prevCondLst>
-              <p:nextCondLst>
-                <p:cond evt="onNext" delay="0">
-                  <p:tgtEl>
-                    <p:sldTgt/>
-                  </p:tgtEl>
-                </p:cond>
-              </p:nextCondLst>
-            </p:seq>
-          </p:childTnLst>
-        </p:cTn>
-      </p:par>
-    </p:tnLst>
-  </p:timing>
-</p:sld>
-</file>
-
-<file path=ppt/slides/slide6.xml><?xml version="1.0" encoding="utf-8"?>
 <p:sld xmlns:a="http://schemas.openxmlformats.org/drawingml/2006/main" xmlns:r="http://schemas.openxmlformats.org/officeDocument/2006/relationships" xmlns:p="http://schemas.openxmlformats.org/presentationml/2006/main">
   <p:cSld>
     <p:spTree>
@@ -6133,7 +6181,7 @@
               <a:pPr>
                 <a:defRPr/>
               </a:pPr>
-              <a:t>6</a:t>
+              <a:t>5</a:t>
             </a:fld>
             <a:endParaRPr lang="en-US" dirty="0" smtClean="0"/>
           </a:p>
@@ -6193,12 +6241,12 @@
           <a:graphicData uri="http://schemas.openxmlformats.org/presentationml/2006/ole">
             <mc:AlternateContent xmlns:mc="http://schemas.openxmlformats.org/markup-compatibility/2006">
               <mc:Choice xmlns:v="urn:schemas-microsoft-com:vml" Requires="v">
-                <p:oleObj spid="_x0000_s239656" name="Equation" r:id="rId3" imgW="1549400" imgH="508000" progId="Equation.DSMT4">
+                <p:oleObj spid="_x0000_s239662" name="Equation" r:id="rId4" imgW="1549400" imgH="508000" progId="Equation.DSMT4">
                   <p:embed/>
                 </p:oleObj>
               </mc:Choice>
               <mc:Fallback>
-                <p:oleObj name="Equation" r:id="rId3" imgW="1549400" imgH="508000" progId="Equation.DSMT4">
+                <p:oleObj name="Equation" r:id="rId4" imgW="1549400" imgH="508000" progId="Equation.DSMT4">
                   <p:embed/>
                   <p:pic>
                     <p:nvPicPr>
@@ -6207,7 +6255,7 @@
                       <p:nvPr/>
                     </p:nvPicPr>
                     <p:blipFill>
-                      <a:blip r:embed="rId4"/>
+                      <a:blip r:embed="rId5"/>
                       <a:stretch>
                         <a:fillRect/>
                       </a:stretch>
@@ -6239,7 +6287,7 @@
     <a:masterClrMapping/>
   </p:clrMapOvr>
   <p:transition xmlns:p14="http://schemas.microsoft.com/office/powerpoint/2010/main" spd="slow" advClick="0">
-    <p:fade thruBlk="1"/>
+    <p:fade/>
   </p:transition>
   <p:timing>
     <p:tnLst>
@@ -6251,7 +6299,7 @@
 </p:sld>
 </file>
 
-<file path=ppt/slides/slide7.xml><?xml version="1.0" encoding="utf-8"?>
+<file path=ppt/slides/slide6.xml><?xml version="1.0" encoding="utf-8"?>
 <p:sld xmlns:a="http://schemas.openxmlformats.org/drawingml/2006/main" xmlns:r="http://schemas.openxmlformats.org/officeDocument/2006/relationships" xmlns:p="http://schemas.openxmlformats.org/presentationml/2006/main">
   <p:cSld>
     <p:spTree>
@@ -6322,7 +6370,7 @@
               <a:pPr>
                 <a:defRPr/>
               </a:pPr>
-              <a:t>7</a:t>
+              <a:t>6</a:t>
             </a:fld>
             <a:endParaRPr lang="en-US" dirty="0" smtClean="0"/>
           </a:p>
@@ -6575,7 +6623,7 @@
                                     </p:set>
                                     <p:animEffect transition="in" filter="wipe(left)">
                                       <p:cBhvr>
-                                        <p:cTn id="7" dur="500"/>
+                                        <p:cTn id="7" dur="2000"/>
                                         <p:tgtEl>
                                           <p:spTgt spid="3">
                                             <p:txEl>
@@ -6636,7 +6684,7 @@
                                     </p:set>
                                     <p:animEffect transition="in" filter="wipe(left)">
                                       <p:cBhvr>
-                                        <p:cTn id="12" dur="500"/>
+                                        <p:cTn id="12" dur="1000"/>
                                         <p:tgtEl>
                                           <p:spTgt spid="3">
                                             <p:txEl>
@@ -6697,7 +6745,7 @@
                                     </p:set>
                                     <p:animEffect transition="in" filter="wipe(left)">
                                       <p:cBhvr>
-                                        <p:cTn id="17" dur="500"/>
+                                        <p:cTn id="17" dur="1000"/>
                                         <p:tgtEl>
                                           <p:spTgt spid="3">
                                             <p:txEl>
@@ -6741,7 +6789,7 @@
 </p:sld>
 </file>
 
-<file path=ppt/slides/slide8.xml><?xml version="1.0" encoding="utf-8"?>
+<file path=ppt/slides/slide7.xml><?xml version="1.0" encoding="utf-8"?>
 <p:sld xmlns:a="http://schemas.openxmlformats.org/drawingml/2006/main" xmlns:r="http://schemas.openxmlformats.org/officeDocument/2006/relationships" xmlns:p="http://schemas.openxmlformats.org/presentationml/2006/main">
   <p:cSld>
     <p:spTree>
@@ -6829,7 +6877,7 @@
               <a:pPr>
                 <a:defRPr/>
               </a:pPr>
-              <a:t>8</a:t>
+              <a:t>7</a:t>
             </a:fld>
             <a:endParaRPr lang="en-US" dirty="0" smtClean="0"/>
           </a:p>
@@ -6903,11 +6951,7 @@
             </a:r>
             <a:r>
               <a:rPr lang="en-US" sz="4800" dirty="0" smtClean="0"/>
-              <a:t>starting </a:t>
-            </a:r>
-            <a:r>
-              <a:rPr lang="en-US" sz="4800" dirty="0" smtClean="0"/>
-              <a:t>with</a:t>
+              <a:t>starting with</a:t>
             </a:r>
             <a:endParaRPr lang="en-US" sz="4800" dirty="0">
               <a:solidFill>
@@ -6930,15 +6974,7 @@
                   <a:srgbClr val="000000"/>
                 </a:solidFill>
               </a:rPr>
-              <a:t>aiming </a:t>
-            </a:r>
-            <a:r>
-              <a:rPr lang="en-US" sz="4800" dirty="0" smtClean="0">
-                <a:solidFill>
-                  <a:srgbClr val="000000"/>
-                </a:solidFill>
-              </a:rPr>
-              <a:t>to reach $1000,</a:t>
+              <a:t>aiming to reach $1000,</a:t>
             </a:r>
           </a:p>
           <a:p>
@@ -6976,15 +7012,7 @@
                   <a:srgbClr val="660066"/>
                 </a:solidFill>
               </a:rPr>
-              <a:t>Problem</a:t>
-            </a:r>
-            <a:r>
-              <a:rPr lang="en-US" sz="4400" dirty="0" smtClean="0">
-                <a:solidFill>
-                  <a:srgbClr val="660066"/>
-                </a:solidFill>
-              </a:rPr>
-              <a:t>:</a:t>
+              <a:t>Problem:</a:t>
             </a:r>
             <a:r>
               <a:rPr lang="en-US" sz="4800" dirty="0" smtClean="0">
@@ -7050,13 +7078,13 @@
   <p:clrMapOvr>
     <a:masterClrMapping/>
   </p:clrMapOvr>
-  <mc:AlternateContent xmlns:mc="http://schemas.openxmlformats.org/markup-compatibility/2006">
-    <mc:Choice xmlns:p14="http://schemas.microsoft.com/office/powerpoint/2010/main" Requires="p14">
+  <mc:AlternateContent xmlns:mc="http://schemas.openxmlformats.org/markup-compatibility/2006" xmlns:p14="http://schemas.microsoft.com/office/powerpoint/2010/main">
+    <mc:Choice Requires="p14">
       <p:transition spd="med" p14:dur="700" advClick="0">
         <p:fade/>
       </p:transition>
     </mc:Choice>
-    <mc:Fallback>
+    <mc:Fallback xmlns="">
       <p:transition xmlns:p14="http://schemas.microsoft.com/office/powerpoint/2010/main" spd="med" advClick="0">
         <p:fade/>
       </p:transition>
@@ -7418,7 +7446,7 @@
 </p:sld>
 </file>
 
-<file path=ppt/slides/slide9.xml><?xml version="1.0" encoding="utf-8"?>
+<file path=ppt/slides/slide8.xml><?xml version="1.0" encoding="utf-8"?>
 <p:sld xmlns:a="http://schemas.openxmlformats.org/drawingml/2006/main" xmlns:r="http://schemas.openxmlformats.org/officeDocument/2006/relationships" xmlns:p="http://schemas.openxmlformats.org/presentationml/2006/main">
   <p:cSld>
     <p:spTree>
@@ -7599,7 +7627,7 @@
               <a:pPr>
                 <a:defRPr/>
               </a:pPr>
-              <a:t>9</a:t>
+              <a:t>8</a:t>
             </a:fld>
             <a:endParaRPr lang="en-US" dirty="0" smtClean="0"/>
           </a:p>
@@ -7664,12 +7692,12 @@
           <a:graphicData uri="http://schemas.openxmlformats.org/presentationml/2006/ole">
             <mc:AlternateContent xmlns:mc="http://schemas.openxmlformats.org/markup-compatibility/2006">
               <mc:Choice xmlns:v="urn:schemas-microsoft-com:vml" Requires="v">
-                <p:oleObj spid="_x0000_s241680" name="Equation" r:id="rId3" imgW="1841500" imgH="584200" progId="Equation.DSMT4">
+                <p:oleObj spid="_x0000_s241686" name="Equation" r:id="rId4" imgW="1841500" imgH="584200" progId="Equation.DSMT4">
                   <p:embed/>
                 </p:oleObj>
               </mc:Choice>
               <mc:Fallback>
-                <p:oleObj name="Equation" r:id="rId3" imgW="1841500" imgH="584200" progId="Equation.DSMT4">
+                <p:oleObj name="Equation" r:id="rId4" imgW="1841500" imgH="584200" progId="Equation.DSMT4">
                   <p:embed/>
                   <p:pic>
                     <p:nvPicPr>
@@ -7678,7 +7706,7 @@
                       <p:nvPr/>
                     </p:nvPicPr>
                     <p:blipFill>
-                      <a:blip r:embed="rId4"/>
+                      <a:blip r:embed="rId5"/>
                       <a:stretch>
                         <a:fillRect/>
                       </a:stretch>
@@ -7709,13 +7737,13 @@
   <p:clrMapOvr>
     <a:masterClrMapping/>
   </p:clrMapOvr>
-  <mc:AlternateContent xmlns:mc="http://schemas.openxmlformats.org/markup-compatibility/2006">
-    <mc:Choice xmlns:p14="http://schemas.microsoft.com/office/powerpoint/2010/main" Requires="p14">
+  <mc:AlternateContent xmlns:mc="http://schemas.openxmlformats.org/markup-compatibility/2006" xmlns:p14="http://schemas.microsoft.com/office/powerpoint/2010/main">
+    <mc:Choice Requires="p14">
       <p:transition spd="slow" p14:dur="1200" advClick="0">
         <p:fade thruBlk="1"/>
       </p:transition>
     </mc:Choice>
-    <mc:Fallback>
+    <mc:Fallback xmlns="">
       <p:transition xmlns:p14="http://schemas.microsoft.com/office/powerpoint/2010/main" spd="slow" advClick="0">
         <p:fade thruBlk="1"/>
       </p:transition>
@@ -7989,6 +8017,314 @@
     <p:bldLst>
       <p:bldP spid="3" grpId="0" build="p"/>
     </p:bldLst>
+  </p:timing>
+</p:sld>
+</file>
+
+<file path=ppt/slides/slide9.xml><?xml version="1.0" encoding="utf-8"?>
+<p:sld xmlns:a="http://schemas.openxmlformats.org/drawingml/2006/main" xmlns:r="http://schemas.openxmlformats.org/officeDocument/2006/relationships" xmlns:p="http://schemas.openxmlformats.org/presentationml/2006/main">
+  <p:cSld>
+    <p:spTree>
+      <p:nvGrpSpPr>
+        <p:cNvPr id="1" name=""/>
+        <p:cNvGrpSpPr/>
+        <p:nvPr/>
+      </p:nvGrpSpPr>
+      <p:grpSpPr>
+        <a:xfrm>
+          <a:off x="0" y="0"/>
+          <a:ext cx="0" cy="0"/>
+          <a:chOff x="0" y="0"/>
+          <a:chExt cx="0" cy="0"/>
+        </a:xfrm>
+      </p:grpSpPr>
+      <p:sp>
+        <p:nvSpPr>
+          <p:cNvPr id="3" name="Content Placeholder 2"/>
+          <p:cNvSpPr>
+            <a:spLocks noGrp="1"/>
+          </p:cNvSpPr>
+          <p:nvPr>
+            <p:ph idx="1"/>
+          </p:nvPr>
+        </p:nvSpPr>
+        <p:spPr>
+          <a:xfrm>
+            <a:off x="228600" y="1219200"/>
+            <a:ext cx="8915400" cy="3581400"/>
+          </a:xfrm>
+        </p:spPr>
+        <p:txBody>
+          <a:bodyPr/>
+          <a:lstStyle/>
+          <a:p>
+            <a:pPr marL="0" indent="0">
+              <a:buNone/>
+            </a:pPr>
+            <a:r>
+              <a:rPr lang="en-US" sz="4800" dirty="0" smtClean="0"/>
+              <a:t>Suppose keep playing until ruined? …that is</a:t>
+            </a:r>
+            <a:r>
+              <a:rPr lang="en-US" sz="4800" dirty="0"/>
+              <a:t>, Target </a:t>
+            </a:r>
+            <a:r>
+              <a:rPr lang="en-US" sz="4800" b="1" dirty="0">
+                <a:latin typeface="Euclid Symbol" charset="2"/>
+                <a:cs typeface="Euclid Symbol" charset="2"/>
+              </a:rPr>
+              <a:t>= </a:t>
+            </a:r>
+            <a:r>
+              <a:rPr lang="en-US" sz="4800" b="1" dirty="0" smtClean="0">
+                <a:solidFill>
+                  <a:srgbClr val="0000FF"/>
+                </a:solidFill>
+                <a:latin typeface="Euclid Symbol" charset="2"/>
+                <a:cs typeface="Euclid Symbol" charset="2"/>
+              </a:rPr>
+              <a:t>∞</a:t>
+            </a:r>
+            <a:r>
+              <a:rPr lang="en-US" sz="4800" dirty="0" smtClean="0"/>
+              <a:t>.</a:t>
+            </a:r>
+          </a:p>
+          <a:p>
+            <a:pPr marL="0" indent="0">
+              <a:buNone/>
+            </a:pPr>
+            <a:r>
+              <a:rPr lang="en-US" sz="4800" dirty="0"/>
+              <a:t>I</a:t>
+            </a:r>
+            <a:r>
+              <a:rPr lang="en-US" sz="4800" dirty="0" smtClean="0"/>
+              <a:t>n </a:t>
+            </a:r>
+            <a:r>
+              <a:rPr lang="en-US" sz="4800" dirty="0" smtClean="0">
+                <a:solidFill>
+                  <a:srgbClr val="FF0000"/>
+                </a:solidFill>
+              </a:rPr>
+              <a:t>un</a:t>
+            </a:r>
+            <a:r>
+              <a:rPr lang="en-US" sz="4800" dirty="0" smtClean="0"/>
+              <a:t>favorable game,</a:t>
+            </a:r>
+          </a:p>
+          <a:p>
+            <a:pPr marL="0" indent="0">
+              <a:buNone/>
+            </a:pPr>
+            <a:r>
+              <a:rPr lang="en-US" sz="4800" dirty="0" smtClean="0">
+                <a:solidFill>
+                  <a:srgbClr val="660066"/>
+                </a:solidFill>
+              </a:rPr>
+              <a:t>ruin is certain</a:t>
+            </a:r>
+            <a:r>
+              <a:rPr lang="en-US" sz="4800" dirty="0" smtClean="0"/>
+              <a:t>:</a:t>
+            </a:r>
+          </a:p>
+        </p:txBody>
+      </p:sp>
+      <p:sp>
+        <p:nvSpPr>
+          <p:cNvPr id="4" name="Slide Number Placeholder 3"/>
+          <p:cNvSpPr>
+            <a:spLocks noGrp="1"/>
+          </p:cNvSpPr>
+          <p:nvPr>
+            <p:ph type="sldNum" sz="quarter" idx="12"/>
+          </p:nvPr>
+        </p:nvSpPr>
+        <p:spPr/>
+        <p:txBody>
+          <a:bodyPr/>
+          <a:lstStyle/>
+          <a:p>
+            <a:pPr>
+              <a:defRPr/>
+            </a:pPr>
+            <a:r>
+              <a:rPr lang="en-US" dirty="0" err="1" smtClean="0"/>
+              <a:t>ruintime</a:t>
+            </a:r>
+            <a:r>
+              <a:rPr lang="en-US" dirty="0" smtClean="0"/>
+              <a:t>.</a:t>
+            </a:r>
+            <a:fld id="{E877D3CB-F960-BD47-98A7-06971C504846}" type="slidenum">
+              <a:rPr lang="en-US" smtClean="0"/>
+              <a:pPr>
+                <a:defRPr/>
+              </a:pPr>
+              <a:t>9</a:t>
+            </a:fld>
+            <a:endParaRPr lang="en-US" dirty="0" smtClean="0"/>
+          </a:p>
+          <a:p>
+            <a:pPr>
+              <a:defRPr/>
+            </a:pPr>
+            <a:endParaRPr lang="en-US" dirty="0"/>
+          </a:p>
+        </p:txBody>
+      </p:sp>
+      <p:sp>
+        <p:nvSpPr>
+          <p:cNvPr id="5" name="Date Placeholder 4"/>
+          <p:cNvSpPr>
+            <a:spLocks noGrp="1"/>
+          </p:cNvSpPr>
+          <p:nvPr>
+            <p:ph type="dt" sz="half" idx="2"/>
+          </p:nvPr>
+        </p:nvSpPr>
+        <p:spPr/>
+        <p:txBody>
+          <a:bodyPr/>
+          <a:lstStyle/>
+          <a:p>
+            <a:pPr>
+              <a:defRPr/>
+            </a:pPr>
+            <a:r>
+              <a:rPr lang="en-US" smtClean="0"/>
+              <a:t>Albert R Meyer,                        May 14, 2012</a:t>
+            </a:r>
+            <a:endParaRPr lang="en-US" dirty="0"/>
+          </a:p>
+        </p:txBody>
+      </p:sp>
+      <p:graphicFrame>
+        <p:nvGraphicFramePr>
+          <p:cNvPr id="6" name="Object 5"/>
+          <p:cNvGraphicFramePr>
+            <a:graphicFrameLocks noChangeAspect="1"/>
+          </p:cNvGraphicFramePr>
+          <p:nvPr>
+            <p:extLst>
+              <p:ext uri="{D42A27DB-BD31-4B8C-83A1-F6EECF244321}">
+                <p14:modId xmlns:p14="http://schemas.microsoft.com/office/powerpoint/2010/main" val="42940372"/>
+              </p:ext>
+            </p:extLst>
+          </p:nvPr>
+        </p:nvGraphicFramePr>
+        <p:xfrm>
+          <a:off x="1057275" y="3886200"/>
+          <a:ext cx="6181725" cy="2362200"/>
+        </p:xfrm>
+        <a:graphic>
+          <a:graphicData uri="http://schemas.openxmlformats.org/presentationml/2006/ole">
+            <mc:AlternateContent xmlns:mc="http://schemas.openxmlformats.org/markup-compatibility/2006">
+              <mc:Choice xmlns:v="urn:schemas-microsoft-com:vml" Requires="v">
+                <p:oleObj spid="_x0000_s247820" name="Equation" r:id="rId4" imgW="1562100" imgH="596900" progId="Equation.DSMT4">
+                  <p:embed/>
+                </p:oleObj>
+              </mc:Choice>
+              <mc:Fallback>
+                <p:oleObj name="Equation" r:id="rId4" imgW="1562100" imgH="596900" progId="Equation.DSMT4">
+                  <p:embed/>
+                  <p:pic>
+                    <p:nvPicPr>
+                      <p:cNvPr id="0" name=""/>
+                      <p:cNvPicPr/>
+                      <p:nvPr/>
+                    </p:nvPicPr>
+                    <p:blipFill>
+                      <a:blip r:embed="rId5"/>
+                      <a:stretch>
+                        <a:fillRect/>
+                      </a:stretch>
+                    </p:blipFill>
+                    <p:spPr>
+                      <a:xfrm>
+                        <a:off x="1057275" y="3886200"/>
+                        <a:ext cx="6181725" cy="2362200"/>
+                      </a:xfrm>
+                      <a:prstGeom prst="rect">
+                        <a:avLst/>
+                      </a:prstGeom>
+                    </p:spPr>
+                  </p:pic>
+                </p:oleObj>
+              </mc:Fallback>
+            </mc:AlternateContent>
+          </a:graphicData>
+        </a:graphic>
+      </p:graphicFrame>
+      <p:sp>
+        <p:nvSpPr>
+          <p:cNvPr id="8" name="Title 1"/>
+          <p:cNvSpPr>
+            <a:spLocks noGrp="1"/>
+          </p:cNvSpPr>
+          <p:nvPr>
+            <p:ph type="title"/>
+          </p:nvPr>
+        </p:nvSpPr>
+        <p:spPr>
+          <a:xfrm>
+            <a:off x="1519238" y="76200"/>
+            <a:ext cx="6100762" cy="1146176"/>
+          </a:xfrm>
+        </p:spPr>
+        <p:txBody>
+          <a:bodyPr/>
+          <a:lstStyle/>
+          <a:p>
+            <a:r>
+              <a:rPr lang="en-US" dirty="0" smtClean="0"/>
+              <a:t>Keep </a:t>
+            </a:r>
+            <a:r>
+              <a:rPr lang="en-US" dirty="0"/>
+              <a:t>P</a:t>
+            </a:r>
+            <a:r>
+              <a:rPr lang="en-US" dirty="0" smtClean="0"/>
+              <a:t>laying until Ruin</a:t>
+            </a:r>
+            <a:endParaRPr lang="en-US" dirty="0"/>
+          </a:p>
+        </p:txBody>
+      </p:sp>
+    </p:spTree>
+    <p:extLst>
+      <p:ext uri="{BB962C8B-B14F-4D97-AF65-F5344CB8AC3E}">
+        <p14:creationId xmlns:p14="http://schemas.microsoft.com/office/powerpoint/2010/main" val="3586621169"/>
+      </p:ext>
+    </p:extLst>
+  </p:cSld>
+  <p:clrMapOvr>
+    <a:masterClrMapping/>
+  </p:clrMapOvr>
+  <mc:AlternateContent xmlns:mc="http://schemas.openxmlformats.org/markup-compatibility/2006" xmlns:p14="http://schemas.microsoft.com/office/powerpoint/2010/main">
+    <mc:Choice Requires="p14">
+      <p:transition spd="med" p14:dur="600" advClick="0">
+        <p:fade/>
+      </p:transition>
+    </mc:Choice>
+    <mc:Fallback xmlns="">
+      <p:transition xmlns:p14="http://schemas.microsoft.com/office/powerpoint/2010/main" spd="med" advClick="0">
+        <p:fade/>
+      </p:transition>
+    </mc:Fallback>
+  </mc:AlternateContent>
+  <p:timing>
+    <p:tnLst>
+      <p:par>
+        <p:cTn xmlns:p14="http://schemas.microsoft.com/office/powerpoint/2010/main" id="1" dur="indefinite" restart="never" nodeType="tmRoot"/>
+      </p:par>
+    </p:tnLst>
   </p:timing>
 </p:sld>
 </file>
